--- a/Document/Source/[2]보스 콘텐츠 시스템 UI.pptx
+++ b/Document/Source/[2]보스 콘텐츠 시스템 UI.pptx
@@ -19,13 +19,14 @@
     <p:sldId id="264" r:id="rId13"/>
     <p:sldId id="265" r:id="rId14"/>
     <p:sldId id="267" r:id="rId15"/>
-    <p:sldId id="268" r:id="rId16"/>
-    <p:sldId id="274" r:id="rId17"/>
-    <p:sldId id="269" r:id="rId18"/>
-    <p:sldId id="276" r:id="rId19"/>
-    <p:sldId id="270" r:id="rId20"/>
-    <p:sldId id="271" r:id="rId21"/>
-    <p:sldId id="272" r:id="rId22"/>
+    <p:sldId id="277" r:id="rId16"/>
+    <p:sldId id="268" r:id="rId17"/>
+    <p:sldId id="274" r:id="rId18"/>
+    <p:sldId id="269" r:id="rId19"/>
+    <p:sldId id="276" r:id="rId20"/>
+    <p:sldId id="270" r:id="rId21"/>
+    <p:sldId id="271" r:id="rId22"/>
+    <p:sldId id="272" r:id="rId23"/>
   </p:sldIdLst>
   <p:sldSz cx="12192000" cy="6858000"/>
   <p:notesSz cx="6858000" cy="9144000"/>
@@ -279,7 +280,7 @@
           <a:p>
             <a:fld id="{E7667923-C677-4680-B76B-6B19B2E0B717}" type="datetimeFigureOut">
               <a:rPr lang="ko-KR" altLang="en-US" smtClean="0"/>
-              <a:t>2022-12-06</a:t>
+              <a:t>2022-12-20</a:t>
             </a:fld>
             <a:endParaRPr lang="ko-KR" altLang="en-US"/>
           </a:p>
@@ -477,7 +478,7 @@
           <a:p>
             <a:fld id="{E7667923-C677-4680-B76B-6B19B2E0B717}" type="datetimeFigureOut">
               <a:rPr lang="ko-KR" altLang="en-US" smtClean="0"/>
-              <a:t>2022-12-06</a:t>
+              <a:t>2022-12-20</a:t>
             </a:fld>
             <a:endParaRPr lang="ko-KR" altLang="en-US"/>
           </a:p>
@@ -685,7 +686,7 @@
           <a:p>
             <a:fld id="{E7667923-C677-4680-B76B-6B19B2E0B717}" type="datetimeFigureOut">
               <a:rPr lang="ko-KR" altLang="en-US" smtClean="0"/>
-              <a:t>2022-12-06</a:t>
+              <a:t>2022-12-20</a:t>
             </a:fld>
             <a:endParaRPr lang="ko-KR" altLang="en-US"/>
           </a:p>
@@ -883,7 +884,7 @@
           <a:p>
             <a:fld id="{E7667923-C677-4680-B76B-6B19B2E0B717}" type="datetimeFigureOut">
               <a:rPr lang="ko-KR" altLang="en-US" smtClean="0"/>
-              <a:t>2022-12-06</a:t>
+              <a:t>2022-12-20</a:t>
             </a:fld>
             <a:endParaRPr lang="ko-KR" altLang="en-US"/>
           </a:p>
@@ -1158,7 +1159,7 @@
           <a:p>
             <a:fld id="{E7667923-C677-4680-B76B-6B19B2E0B717}" type="datetimeFigureOut">
               <a:rPr lang="ko-KR" altLang="en-US" smtClean="0"/>
-              <a:t>2022-12-06</a:t>
+              <a:t>2022-12-20</a:t>
             </a:fld>
             <a:endParaRPr lang="ko-KR" altLang="en-US"/>
           </a:p>
@@ -1423,7 +1424,7 @@
           <a:p>
             <a:fld id="{E7667923-C677-4680-B76B-6B19B2E0B717}" type="datetimeFigureOut">
               <a:rPr lang="ko-KR" altLang="en-US" smtClean="0"/>
-              <a:t>2022-12-06</a:t>
+              <a:t>2022-12-20</a:t>
             </a:fld>
             <a:endParaRPr lang="ko-KR" altLang="en-US"/>
           </a:p>
@@ -1835,7 +1836,7 @@
           <a:p>
             <a:fld id="{E7667923-C677-4680-B76B-6B19B2E0B717}" type="datetimeFigureOut">
               <a:rPr lang="ko-KR" altLang="en-US" smtClean="0"/>
-              <a:t>2022-12-06</a:t>
+              <a:t>2022-12-20</a:t>
             </a:fld>
             <a:endParaRPr lang="ko-KR" altLang="en-US"/>
           </a:p>
@@ -1976,7 +1977,7 @@
           <a:p>
             <a:fld id="{E7667923-C677-4680-B76B-6B19B2E0B717}" type="datetimeFigureOut">
               <a:rPr lang="ko-KR" altLang="en-US" smtClean="0"/>
-              <a:t>2022-12-06</a:t>
+              <a:t>2022-12-20</a:t>
             </a:fld>
             <a:endParaRPr lang="ko-KR" altLang="en-US"/>
           </a:p>
@@ -2089,7 +2090,7 @@
           <a:p>
             <a:fld id="{E7667923-C677-4680-B76B-6B19B2E0B717}" type="datetimeFigureOut">
               <a:rPr lang="ko-KR" altLang="en-US" smtClean="0"/>
-              <a:t>2022-12-06</a:t>
+              <a:t>2022-12-20</a:t>
             </a:fld>
             <a:endParaRPr lang="ko-KR" altLang="en-US"/>
           </a:p>
@@ -2400,7 +2401,7 @@
           <a:p>
             <a:fld id="{E7667923-C677-4680-B76B-6B19B2E0B717}" type="datetimeFigureOut">
               <a:rPr lang="ko-KR" altLang="en-US" smtClean="0"/>
-              <a:t>2022-12-06</a:t>
+              <a:t>2022-12-20</a:t>
             </a:fld>
             <a:endParaRPr lang="ko-KR" altLang="en-US"/>
           </a:p>
@@ -2688,7 +2689,7 @@
           <a:p>
             <a:fld id="{E7667923-C677-4680-B76B-6B19B2E0B717}" type="datetimeFigureOut">
               <a:rPr lang="ko-KR" altLang="en-US" smtClean="0"/>
-              <a:t>2022-12-06</a:t>
+              <a:t>2022-12-20</a:t>
             </a:fld>
             <a:endParaRPr lang="ko-KR" altLang="en-US"/>
           </a:p>
@@ -2929,7 +2930,7 @@
           <a:p>
             <a:fld id="{E7667923-C677-4680-B76B-6B19B2E0B717}" type="datetimeFigureOut">
               <a:rPr lang="ko-KR" altLang="en-US" smtClean="0"/>
-              <a:t>2022-12-06</a:t>
+              <a:t>2022-12-20</a:t>
             </a:fld>
             <a:endParaRPr lang="ko-KR" altLang="en-US"/>
           </a:p>
@@ -13027,6 +13028,1155 @@
       </p:grpSpPr>
       <p:sp>
         <p:nvSpPr>
+          <p:cNvPr id="2" name="직사각형 1">
+            <a:extLst>
+              <a:ext uri="{FF2B5EF4-FFF2-40B4-BE49-F238E27FC236}">
+                <a16:creationId xmlns:a16="http://schemas.microsoft.com/office/drawing/2014/main" id="{776D6934-E85E-2B5C-F414-AFC939B5D152}"/>
+              </a:ext>
+            </a:extLst>
+          </p:cNvPr>
+          <p:cNvSpPr/>
+          <p:nvPr/>
+        </p:nvSpPr>
+        <p:spPr>
+          <a:xfrm>
+            <a:off x="631657" y="920392"/>
+            <a:ext cx="1384836" cy="1227635"/>
+          </a:xfrm>
+          <a:prstGeom prst="rect">
+            <a:avLst/>
+          </a:prstGeom>
+          <a:ln>
+            <a:solidFill>
+              <a:schemeClr val="tx1"/>
+            </a:solidFill>
+          </a:ln>
+        </p:spPr>
+        <p:style>
+          <a:lnRef idx="2">
+            <a:schemeClr val="accent3">
+              <a:shade val="50000"/>
+            </a:schemeClr>
+          </a:lnRef>
+          <a:fillRef idx="1">
+            <a:schemeClr val="accent3"/>
+          </a:fillRef>
+          <a:effectRef idx="0">
+            <a:schemeClr val="accent3"/>
+          </a:effectRef>
+          <a:fontRef idx="minor">
+            <a:schemeClr val="lt1"/>
+          </a:fontRef>
+        </p:style>
+        <p:txBody>
+          <a:bodyPr rtlCol="0" anchor="ctr"/>
+          <a:lstStyle/>
+          <a:p>
+            <a:pPr algn="ctr"/>
+            <a:endParaRPr lang="ko-KR" altLang="en-US"/>
+          </a:p>
+        </p:txBody>
+      </p:sp>
+      <p:sp>
+        <p:nvSpPr>
+          <p:cNvPr id="3" name="직사각형 2">
+            <a:extLst>
+              <a:ext uri="{FF2B5EF4-FFF2-40B4-BE49-F238E27FC236}">
+                <a16:creationId xmlns:a16="http://schemas.microsoft.com/office/drawing/2014/main" id="{2819BE00-3239-4EB8-CB52-5DF022DA3864}"/>
+              </a:ext>
+            </a:extLst>
+          </p:cNvPr>
+          <p:cNvSpPr/>
+          <p:nvPr/>
+        </p:nvSpPr>
+        <p:spPr>
+          <a:xfrm>
+            <a:off x="1979063" y="920391"/>
+            <a:ext cx="1923799" cy="2567559"/>
+          </a:xfrm>
+          <a:prstGeom prst="rect">
+            <a:avLst/>
+          </a:prstGeom>
+          <a:ln>
+            <a:solidFill>
+              <a:schemeClr val="tx1"/>
+            </a:solidFill>
+          </a:ln>
+        </p:spPr>
+        <p:style>
+          <a:lnRef idx="2">
+            <a:schemeClr val="accent3">
+              <a:shade val="50000"/>
+            </a:schemeClr>
+          </a:lnRef>
+          <a:fillRef idx="1">
+            <a:schemeClr val="accent3"/>
+          </a:fillRef>
+          <a:effectRef idx="0">
+            <a:schemeClr val="accent3"/>
+          </a:effectRef>
+          <a:fontRef idx="minor">
+            <a:schemeClr val="lt1"/>
+          </a:fontRef>
+        </p:style>
+        <p:txBody>
+          <a:bodyPr rtlCol="0" anchor="ctr"/>
+          <a:lstStyle/>
+          <a:p>
+            <a:pPr algn="ctr"/>
+            <a:endParaRPr lang="ko-KR" altLang="en-US"/>
+          </a:p>
+        </p:txBody>
+      </p:sp>
+      <p:sp>
+        <p:nvSpPr>
+          <p:cNvPr id="5" name="직사각형 4">
+            <a:extLst>
+              <a:ext uri="{FF2B5EF4-FFF2-40B4-BE49-F238E27FC236}">
+                <a16:creationId xmlns:a16="http://schemas.microsoft.com/office/drawing/2014/main" id="{109D0A96-3753-F3A1-C808-6C9EDC8048CA}"/>
+              </a:ext>
+            </a:extLst>
+          </p:cNvPr>
+          <p:cNvSpPr/>
+          <p:nvPr/>
+        </p:nvSpPr>
+        <p:spPr>
+          <a:xfrm>
+            <a:off x="1515292" y="4892512"/>
+            <a:ext cx="8226804" cy="1237852"/>
+          </a:xfrm>
+          <a:prstGeom prst="rect">
+            <a:avLst/>
+          </a:prstGeom>
+          <a:ln>
+            <a:solidFill>
+              <a:schemeClr val="tx1"/>
+            </a:solidFill>
+          </a:ln>
+        </p:spPr>
+        <p:style>
+          <a:lnRef idx="2">
+            <a:schemeClr val="accent3">
+              <a:shade val="50000"/>
+            </a:schemeClr>
+          </a:lnRef>
+          <a:fillRef idx="1">
+            <a:schemeClr val="accent3"/>
+          </a:fillRef>
+          <a:effectRef idx="0">
+            <a:schemeClr val="accent3"/>
+          </a:effectRef>
+          <a:fontRef idx="minor">
+            <a:schemeClr val="lt1"/>
+          </a:fontRef>
+        </p:style>
+        <p:txBody>
+          <a:bodyPr rtlCol="0" anchor="ctr"/>
+          <a:lstStyle/>
+          <a:p>
+            <a:pPr algn="ctr"/>
+            <a:endParaRPr lang="ko-KR" altLang="en-US"/>
+          </a:p>
+        </p:txBody>
+      </p:sp>
+      <p:sp>
+        <p:nvSpPr>
+          <p:cNvPr id="6" name="직사각형 5">
+            <a:extLst>
+              <a:ext uri="{FF2B5EF4-FFF2-40B4-BE49-F238E27FC236}">
+                <a16:creationId xmlns:a16="http://schemas.microsoft.com/office/drawing/2014/main" id="{910B3F0F-E612-1FF8-9AAC-0604C7FDEE8B}"/>
+              </a:ext>
+            </a:extLst>
+          </p:cNvPr>
+          <p:cNvSpPr/>
+          <p:nvPr/>
+        </p:nvSpPr>
+        <p:spPr>
+          <a:xfrm>
+            <a:off x="2188661" y="3487950"/>
+            <a:ext cx="778501" cy="1404562"/>
+          </a:xfrm>
+          <a:prstGeom prst="rect">
+            <a:avLst/>
+          </a:prstGeom>
+          <a:ln>
+            <a:solidFill>
+              <a:schemeClr val="tx1"/>
+            </a:solidFill>
+          </a:ln>
+        </p:spPr>
+        <p:style>
+          <a:lnRef idx="2">
+            <a:schemeClr val="accent3">
+              <a:shade val="50000"/>
+            </a:schemeClr>
+          </a:lnRef>
+          <a:fillRef idx="1">
+            <a:schemeClr val="accent3"/>
+          </a:fillRef>
+          <a:effectRef idx="0">
+            <a:schemeClr val="accent3"/>
+          </a:effectRef>
+          <a:fontRef idx="minor">
+            <a:schemeClr val="lt1"/>
+          </a:fontRef>
+        </p:style>
+        <p:txBody>
+          <a:bodyPr rtlCol="0" anchor="ctr"/>
+          <a:lstStyle/>
+          <a:p>
+            <a:pPr algn="ctr"/>
+            <a:endParaRPr lang="ko-KR" altLang="en-US"/>
+          </a:p>
+        </p:txBody>
+      </p:sp>
+      <p:sp>
+        <p:nvSpPr>
+          <p:cNvPr id="9" name="직사각형 8">
+            <a:extLst>
+              <a:ext uri="{FF2B5EF4-FFF2-40B4-BE49-F238E27FC236}">
+                <a16:creationId xmlns:a16="http://schemas.microsoft.com/office/drawing/2014/main" id="{2DD7D2CB-F85A-EE96-335C-10E3727F6147}"/>
+              </a:ext>
+            </a:extLst>
+          </p:cNvPr>
+          <p:cNvSpPr/>
+          <p:nvPr/>
+        </p:nvSpPr>
+        <p:spPr>
+          <a:xfrm>
+            <a:off x="824410" y="1193616"/>
+            <a:ext cx="961900" cy="681187"/>
+          </a:xfrm>
+          <a:prstGeom prst="rect">
+            <a:avLst/>
+          </a:prstGeom>
+          <a:solidFill>
+            <a:schemeClr val="bg1"/>
+          </a:solidFill>
+          <a:ln>
+            <a:solidFill>
+              <a:schemeClr val="tx1"/>
+            </a:solidFill>
+          </a:ln>
+        </p:spPr>
+        <p:style>
+          <a:lnRef idx="2">
+            <a:schemeClr val="accent1">
+              <a:shade val="50000"/>
+            </a:schemeClr>
+          </a:lnRef>
+          <a:fillRef idx="1">
+            <a:schemeClr val="accent1"/>
+          </a:fillRef>
+          <a:effectRef idx="0">
+            <a:schemeClr val="accent1"/>
+          </a:effectRef>
+          <a:fontRef idx="minor">
+            <a:schemeClr val="lt1"/>
+          </a:fontRef>
+        </p:style>
+        <p:txBody>
+          <a:bodyPr rtlCol="0" anchor="ctr"/>
+          <a:lstStyle/>
+          <a:p>
+            <a:pPr algn="ctr"/>
+            <a:r>
+              <a:rPr lang="ko-KR" altLang="en-US" sz="1100" dirty="0" err="1">
+                <a:solidFill>
+                  <a:schemeClr val="tx1"/>
+                </a:solidFill>
+                <a:latin typeface="Microsoft GothicNeo Light" panose="020B0300000101010101" pitchFamily="50" charset="-127"/>
+                <a:ea typeface="Microsoft GothicNeo Light" panose="020B0300000101010101" pitchFamily="50" charset="-127"/>
+                <a:cs typeface="Microsoft GothicNeo Light" panose="020B0300000101010101" pitchFamily="50" charset="-127"/>
+              </a:rPr>
+              <a:t>스폰</a:t>
+            </a:r>
+            <a:endParaRPr lang="ko-KR" altLang="en-US" sz="1100" dirty="0">
+              <a:solidFill>
+                <a:schemeClr val="tx1"/>
+              </a:solidFill>
+              <a:latin typeface="Microsoft GothicNeo Light" panose="020B0300000101010101" pitchFamily="50" charset="-127"/>
+              <a:ea typeface="Microsoft GothicNeo Light" panose="020B0300000101010101" pitchFamily="50" charset="-127"/>
+              <a:cs typeface="Microsoft GothicNeo Light" panose="020B0300000101010101" pitchFamily="50" charset="-127"/>
+            </a:endParaRPr>
+          </a:p>
+        </p:txBody>
+      </p:sp>
+      <p:sp>
+        <p:nvSpPr>
+          <p:cNvPr id="12" name="직사각형 11">
+            <a:extLst>
+              <a:ext uri="{FF2B5EF4-FFF2-40B4-BE49-F238E27FC236}">
+                <a16:creationId xmlns:a16="http://schemas.microsoft.com/office/drawing/2014/main" id="{7E78656B-54DA-5588-1863-2446CB63F99F}"/>
+              </a:ext>
+            </a:extLst>
+          </p:cNvPr>
+          <p:cNvSpPr/>
+          <p:nvPr/>
+        </p:nvSpPr>
+        <p:spPr>
+          <a:xfrm>
+            <a:off x="9006812" y="3854705"/>
+            <a:ext cx="735285" cy="1077926"/>
+          </a:xfrm>
+          <a:prstGeom prst="rect">
+            <a:avLst/>
+          </a:prstGeom>
+          <a:ln>
+            <a:solidFill>
+              <a:schemeClr val="tx1"/>
+            </a:solidFill>
+          </a:ln>
+        </p:spPr>
+        <p:style>
+          <a:lnRef idx="2">
+            <a:schemeClr val="accent3">
+              <a:shade val="50000"/>
+            </a:schemeClr>
+          </a:lnRef>
+          <a:fillRef idx="1">
+            <a:schemeClr val="accent3"/>
+          </a:fillRef>
+          <a:effectRef idx="0">
+            <a:schemeClr val="accent3"/>
+          </a:effectRef>
+          <a:fontRef idx="minor">
+            <a:schemeClr val="lt1"/>
+          </a:fontRef>
+        </p:style>
+        <p:txBody>
+          <a:bodyPr rtlCol="0" anchor="ctr"/>
+          <a:lstStyle/>
+          <a:p>
+            <a:pPr algn="ctr"/>
+            <a:endParaRPr lang="ko-KR" altLang="en-US"/>
+          </a:p>
+        </p:txBody>
+      </p:sp>
+      <p:sp>
+        <p:nvSpPr>
+          <p:cNvPr id="13" name="직사각형 12">
+            <a:extLst>
+              <a:ext uri="{FF2B5EF4-FFF2-40B4-BE49-F238E27FC236}">
+                <a16:creationId xmlns:a16="http://schemas.microsoft.com/office/drawing/2014/main" id="{4002239F-4242-0735-E2D1-6CD41A68BCBE}"/>
+              </a:ext>
+            </a:extLst>
+          </p:cNvPr>
+          <p:cNvSpPr/>
+          <p:nvPr/>
+        </p:nvSpPr>
+        <p:spPr>
+          <a:xfrm>
+            <a:off x="6411072" y="403249"/>
+            <a:ext cx="3508983" cy="3451456"/>
+          </a:xfrm>
+          <a:prstGeom prst="rect">
+            <a:avLst/>
+          </a:prstGeom>
+          <a:ln>
+            <a:solidFill>
+              <a:schemeClr val="tx1"/>
+            </a:solidFill>
+          </a:ln>
+        </p:spPr>
+        <p:style>
+          <a:lnRef idx="2">
+            <a:schemeClr val="accent3">
+              <a:shade val="50000"/>
+            </a:schemeClr>
+          </a:lnRef>
+          <a:fillRef idx="1">
+            <a:schemeClr val="accent3"/>
+          </a:fillRef>
+          <a:effectRef idx="0">
+            <a:schemeClr val="accent3"/>
+          </a:effectRef>
+          <a:fontRef idx="minor">
+            <a:schemeClr val="lt1"/>
+          </a:fontRef>
+        </p:style>
+        <p:txBody>
+          <a:bodyPr rtlCol="0" anchor="ctr"/>
+          <a:lstStyle/>
+          <a:p>
+            <a:pPr algn="ctr"/>
+            <a:endParaRPr lang="ko-KR" altLang="en-US"/>
+          </a:p>
+        </p:txBody>
+      </p:sp>
+      <p:sp>
+        <p:nvSpPr>
+          <p:cNvPr id="19" name="직사각형 18">
+            <a:extLst>
+              <a:ext uri="{FF2B5EF4-FFF2-40B4-BE49-F238E27FC236}">
+                <a16:creationId xmlns:a16="http://schemas.microsoft.com/office/drawing/2014/main" id="{043C7DA5-3DB2-A078-BC78-C48A54A81FE1}"/>
+              </a:ext>
+            </a:extLst>
+          </p:cNvPr>
+          <p:cNvSpPr/>
+          <p:nvPr/>
+        </p:nvSpPr>
+        <p:spPr>
+          <a:xfrm>
+            <a:off x="6419448" y="-674677"/>
+            <a:ext cx="1602714" cy="1077926"/>
+          </a:xfrm>
+          <a:prstGeom prst="rect">
+            <a:avLst/>
+          </a:prstGeom>
+          <a:ln>
+            <a:solidFill>
+              <a:schemeClr val="tx1"/>
+            </a:solidFill>
+          </a:ln>
+        </p:spPr>
+        <p:style>
+          <a:lnRef idx="2">
+            <a:schemeClr val="accent3">
+              <a:shade val="50000"/>
+            </a:schemeClr>
+          </a:lnRef>
+          <a:fillRef idx="1">
+            <a:schemeClr val="accent3"/>
+          </a:fillRef>
+          <a:effectRef idx="0">
+            <a:schemeClr val="accent3"/>
+          </a:effectRef>
+          <a:fontRef idx="minor">
+            <a:schemeClr val="lt1"/>
+          </a:fontRef>
+        </p:style>
+        <p:txBody>
+          <a:bodyPr rtlCol="0" anchor="ctr"/>
+          <a:lstStyle/>
+          <a:p>
+            <a:pPr algn="ctr"/>
+            <a:endParaRPr lang="ko-KR" altLang="en-US"/>
+          </a:p>
+        </p:txBody>
+      </p:sp>
+      <p:sp>
+        <p:nvSpPr>
+          <p:cNvPr id="20" name="직사각형 19">
+            <a:extLst>
+              <a:ext uri="{FF2B5EF4-FFF2-40B4-BE49-F238E27FC236}">
+                <a16:creationId xmlns:a16="http://schemas.microsoft.com/office/drawing/2014/main" id="{41729233-4AEB-A54E-E1B9-5A4B6960E291}"/>
+              </a:ext>
+            </a:extLst>
+          </p:cNvPr>
+          <p:cNvSpPr/>
+          <p:nvPr/>
+        </p:nvSpPr>
+        <p:spPr>
+          <a:xfrm>
+            <a:off x="6732144" y="-453851"/>
+            <a:ext cx="961900" cy="681187"/>
+          </a:xfrm>
+          <a:prstGeom prst="rect">
+            <a:avLst/>
+          </a:prstGeom>
+          <a:solidFill>
+            <a:schemeClr val="bg1"/>
+          </a:solidFill>
+          <a:ln>
+            <a:solidFill>
+              <a:schemeClr val="tx1"/>
+            </a:solidFill>
+          </a:ln>
+        </p:spPr>
+        <p:style>
+          <a:lnRef idx="2">
+            <a:schemeClr val="accent1">
+              <a:shade val="50000"/>
+            </a:schemeClr>
+          </a:lnRef>
+          <a:fillRef idx="1">
+            <a:schemeClr val="accent1"/>
+          </a:fillRef>
+          <a:effectRef idx="0">
+            <a:schemeClr val="accent1"/>
+          </a:effectRef>
+          <a:fontRef idx="minor">
+            <a:schemeClr val="lt1"/>
+          </a:fontRef>
+        </p:style>
+        <p:txBody>
+          <a:bodyPr rtlCol="0" anchor="ctr"/>
+          <a:lstStyle/>
+          <a:p>
+            <a:pPr algn="ctr"/>
+            <a:r>
+              <a:rPr lang="ko-KR" altLang="en-US" sz="1100" dirty="0">
+                <a:solidFill>
+                  <a:schemeClr val="tx1"/>
+                </a:solidFill>
+                <a:latin typeface="Microsoft GothicNeo Light" panose="020B0300000101010101" pitchFamily="50" charset="-127"/>
+                <a:ea typeface="Microsoft GothicNeo Light" panose="020B0300000101010101" pitchFamily="50" charset="-127"/>
+                <a:cs typeface="Microsoft GothicNeo Light" panose="020B0300000101010101" pitchFamily="50" charset="-127"/>
+              </a:rPr>
+              <a:t>보스 포탈</a:t>
+            </a:r>
+          </a:p>
+        </p:txBody>
+      </p:sp>
+      <p:sp>
+        <p:nvSpPr>
+          <p:cNvPr id="22" name="TextBox 21">
+            <a:extLst>
+              <a:ext uri="{FF2B5EF4-FFF2-40B4-BE49-F238E27FC236}">
+                <a16:creationId xmlns:a16="http://schemas.microsoft.com/office/drawing/2014/main" id="{A96FBC91-D557-4F2B-A86B-4EC840951946}"/>
+              </a:ext>
+            </a:extLst>
+          </p:cNvPr>
+          <p:cNvSpPr txBox="1"/>
+          <p:nvPr/>
+        </p:nvSpPr>
+        <p:spPr>
+          <a:xfrm>
+            <a:off x="122262" y="234616"/>
+            <a:ext cx="692818" cy="276999"/>
+          </a:xfrm>
+          <a:prstGeom prst="rect">
+            <a:avLst/>
+          </a:prstGeom>
+          <a:noFill/>
+        </p:spPr>
+        <p:txBody>
+          <a:bodyPr wrap="none" rtlCol="0">
+            <a:spAutoFit/>
+          </a:bodyPr>
+          <a:lstStyle/>
+          <a:p>
+            <a:r>
+              <a:rPr lang="en-US" altLang="ko-KR" sz="1200" dirty="0">
+                <a:latin typeface="Microsoft GothicNeo Light" panose="020B0300000101010101" pitchFamily="50" charset="-127"/>
+                <a:ea typeface="Microsoft GothicNeo Light" panose="020B0300000101010101" pitchFamily="50" charset="-127"/>
+                <a:cs typeface="Microsoft GothicNeo Light" panose="020B0300000101010101" pitchFamily="50" charset="-127"/>
+              </a:rPr>
+              <a:t>1 Stage</a:t>
+            </a:r>
+            <a:endParaRPr lang="ko-KR" altLang="en-US" sz="1200" dirty="0">
+              <a:latin typeface="Microsoft GothicNeo Light" panose="020B0300000101010101" pitchFamily="50" charset="-127"/>
+              <a:ea typeface="Microsoft GothicNeo Light" panose="020B0300000101010101" pitchFamily="50" charset="-127"/>
+              <a:cs typeface="Microsoft GothicNeo Light" panose="020B0300000101010101" pitchFamily="50" charset="-127"/>
+            </a:endParaRPr>
+          </a:p>
+        </p:txBody>
+      </p:sp>
+      <p:cxnSp>
+        <p:nvCxnSpPr>
+          <p:cNvPr id="24" name="직선 화살표 연결선 23">
+            <a:extLst>
+              <a:ext uri="{FF2B5EF4-FFF2-40B4-BE49-F238E27FC236}">
+                <a16:creationId xmlns:a16="http://schemas.microsoft.com/office/drawing/2014/main" id="{BE8AE0B0-DC96-B7A9-72A0-5F3919BE0437}"/>
+              </a:ext>
+            </a:extLst>
+          </p:cNvPr>
+          <p:cNvCxnSpPr>
+            <a:cxnSpLocks/>
+          </p:cNvCxnSpPr>
+          <p:nvPr/>
+        </p:nvCxnSpPr>
+        <p:spPr>
+          <a:xfrm>
+            <a:off x="1908347" y="1459354"/>
+            <a:ext cx="734777" cy="160941"/>
+          </a:xfrm>
+          <a:prstGeom prst="straightConnector1">
+            <a:avLst/>
+          </a:prstGeom>
+          <a:ln w="57150">
+            <a:solidFill>
+              <a:srgbClr val="FF0000"/>
+            </a:solidFill>
+            <a:tailEnd type="triangle"/>
+          </a:ln>
+        </p:spPr>
+        <p:style>
+          <a:lnRef idx="1">
+            <a:schemeClr val="accent1"/>
+          </a:lnRef>
+          <a:fillRef idx="0">
+            <a:schemeClr val="accent1"/>
+          </a:fillRef>
+          <a:effectRef idx="0">
+            <a:schemeClr val="accent1"/>
+          </a:effectRef>
+          <a:fontRef idx="minor">
+            <a:schemeClr val="tx1"/>
+          </a:fontRef>
+        </p:style>
+      </p:cxnSp>
+      <p:cxnSp>
+        <p:nvCxnSpPr>
+          <p:cNvPr id="25" name="직선 화살표 연결선 24">
+            <a:extLst>
+              <a:ext uri="{FF2B5EF4-FFF2-40B4-BE49-F238E27FC236}">
+                <a16:creationId xmlns:a16="http://schemas.microsoft.com/office/drawing/2014/main" id="{807EDF01-CEAD-FE3F-9664-2890E6EFBF0C}"/>
+              </a:ext>
+            </a:extLst>
+          </p:cNvPr>
+          <p:cNvCxnSpPr>
+            <a:cxnSpLocks/>
+          </p:cNvCxnSpPr>
+          <p:nvPr/>
+        </p:nvCxnSpPr>
+        <p:spPr>
+          <a:xfrm>
+            <a:off x="2669299" y="1874803"/>
+            <a:ext cx="45087" cy="3706847"/>
+          </a:xfrm>
+          <a:prstGeom prst="straightConnector1">
+            <a:avLst/>
+          </a:prstGeom>
+          <a:ln w="57150">
+            <a:solidFill>
+              <a:srgbClr val="FF0000"/>
+            </a:solidFill>
+            <a:tailEnd type="triangle"/>
+          </a:ln>
+        </p:spPr>
+        <p:style>
+          <a:lnRef idx="1">
+            <a:schemeClr val="accent1"/>
+          </a:lnRef>
+          <a:fillRef idx="0">
+            <a:schemeClr val="accent1"/>
+          </a:fillRef>
+          <a:effectRef idx="0">
+            <a:schemeClr val="accent1"/>
+          </a:effectRef>
+          <a:fontRef idx="minor">
+            <a:schemeClr val="tx1"/>
+          </a:fontRef>
+        </p:style>
+      </p:cxnSp>
+      <p:cxnSp>
+        <p:nvCxnSpPr>
+          <p:cNvPr id="21" name="직선 화살표 연결선 20">
+            <a:extLst>
+              <a:ext uri="{FF2B5EF4-FFF2-40B4-BE49-F238E27FC236}">
+                <a16:creationId xmlns:a16="http://schemas.microsoft.com/office/drawing/2014/main" id="{3A96E652-76EB-C6FA-D179-358C78035B7C}"/>
+              </a:ext>
+            </a:extLst>
+          </p:cNvPr>
+          <p:cNvCxnSpPr/>
+          <p:nvPr/>
+        </p:nvCxnSpPr>
+        <p:spPr>
+          <a:xfrm>
+            <a:off x="1979063" y="848226"/>
+            <a:ext cx="1923799" cy="0"/>
+          </a:xfrm>
+          <a:prstGeom prst="straightConnector1">
+            <a:avLst/>
+          </a:prstGeom>
+          <a:ln>
+            <a:headEnd type="triangle"/>
+            <a:tailEnd type="triangle"/>
+          </a:ln>
+        </p:spPr>
+        <p:style>
+          <a:lnRef idx="1">
+            <a:schemeClr val="dk1"/>
+          </a:lnRef>
+          <a:fillRef idx="0">
+            <a:schemeClr val="dk1"/>
+          </a:fillRef>
+          <a:effectRef idx="0">
+            <a:schemeClr val="dk1"/>
+          </a:effectRef>
+          <a:fontRef idx="minor">
+            <a:schemeClr val="tx1"/>
+          </a:fontRef>
+        </p:style>
+      </p:cxnSp>
+      <p:sp>
+        <p:nvSpPr>
+          <p:cNvPr id="23" name="TextBox 22">
+            <a:extLst>
+              <a:ext uri="{FF2B5EF4-FFF2-40B4-BE49-F238E27FC236}">
+                <a16:creationId xmlns:a16="http://schemas.microsoft.com/office/drawing/2014/main" id="{8F843601-669A-F634-3BD8-D7D62DD8D0B5}"/>
+              </a:ext>
+            </a:extLst>
+          </p:cNvPr>
+          <p:cNvSpPr txBox="1"/>
+          <p:nvPr/>
+        </p:nvSpPr>
+        <p:spPr>
+          <a:xfrm rot="5400000">
+            <a:off x="3907267" y="2019504"/>
+            <a:ext cx="768159" cy="369332"/>
+          </a:xfrm>
+          <a:prstGeom prst="rect">
+            <a:avLst/>
+          </a:prstGeom>
+          <a:noFill/>
+        </p:spPr>
+        <p:txBody>
+          <a:bodyPr wrap="none" rtlCol="0">
+            <a:spAutoFit/>
+          </a:bodyPr>
+          <a:lstStyle/>
+          <a:p>
+            <a:r>
+              <a:rPr lang="en-US" altLang="ko-KR" dirty="0"/>
+              <a:t>150m</a:t>
+            </a:r>
+            <a:endParaRPr lang="ko-KR" altLang="en-US" dirty="0"/>
+          </a:p>
+        </p:txBody>
+      </p:sp>
+      <p:cxnSp>
+        <p:nvCxnSpPr>
+          <p:cNvPr id="26" name="직선 화살표 연결선 25">
+            <a:extLst>
+              <a:ext uri="{FF2B5EF4-FFF2-40B4-BE49-F238E27FC236}">
+                <a16:creationId xmlns:a16="http://schemas.microsoft.com/office/drawing/2014/main" id="{38D4C93F-B2B1-7BA1-2C71-21EA65903B35}"/>
+              </a:ext>
+            </a:extLst>
+          </p:cNvPr>
+          <p:cNvCxnSpPr>
+            <a:cxnSpLocks/>
+          </p:cNvCxnSpPr>
+          <p:nvPr/>
+        </p:nvCxnSpPr>
+        <p:spPr>
+          <a:xfrm>
+            <a:off x="4026437" y="941676"/>
+            <a:ext cx="0" cy="2487324"/>
+          </a:xfrm>
+          <a:prstGeom prst="straightConnector1">
+            <a:avLst/>
+          </a:prstGeom>
+          <a:ln>
+            <a:headEnd type="triangle"/>
+            <a:tailEnd type="triangle"/>
+          </a:ln>
+        </p:spPr>
+        <p:style>
+          <a:lnRef idx="1">
+            <a:schemeClr val="dk1"/>
+          </a:lnRef>
+          <a:fillRef idx="0">
+            <a:schemeClr val="dk1"/>
+          </a:fillRef>
+          <a:effectRef idx="0">
+            <a:schemeClr val="dk1"/>
+          </a:effectRef>
+          <a:fontRef idx="minor">
+            <a:schemeClr val="tx1"/>
+          </a:fontRef>
+        </p:style>
+      </p:cxnSp>
+      <p:sp>
+        <p:nvSpPr>
+          <p:cNvPr id="29" name="TextBox 28">
+            <a:extLst>
+              <a:ext uri="{FF2B5EF4-FFF2-40B4-BE49-F238E27FC236}">
+                <a16:creationId xmlns:a16="http://schemas.microsoft.com/office/drawing/2014/main" id="{ED95EA0E-B51A-E9E7-268F-E4F6C76E994A}"/>
+              </a:ext>
+            </a:extLst>
+          </p:cNvPr>
+          <p:cNvSpPr txBox="1"/>
+          <p:nvPr/>
+        </p:nvSpPr>
+        <p:spPr>
+          <a:xfrm>
+            <a:off x="2643124" y="525462"/>
+            <a:ext cx="768159" cy="369332"/>
+          </a:xfrm>
+          <a:prstGeom prst="rect">
+            <a:avLst/>
+          </a:prstGeom>
+          <a:noFill/>
+        </p:spPr>
+        <p:txBody>
+          <a:bodyPr wrap="none" rtlCol="0">
+            <a:spAutoFit/>
+          </a:bodyPr>
+          <a:lstStyle/>
+          <a:p>
+            <a:r>
+              <a:rPr lang="en-US" altLang="ko-KR" dirty="0"/>
+              <a:t>100m</a:t>
+            </a:r>
+            <a:endParaRPr lang="ko-KR" altLang="en-US" dirty="0"/>
+          </a:p>
+        </p:txBody>
+      </p:sp>
+      <p:cxnSp>
+        <p:nvCxnSpPr>
+          <p:cNvPr id="15" name="직선 화살표 연결선 14">
+            <a:extLst>
+              <a:ext uri="{FF2B5EF4-FFF2-40B4-BE49-F238E27FC236}">
+                <a16:creationId xmlns:a16="http://schemas.microsoft.com/office/drawing/2014/main" id="{539401C9-7C1F-75D8-67CF-F49A7A8967F6}"/>
+              </a:ext>
+            </a:extLst>
+          </p:cNvPr>
+          <p:cNvCxnSpPr>
+            <a:cxnSpLocks/>
+          </p:cNvCxnSpPr>
+          <p:nvPr/>
+        </p:nvCxnSpPr>
+        <p:spPr>
+          <a:xfrm>
+            <a:off x="2737828" y="5562600"/>
+            <a:ext cx="6716343" cy="0"/>
+          </a:xfrm>
+          <a:prstGeom prst="straightConnector1">
+            <a:avLst/>
+          </a:prstGeom>
+          <a:ln w="57150">
+            <a:solidFill>
+              <a:srgbClr val="FF0000"/>
+            </a:solidFill>
+            <a:tailEnd type="triangle"/>
+          </a:ln>
+        </p:spPr>
+        <p:style>
+          <a:lnRef idx="1">
+            <a:schemeClr val="accent1"/>
+          </a:lnRef>
+          <a:fillRef idx="0">
+            <a:schemeClr val="accent1"/>
+          </a:fillRef>
+          <a:effectRef idx="0">
+            <a:schemeClr val="accent1"/>
+          </a:effectRef>
+          <a:fontRef idx="minor">
+            <a:schemeClr val="tx1"/>
+          </a:fontRef>
+        </p:style>
+      </p:cxnSp>
+      <p:cxnSp>
+        <p:nvCxnSpPr>
+          <p:cNvPr id="30" name="직선 화살표 연결선 29">
+            <a:extLst>
+              <a:ext uri="{FF2B5EF4-FFF2-40B4-BE49-F238E27FC236}">
+                <a16:creationId xmlns:a16="http://schemas.microsoft.com/office/drawing/2014/main" id="{06CD1519-3AE9-D03F-29CA-9FF533D83220}"/>
+              </a:ext>
+            </a:extLst>
+          </p:cNvPr>
+          <p:cNvCxnSpPr>
+            <a:cxnSpLocks/>
+          </p:cNvCxnSpPr>
+          <p:nvPr/>
+        </p:nvCxnSpPr>
+        <p:spPr>
+          <a:xfrm flipV="1">
+            <a:off x="9370373" y="2962613"/>
+            <a:ext cx="18764" cy="2479163"/>
+          </a:xfrm>
+          <a:prstGeom prst="straightConnector1">
+            <a:avLst/>
+          </a:prstGeom>
+          <a:ln w="57150">
+            <a:solidFill>
+              <a:srgbClr val="FF0000"/>
+            </a:solidFill>
+            <a:tailEnd type="triangle"/>
+          </a:ln>
+        </p:spPr>
+        <p:style>
+          <a:lnRef idx="1">
+            <a:schemeClr val="accent1"/>
+          </a:lnRef>
+          <a:fillRef idx="0">
+            <a:schemeClr val="accent1"/>
+          </a:fillRef>
+          <a:effectRef idx="0">
+            <a:schemeClr val="accent1"/>
+          </a:effectRef>
+          <a:fontRef idx="minor">
+            <a:schemeClr val="tx1"/>
+          </a:fontRef>
+        </p:style>
+      </p:cxnSp>
+      <p:cxnSp>
+        <p:nvCxnSpPr>
+          <p:cNvPr id="33" name="직선 화살표 연결선 32">
+            <a:extLst>
+              <a:ext uri="{FF2B5EF4-FFF2-40B4-BE49-F238E27FC236}">
+                <a16:creationId xmlns:a16="http://schemas.microsoft.com/office/drawing/2014/main" id="{BB4F15A7-F451-895B-114D-7AA1B8571CF2}"/>
+              </a:ext>
+            </a:extLst>
+          </p:cNvPr>
+          <p:cNvCxnSpPr>
+            <a:cxnSpLocks/>
+          </p:cNvCxnSpPr>
+          <p:nvPr/>
+        </p:nvCxnSpPr>
+        <p:spPr>
+          <a:xfrm flipH="1" flipV="1">
+            <a:off x="7048500" y="525462"/>
+            <a:ext cx="2402433" cy="2402939"/>
+          </a:xfrm>
+          <a:prstGeom prst="straightConnector1">
+            <a:avLst/>
+          </a:prstGeom>
+          <a:ln w="57150">
+            <a:solidFill>
+              <a:srgbClr val="FF0000"/>
+            </a:solidFill>
+            <a:tailEnd type="triangle"/>
+          </a:ln>
+        </p:spPr>
+        <p:style>
+          <a:lnRef idx="1">
+            <a:schemeClr val="accent1"/>
+          </a:lnRef>
+          <a:fillRef idx="0">
+            <a:schemeClr val="accent1"/>
+          </a:fillRef>
+          <a:effectRef idx="0">
+            <a:schemeClr val="accent1"/>
+          </a:effectRef>
+          <a:fontRef idx="minor">
+            <a:schemeClr val="tx1"/>
+          </a:fontRef>
+        </p:style>
+      </p:cxnSp>
+      <p:sp>
+        <p:nvSpPr>
+          <p:cNvPr id="7" name="직사각형 6">
+            <a:extLst>
+              <a:ext uri="{FF2B5EF4-FFF2-40B4-BE49-F238E27FC236}">
+                <a16:creationId xmlns:a16="http://schemas.microsoft.com/office/drawing/2014/main" id="{8E4FC970-DF09-59BC-C09E-1C93809EF33C}"/>
+              </a:ext>
+            </a:extLst>
+          </p:cNvPr>
+          <p:cNvSpPr/>
+          <p:nvPr/>
+        </p:nvSpPr>
+        <p:spPr>
+          <a:xfrm>
+            <a:off x="2818149" y="1093927"/>
+            <a:ext cx="961900" cy="681187"/>
+          </a:xfrm>
+          <a:prstGeom prst="rect">
+            <a:avLst/>
+          </a:prstGeom>
+          <a:solidFill>
+            <a:schemeClr val="bg1"/>
+          </a:solidFill>
+          <a:ln>
+            <a:solidFill>
+              <a:schemeClr val="tx1"/>
+            </a:solidFill>
+          </a:ln>
+        </p:spPr>
+        <p:style>
+          <a:lnRef idx="2">
+            <a:schemeClr val="accent1">
+              <a:shade val="50000"/>
+            </a:schemeClr>
+          </a:lnRef>
+          <a:fillRef idx="1">
+            <a:schemeClr val="accent1"/>
+          </a:fillRef>
+          <a:effectRef idx="0">
+            <a:schemeClr val="accent1"/>
+          </a:effectRef>
+          <a:fontRef idx="minor">
+            <a:schemeClr val="lt1"/>
+          </a:fontRef>
+        </p:style>
+        <p:txBody>
+          <a:bodyPr rtlCol="0" anchor="ctr"/>
+          <a:lstStyle/>
+          <a:p>
+            <a:pPr algn="ctr"/>
+            <a:r>
+              <a:rPr lang="ko-KR" altLang="en-US" sz="1100" dirty="0">
+                <a:solidFill>
+                  <a:schemeClr val="tx1"/>
+                </a:solidFill>
+                <a:latin typeface="Microsoft GothicNeo Light" panose="020B0300000101010101" pitchFamily="50" charset="-127"/>
+                <a:ea typeface="Microsoft GothicNeo Light" panose="020B0300000101010101" pitchFamily="50" charset="-127"/>
+                <a:cs typeface="Microsoft GothicNeo Light" panose="020B0300000101010101" pitchFamily="50" charset="-127"/>
+              </a:rPr>
+              <a:t>보통독성</a:t>
+            </a:r>
+          </a:p>
+        </p:txBody>
+      </p:sp>
+      <p:sp>
+        <p:nvSpPr>
+          <p:cNvPr id="8" name="직사각형 7">
+            <a:extLst>
+              <a:ext uri="{FF2B5EF4-FFF2-40B4-BE49-F238E27FC236}">
+                <a16:creationId xmlns:a16="http://schemas.microsoft.com/office/drawing/2014/main" id="{FB882E32-F041-2C96-B4C4-CF52D90B5DDF}"/>
+              </a:ext>
+            </a:extLst>
+          </p:cNvPr>
+          <p:cNvSpPr/>
+          <p:nvPr/>
+        </p:nvSpPr>
+        <p:spPr>
+          <a:xfrm>
+            <a:off x="5192737" y="5170844"/>
+            <a:ext cx="961900" cy="681187"/>
+          </a:xfrm>
+          <a:prstGeom prst="rect">
+            <a:avLst/>
+          </a:prstGeom>
+          <a:solidFill>
+            <a:schemeClr val="bg1"/>
+          </a:solidFill>
+          <a:ln>
+            <a:solidFill>
+              <a:schemeClr val="tx1"/>
+            </a:solidFill>
+          </a:ln>
+        </p:spPr>
+        <p:style>
+          <a:lnRef idx="2">
+            <a:schemeClr val="accent1">
+              <a:shade val="50000"/>
+            </a:schemeClr>
+          </a:lnRef>
+          <a:fillRef idx="1">
+            <a:schemeClr val="accent1"/>
+          </a:fillRef>
+          <a:effectRef idx="0">
+            <a:schemeClr val="accent1"/>
+          </a:effectRef>
+          <a:fontRef idx="minor">
+            <a:schemeClr val="lt1"/>
+          </a:fontRef>
+        </p:style>
+        <p:txBody>
+          <a:bodyPr rtlCol="0" anchor="ctr"/>
+          <a:lstStyle/>
+          <a:p>
+            <a:pPr algn="ctr"/>
+            <a:r>
+              <a:rPr lang="ko-KR" altLang="en-US" sz="1100">
+                <a:solidFill>
+                  <a:schemeClr val="tx1"/>
+                </a:solidFill>
+                <a:latin typeface="Microsoft GothicNeo Light" panose="020B0300000101010101" pitchFamily="50" charset="-127"/>
+                <a:ea typeface="Microsoft GothicNeo Light" panose="020B0300000101010101" pitchFamily="50" charset="-127"/>
+                <a:cs typeface="Microsoft GothicNeo Light" panose="020B0300000101010101" pitchFamily="50" charset="-127"/>
+              </a:rPr>
+              <a:t>고독성</a:t>
+            </a:r>
+            <a:endParaRPr lang="ko-KR" altLang="en-US" sz="1100" dirty="0">
+              <a:solidFill>
+                <a:schemeClr val="tx1"/>
+              </a:solidFill>
+              <a:latin typeface="Microsoft GothicNeo Light" panose="020B0300000101010101" pitchFamily="50" charset="-127"/>
+              <a:ea typeface="Microsoft GothicNeo Light" panose="020B0300000101010101" pitchFamily="50" charset="-127"/>
+              <a:cs typeface="Microsoft GothicNeo Light" panose="020B0300000101010101" pitchFamily="50" charset="-127"/>
+            </a:endParaRPr>
+          </a:p>
+        </p:txBody>
+      </p:sp>
+      <p:sp>
+        <p:nvSpPr>
+          <p:cNvPr id="10" name="직사각형 9">
+            <a:extLst>
+              <a:ext uri="{FF2B5EF4-FFF2-40B4-BE49-F238E27FC236}">
+                <a16:creationId xmlns:a16="http://schemas.microsoft.com/office/drawing/2014/main" id="{403462D3-0B83-98B6-04F6-3594EE4A2554}"/>
+              </a:ext>
+            </a:extLst>
+          </p:cNvPr>
+          <p:cNvSpPr/>
+          <p:nvPr/>
+        </p:nvSpPr>
+        <p:spPr>
+          <a:xfrm>
+            <a:off x="6628015" y="2979563"/>
+            <a:ext cx="961900" cy="681187"/>
+          </a:xfrm>
+          <a:prstGeom prst="rect">
+            <a:avLst/>
+          </a:prstGeom>
+          <a:solidFill>
+            <a:schemeClr val="bg1"/>
+          </a:solidFill>
+          <a:ln>
+            <a:solidFill>
+              <a:schemeClr val="tx1"/>
+            </a:solidFill>
+          </a:ln>
+        </p:spPr>
+        <p:style>
+          <a:lnRef idx="2">
+            <a:schemeClr val="accent1">
+              <a:shade val="50000"/>
+            </a:schemeClr>
+          </a:lnRef>
+          <a:fillRef idx="1">
+            <a:schemeClr val="accent1"/>
+          </a:fillRef>
+          <a:effectRef idx="0">
+            <a:schemeClr val="accent1"/>
+          </a:effectRef>
+          <a:fontRef idx="minor">
+            <a:schemeClr val="lt1"/>
+          </a:fontRef>
+        </p:style>
+        <p:txBody>
+          <a:bodyPr rtlCol="0" anchor="ctr"/>
+          <a:lstStyle/>
+          <a:p>
+            <a:pPr algn="ctr"/>
+            <a:r>
+              <a:rPr lang="ko-KR" altLang="en-US" sz="1100" dirty="0" err="1">
+                <a:solidFill>
+                  <a:schemeClr val="tx1"/>
+                </a:solidFill>
+                <a:latin typeface="Microsoft GothicNeo Light" panose="020B0300000101010101" pitchFamily="50" charset="-127"/>
+                <a:ea typeface="Microsoft GothicNeo Light" panose="020B0300000101010101" pitchFamily="50" charset="-127"/>
+                <a:cs typeface="Microsoft GothicNeo Light" panose="020B0300000101010101" pitchFamily="50" charset="-127"/>
+              </a:rPr>
+              <a:t>맹독성</a:t>
+            </a:r>
+            <a:endParaRPr lang="ko-KR" altLang="en-US" sz="1100" dirty="0">
+              <a:solidFill>
+                <a:schemeClr val="tx1"/>
+              </a:solidFill>
+              <a:latin typeface="Microsoft GothicNeo Light" panose="020B0300000101010101" pitchFamily="50" charset="-127"/>
+              <a:ea typeface="Microsoft GothicNeo Light" panose="020B0300000101010101" pitchFamily="50" charset="-127"/>
+              <a:cs typeface="Microsoft GothicNeo Light" panose="020B0300000101010101" pitchFamily="50" charset="-127"/>
+            </a:endParaRPr>
+          </a:p>
+        </p:txBody>
+      </p:sp>
+    </p:spTree>
+    <p:extLst>
+      <p:ext uri="{BB962C8B-B14F-4D97-AF65-F5344CB8AC3E}">
+        <p14:creationId xmlns:p14="http://schemas.microsoft.com/office/powerpoint/2010/main" val="420333839"/>
+      </p:ext>
+    </p:extLst>
+  </p:cSld>
+  <p:clrMapOvr>
+    <a:masterClrMapping/>
+  </p:clrMapOvr>
+</p:sld>
+</file>
+
+<file path=ppt/slides/slide16.xml><?xml version="1.0" encoding="utf-8"?>
+<p:sld xmlns:a="http://schemas.openxmlformats.org/drawingml/2006/main" xmlns:r="http://schemas.openxmlformats.org/officeDocument/2006/relationships" xmlns:p="http://schemas.openxmlformats.org/presentationml/2006/main">
+  <p:cSld>
+    <p:spTree>
+      <p:nvGrpSpPr>
+        <p:cNvPr id="1" name=""/>
+        <p:cNvGrpSpPr/>
+        <p:nvPr/>
+      </p:nvGrpSpPr>
+      <p:grpSpPr>
+        <a:xfrm>
+          <a:off x="0" y="0"/>
+          <a:ext cx="0" cy="0"/>
+          <a:chOff x="0" y="0"/>
+          <a:chExt cx="0" cy="0"/>
+        </a:xfrm>
+      </p:grpSpPr>
+      <p:sp>
+        <p:nvSpPr>
           <p:cNvPr id="7" name="TextBox 6">
             <a:extLst>
               <a:ext uri="{FF2B5EF4-FFF2-40B4-BE49-F238E27FC236}">
@@ -13877,7 +15027,7 @@
 </p:sld>
 </file>
 
-<file path=ppt/slides/slide16.xml><?xml version="1.0" encoding="utf-8"?>
+<file path=ppt/slides/slide17.xml><?xml version="1.0" encoding="utf-8"?>
 <p:sld xmlns:a="http://schemas.openxmlformats.org/drawingml/2006/main" xmlns:r="http://schemas.openxmlformats.org/officeDocument/2006/relationships" xmlns:p="http://schemas.openxmlformats.org/presentationml/2006/main">
   <p:cSld>
     <p:spTree>
@@ -14385,7 +15535,7 @@
 </p:sld>
 </file>
 
-<file path=ppt/slides/slide17.xml><?xml version="1.0" encoding="utf-8"?>
+<file path=ppt/slides/slide18.xml><?xml version="1.0" encoding="utf-8"?>
 <p:sld xmlns:a="http://schemas.openxmlformats.org/drawingml/2006/main" xmlns:r="http://schemas.openxmlformats.org/officeDocument/2006/relationships" xmlns:p="http://schemas.openxmlformats.org/presentationml/2006/main">
   <p:cSld>
     <p:spTree>
@@ -17601,7 +18751,7 @@
 </p:sld>
 </file>
 
-<file path=ppt/slides/slide18.xml><?xml version="1.0" encoding="utf-8"?>
+<file path=ppt/slides/slide19.xml><?xml version="1.0" encoding="utf-8"?>
 <p:sld xmlns:a="http://schemas.openxmlformats.org/drawingml/2006/main" xmlns:r="http://schemas.openxmlformats.org/officeDocument/2006/relationships" xmlns:p="http://schemas.openxmlformats.org/presentationml/2006/main">
   <p:cSld>
     <p:spTree>
@@ -18887,7 +20037,1822 @@
 </p:sld>
 </file>
 
-<file path=ppt/slides/slide19.xml><?xml version="1.0" encoding="utf-8"?>
+<file path=ppt/slides/slide2.xml><?xml version="1.0" encoding="utf-8"?>
+<p:sld xmlns:a="http://schemas.openxmlformats.org/drawingml/2006/main" xmlns:r="http://schemas.openxmlformats.org/officeDocument/2006/relationships" xmlns:p="http://schemas.openxmlformats.org/presentationml/2006/main">
+  <p:cSld>
+    <p:spTree>
+      <p:nvGrpSpPr>
+        <p:cNvPr id="1" name=""/>
+        <p:cNvGrpSpPr/>
+        <p:nvPr/>
+      </p:nvGrpSpPr>
+      <p:grpSpPr>
+        <a:xfrm>
+          <a:off x="0" y="0"/>
+          <a:ext cx="0" cy="0"/>
+          <a:chOff x="0" y="0"/>
+          <a:chExt cx="0" cy="0"/>
+        </a:xfrm>
+      </p:grpSpPr>
+      <p:graphicFrame>
+        <p:nvGraphicFramePr>
+          <p:cNvPr id="33" name="표 33">
+            <a:extLst>
+              <a:ext uri="{FF2B5EF4-FFF2-40B4-BE49-F238E27FC236}">
+                <a16:creationId xmlns:a16="http://schemas.microsoft.com/office/drawing/2014/main" id="{14EA221F-8FE4-7B1C-7CDF-36D3CFCF2DE5}"/>
+              </a:ext>
+            </a:extLst>
+          </p:cNvPr>
+          <p:cNvGraphicFramePr>
+            <a:graphicFrameLocks noGrp="1"/>
+          </p:cNvGraphicFramePr>
+          <p:nvPr>
+            <p:extLst>
+              <p:ext uri="{D42A27DB-BD31-4B8C-83A1-F6EECF244321}">
+                <p14:modId xmlns:p14="http://schemas.microsoft.com/office/powerpoint/2010/main" val="51991812"/>
+              </p:ext>
+            </p:extLst>
+          </p:nvPr>
+        </p:nvGraphicFramePr>
+        <p:xfrm>
+          <a:off x="7338843" y="2193235"/>
+          <a:ext cx="4415184" cy="1391920"/>
+        </p:xfrm>
+        <a:graphic>
+          <a:graphicData uri="http://schemas.openxmlformats.org/drawingml/2006/table">
+            <a:tbl>
+              <a:tblPr firstRow="1">
+                <a:tableStyleId>{69C7853C-536D-4A76-A0AE-DD22124D55A5}</a:tableStyleId>
+              </a:tblPr>
+              <a:tblGrid>
+                <a:gridCol w="868673">
+                  <a:extLst>
+                    <a:ext uri="{9D8B030D-6E8A-4147-A177-3AD203B41FA5}">
+                      <a16:colId xmlns:a16="http://schemas.microsoft.com/office/drawing/2014/main" val="795161235"/>
+                    </a:ext>
+                  </a:extLst>
+                </a:gridCol>
+                <a:gridCol w="1923771">
+                  <a:extLst>
+                    <a:ext uri="{9D8B030D-6E8A-4147-A177-3AD203B41FA5}">
+                      <a16:colId xmlns:a16="http://schemas.microsoft.com/office/drawing/2014/main" val="3671662175"/>
+                    </a:ext>
+                  </a:extLst>
+                </a:gridCol>
+                <a:gridCol w="1622740">
+                  <a:extLst>
+                    <a:ext uri="{9D8B030D-6E8A-4147-A177-3AD203B41FA5}">
+                      <a16:colId xmlns:a16="http://schemas.microsoft.com/office/drawing/2014/main" val="3133800565"/>
+                    </a:ext>
+                  </a:extLst>
+                </a:gridCol>
+              </a:tblGrid>
+              <a:tr h="370840">
+                <a:tc>
+                  <a:txBody>
+                    <a:bodyPr/>
+                    <a:lstStyle/>
+                    <a:p>
+                      <a:pPr algn="ctr" latinLnBrk="1"/>
+                      <a:r>
+                        <a:rPr lang="ko-KR" altLang="en-US" sz="1100" dirty="0"/>
+                        <a:t>각성단계</a:t>
+                      </a:r>
+                    </a:p>
+                  </a:txBody>
+                  <a:tcPr anchor="ctr"/>
+                </a:tc>
+                <a:tc>
+                  <a:txBody>
+                    <a:bodyPr/>
+                    <a:lstStyle/>
+                    <a:p>
+                      <a:pPr algn="ctr" latinLnBrk="1"/>
+                      <a:r>
+                        <a:rPr lang="ko-KR" altLang="en-US" sz="1100" dirty="0"/>
+                        <a:t>목적</a:t>
+                      </a:r>
+                    </a:p>
+                  </a:txBody>
+                  <a:tcPr anchor="ctr"/>
+                </a:tc>
+                <a:tc>
+                  <a:txBody>
+                    <a:bodyPr/>
+                    <a:lstStyle/>
+                    <a:p>
+                      <a:pPr algn="ctr" latinLnBrk="1"/>
+                      <a:r>
+                        <a:rPr lang="ko-KR" altLang="en-US" sz="1100" dirty="0"/>
+                        <a:t>동작</a:t>
+                      </a:r>
+                    </a:p>
+                  </a:txBody>
+                  <a:tcPr anchor="ctr"/>
+                </a:tc>
+                <a:extLst>
+                  <a:ext uri="{0D108BD9-81ED-4DB2-BD59-A6C34878D82A}">
+                    <a16:rowId xmlns:a16="http://schemas.microsoft.com/office/drawing/2014/main" val="3042865884"/>
+                  </a:ext>
+                </a:extLst>
+              </a:tr>
+              <a:tr h="370840">
+                <a:tc>
+                  <a:txBody>
+                    <a:bodyPr/>
+                    <a:lstStyle/>
+                    <a:p>
+                      <a:pPr algn="ctr" latinLnBrk="1"/>
+                      <a:r>
+                        <a:rPr lang="en-US" altLang="ko-KR" sz="1100" dirty="0"/>
+                        <a:t>1</a:t>
+                      </a:r>
+                      <a:r>
+                        <a:rPr lang="ko-KR" altLang="en-US" sz="1100" dirty="0"/>
+                        <a:t>차</a:t>
+                      </a:r>
+                    </a:p>
+                  </a:txBody>
+                  <a:tcPr anchor="ctr"/>
+                </a:tc>
+                <a:tc>
+                  <a:txBody>
+                    <a:bodyPr/>
+                    <a:lstStyle/>
+                    <a:p>
+                      <a:pPr latinLnBrk="1"/>
+                      <a:r>
+                        <a:rPr lang="ko-KR" altLang="en-US" sz="1100" dirty="0"/>
+                        <a:t>보편적 유저 스트레스 강화</a:t>
+                      </a:r>
+                      <a:endParaRPr lang="en-US" altLang="ko-KR" sz="1100" dirty="0"/>
+                    </a:p>
+                    <a:p>
+                      <a:pPr latinLnBrk="1"/>
+                      <a:r>
+                        <a:rPr lang="ko-KR" altLang="en-US" sz="1100" dirty="0" err="1"/>
+                        <a:t>스피드런</a:t>
+                      </a:r>
+                      <a:r>
+                        <a:rPr lang="ko-KR" altLang="en-US" sz="1100" dirty="0"/>
+                        <a:t> 유저의 마지노선</a:t>
+                      </a:r>
+                      <a:endParaRPr lang="en-US" altLang="ko-KR" sz="1100" dirty="0"/>
+                    </a:p>
+                  </a:txBody>
+                  <a:tcPr anchor="ctr"/>
+                </a:tc>
+                <a:tc>
+                  <a:txBody>
+                    <a:bodyPr/>
+                    <a:lstStyle/>
+                    <a:p>
+                      <a:pPr latinLnBrk="1"/>
+                      <a:r>
+                        <a:rPr lang="ko-KR" altLang="en-US" sz="1100" dirty="0"/>
+                        <a:t>공격 빈도 증가 </a:t>
+                      </a:r>
+                      <a:r>
+                        <a:rPr lang="en-US" altLang="ko-KR" sz="1100" dirty="0"/>
+                        <a:t>( 20% </a:t>
+                      </a:r>
+                      <a:r>
+                        <a:rPr lang="ko-KR" altLang="en-US" sz="1100" dirty="0"/>
+                        <a:t>정도</a:t>
+                      </a:r>
+                      <a:r>
+                        <a:rPr lang="en-US" altLang="ko-KR" sz="1100" dirty="0"/>
+                        <a:t>)</a:t>
+                      </a:r>
+                    </a:p>
+                    <a:p>
+                      <a:pPr latinLnBrk="1"/>
+                      <a:r>
+                        <a:rPr lang="ko-KR" altLang="en-US" sz="1100" dirty="0"/>
+                        <a:t>분노 이펙트</a:t>
+                      </a:r>
+                      <a:endParaRPr lang="en-US" altLang="ko-KR" sz="1100" dirty="0"/>
+                    </a:p>
+                  </a:txBody>
+                  <a:tcPr anchor="ctr"/>
+                </a:tc>
+                <a:extLst>
+                  <a:ext uri="{0D108BD9-81ED-4DB2-BD59-A6C34878D82A}">
+                    <a16:rowId xmlns:a16="http://schemas.microsoft.com/office/drawing/2014/main" val="2663205850"/>
+                  </a:ext>
+                </a:extLst>
+              </a:tr>
+              <a:tr h="370840">
+                <a:tc>
+                  <a:txBody>
+                    <a:bodyPr/>
+                    <a:lstStyle/>
+                    <a:p>
+                      <a:pPr algn="ctr" latinLnBrk="1"/>
+                      <a:r>
+                        <a:rPr lang="en-US" altLang="ko-KR" sz="1100" dirty="0"/>
+                        <a:t>2</a:t>
+                      </a:r>
+                      <a:r>
+                        <a:rPr lang="ko-KR" altLang="en-US" sz="1100" dirty="0"/>
+                        <a:t>차</a:t>
+                      </a:r>
+                    </a:p>
+                  </a:txBody>
+                  <a:tcPr anchor="ctr"/>
+                </a:tc>
+                <a:tc>
+                  <a:txBody>
+                    <a:bodyPr/>
+                    <a:lstStyle/>
+                    <a:p>
+                      <a:pPr latinLnBrk="1"/>
+                      <a:r>
+                        <a:rPr lang="ko-KR" altLang="en-US" sz="1100" dirty="0"/>
+                        <a:t>클리어 가능성 제공</a:t>
+                      </a:r>
+                    </a:p>
+                  </a:txBody>
+                  <a:tcPr anchor="ctr"/>
+                </a:tc>
+                <a:tc>
+                  <a:txBody>
+                    <a:bodyPr/>
+                    <a:lstStyle/>
+                    <a:p>
+                      <a:pPr latinLnBrk="1"/>
+                      <a:r>
+                        <a:rPr lang="ko-KR" altLang="en-US" sz="1100" dirty="0"/>
+                        <a:t>그로기 상태에 빠지는 강한 공격 패턴 제공</a:t>
+                      </a:r>
+                    </a:p>
+                  </a:txBody>
+                  <a:tcPr anchor="ctr"/>
+                </a:tc>
+                <a:extLst>
+                  <a:ext uri="{0D108BD9-81ED-4DB2-BD59-A6C34878D82A}">
+                    <a16:rowId xmlns:a16="http://schemas.microsoft.com/office/drawing/2014/main" val="2182437068"/>
+                  </a:ext>
+                </a:extLst>
+              </a:tr>
+            </a:tbl>
+          </a:graphicData>
+        </a:graphic>
+      </p:graphicFrame>
+      <p:grpSp>
+        <p:nvGrpSpPr>
+          <p:cNvPr id="36" name="그룹 35">
+            <a:extLst>
+              <a:ext uri="{FF2B5EF4-FFF2-40B4-BE49-F238E27FC236}">
+                <a16:creationId xmlns:a16="http://schemas.microsoft.com/office/drawing/2014/main" id="{8A085DA5-7CC5-5744-94F5-228703F5411E}"/>
+              </a:ext>
+            </a:extLst>
+          </p:cNvPr>
+          <p:cNvGrpSpPr/>
+          <p:nvPr/>
+        </p:nvGrpSpPr>
+        <p:grpSpPr>
+          <a:xfrm>
+            <a:off x="7338843" y="4061227"/>
+            <a:ext cx="4556848" cy="2279674"/>
+            <a:chOff x="1667640" y="1761974"/>
+            <a:chExt cx="4556848" cy="2279674"/>
+          </a:xfrm>
+        </p:grpSpPr>
+        <p:sp>
+          <p:nvSpPr>
+            <p:cNvPr id="37" name="사각형: 둥근 모서리 36">
+              <a:extLst>
+                <a:ext uri="{FF2B5EF4-FFF2-40B4-BE49-F238E27FC236}">
+                  <a16:creationId xmlns:a16="http://schemas.microsoft.com/office/drawing/2014/main" id="{FC24C532-89C9-2C99-7AB0-FE682AC51EC2}"/>
+                </a:ext>
+              </a:extLst>
+            </p:cNvPr>
+            <p:cNvSpPr/>
+            <p:nvPr/>
+          </p:nvSpPr>
+          <p:spPr>
+            <a:xfrm>
+              <a:off x="1752068" y="2303065"/>
+              <a:ext cx="1334729" cy="886894"/>
+            </a:xfrm>
+            <a:prstGeom prst="roundRect">
+              <a:avLst/>
+            </a:prstGeom>
+          </p:spPr>
+          <p:style>
+            <a:lnRef idx="3">
+              <a:schemeClr val="lt1"/>
+            </a:lnRef>
+            <a:fillRef idx="1">
+              <a:schemeClr val="accent3"/>
+            </a:fillRef>
+            <a:effectRef idx="1">
+              <a:schemeClr val="accent3"/>
+            </a:effectRef>
+            <a:fontRef idx="minor">
+              <a:schemeClr val="lt1"/>
+            </a:fontRef>
+          </p:style>
+          <p:txBody>
+            <a:bodyPr rtlCol="0" anchor="ctr"/>
+            <a:lstStyle/>
+            <a:p>
+              <a:pPr algn="ctr"/>
+              <a:r>
+                <a:rPr lang="ko-KR" altLang="en-US" dirty="0" err="1">
+                  <a:latin typeface="Microsoft GothicNeo Light" panose="020B0300000101010101" pitchFamily="50" charset="-127"/>
+                  <a:ea typeface="Microsoft GothicNeo Light" panose="020B0300000101010101" pitchFamily="50" charset="-127"/>
+                  <a:cs typeface="Microsoft GothicNeo Light" panose="020B0300000101010101" pitchFamily="50" charset="-127"/>
+                </a:rPr>
+                <a:t>스폰구역</a:t>
+              </a:r>
+              <a:endParaRPr lang="ko-KR" altLang="en-US" dirty="0">
+                <a:latin typeface="Microsoft GothicNeo Light" panose="020B0300000101010101" pitchFamily="50" charset="-127"/>
+                <a:ea typeface="Microsoft GothicNeo Light" panose="020B0300000101010101" pitchFamily="50" charset="-127"/>
+                <a:cs typeface="Microsoft GothicNeo Light" panose="020B0300000101010101" pitchFamily="50" charset="-127"/>
+              </a:endParaRPr>
+            </a:p>
+          </p:txBody>
+        </p:sp>
+        <p:sp>
+          <p:nvSpPr>
+            <p:cNvPr id="38" name="사각형: 둥근 모서리 37">
+              <a:extLst>
+                <a:ext uri="{FF2B5EF4-FFF2-40B4-BE49-F238E27FC236}">
+                  <a16:creationId xmlns:a16="http://schemas.microsoft.com/office/drawing/2014/main" id="{8F55CB9C-71C6-2CEF-13A6-B8150443D9BE}"/>
+                </a:ext>
+              </a:extLst>
+            </p:cNvPr>
+            <p:cNvSpPr/>
+            <p:nvPr/>
+          </p:nvSpPr>
+          <p:spPr>
+            <a:xfrm>
+              <a:off x="3320914" y="2303065"/>
+              <a:ext cx="1334729" cy="886894"/>
+            </a:xfrm>
+            <a:prstGeom prst="roundRect">
+              <a:avLst/>
+            </a:prstGeom>
+          </p:spPr>
+          <p:style>
+            <a:lnRef idx="3">
+              <a:schemeClr val="lt1"/>
+            </a:lnRef>
+            <a:fillRef idx="1">
+              <a:schemeClr val="accent3"/>
+            </a:fillRef>
+            <a:effectRef idx="1">
+              <a:schemeClr val="accent3"/>
+            </a:effectRef>
+            <a:fontRef idx="minor">
+              <a:schemeClr val="lt1"/>
+            </a:fontRef>
+          </p:style>
+          <p:txBody>
+            <a:bodyPr rtlCol="0" anchor="ctr"/>
+            <a:lstStyle/>
+            <a:p>
+              <a:pPr algn="ctr"/>
+              <a:r>
+                <a:rPr lang="ko-KR" altLang="en-US" dirty="0" err="1">
+                  <a:latin typeface="Microsoft GothicNeo Light" panose="020B0300000101010101" pitchFamily="50" charset="-127"/>
+                  <a:ea typeface="Microsoft GothicNeo Light" panose="020B0300000101010101" pitchFamily="50" charset="-127"/>
+                  <a:cs typeface="Microsoft GothicNeo Light" panose="020B0300000101010101" pitchFamily="50" charset="-127"/>
+                </a:rPr>
+                <a:t>일반몬스터</a:t>
+              </a:r>
+              <a:endParaRPr lang="ko-KR" altLang="en-US" dirty="0">
+                <a:latin typeface="Microsoft GothicNeo Light" panose="020B0300000101010101" pitchFamily="50" charset="-127"/>
+                <a:ea typeface="Microsoft GothicNeo Light" panose="020B0300000101010101" pitchFamily="50" charset="-127"/>
+                <a:cs typeface="Microsoft GothicNeo Light" panose="020B0300000101010101" pitchFamily="50" charset="-127"/>
+              </a:endParaRPr>
+            </a:p>
+          </p:txBody>
+        </p:sp>
+        <p:sp>
+          <p:nvSpPr>
+            <p:cNvPr id="39" name="사각형: 둥근 모서리 38">
+              <a:extLst>
+                <a:ext uri="{FF2B5EF4-FFF2-40B4-BE49-F238E27FC236}">
+                  <a16:creationId xmlns:a16="http://schemas.microsoft.com/office/drawing/2014/main" id="{2BD73EF1-DC11-07B5-8AD6-B4491B5F5CE2}"/>
+                </a:ext>
+              </a:extLst>
+            </p:cNvPr>
+            <p:cNvSpPr/>
+            <p:nvPr/>
+          </p:nvSpPr>
+          <p:spPr>
+            <a:xfrm>
+              <a:off x="4889759" y="2303065"/>
+              <a:ext cx="1334729" cy="886894"/>
+            </a:xfrm>
+            <a:prstGeom prst="roundRect">
+              <a:avLst/>
+            </a:prstGeom>
+          </p:spPr>
+          <p:style>
+            <a:lnRef idx="3">
+              <a:schemeClr val="lt1"/>
+            </a:lnRef>
+            <a:fillRef idx="1">
+              <a:schemeClr val="accent3"/>
+            </a:fillRef>
+            <a:effectRef idx="1">
+              <a:schemeClr val="accent3"/>
+            </a:effectRef>
+            <a:fontRef idx="minor">
+              <a:schemeClr val="lt1"/>
+            </a:fontRef>
+          </p:style>
+          <p:txBody>
+            <a:bodyPr rtlCol="0" anchor="ctr"/>
+            <a:lstStyle/>
+            <a:p>
+              <a:pPr algn="ctr"/>
+              <a:r>
+                <a:rPr lang="ko-KR" altLang="en-US" dirty="0">
+                  <a:latin typeface="Microsoft GothicNeo Light" panose="020B0300000101010101" pitchFamily="50" charset="-127"/>
+                  <a:ea typeface="Microsoft GothicNeo Light" panose="020B0300000101010101" pitchFamily="50" charset="-127"/>
+                  <a:cs typeface="Microsoft GothicNeo Light" panose="020B0300000101010101" pitchFamily="50" charset="-127"/>
+                </a:rPr>
+                <a:t>보스</a:t>
+              </a:r>
+            </a:p>
+          </p:txBody>
+        </p:sp>
+        <p:sp>
+          <p:nvSpPr>
+            <p:cNvPr id="40" name="TextBox 39">
+              <a:extLst>
+                <a:ext uri="{FF2B5EF4-FFF2-40B4-BE49-F238E27FC236}">
+                  <a16:creationId xmlns:a16="http://schemas.microsoft.com/office/drawing/2014/main" id="{D9257A0E-2A5F-AA1C-2CB6-DBFFF0DE6AFA}"/>
+                </a:ext>
+              </a:extLst>
+            </p:cNvPr>
+            <p:cNvSpPr txBox="1"/>
+            <p:nvPr/>
+          </p:nvSpPr>
+          <p:spPr>
+            <a:xfrm>
+              <a:off x="1667640" y="1761974"/>
+              <a:ext cx="2747868" cy="369332"/>
+            </a:xfrm>
+            <a:prstGeom prst="rect">
+              <a:avLst/>
+            </a:prstGeom>
+            <a:noFill/>
+          </p:spPr>
+          <p:txBody>
+            <a:bodyPr wrap="none" rtlCol="0">
+              <a:spAutoFit/>
+            </a:bodyPr>
+            <a:lstStyle/>
+            <a:p>
+              <a:r>
+                <a:rPr lang="ko-KR" altLang="en-US" dirty="0">
+                  <a:latin typeface="Microsoft GothicNeo Light" panose="020B0300000101010101" pitchFamily="50" charset="-127"/>
+                  <a:ea typeface="Microsoft GothicNeo Light" panose="020B0300000101010101" pitchFamily="50" charset="-127"/>
+                  <a:cs typeface="Microsoft GothicNeo Light" panose="020B0300000101010101" pitchFamily="50" charset="-127"/>
+                </a:rPr>
+                <a:t>보스 레이드 지형 기본 구성</a:t>
+              </a:r>
+            </a:p>
+          </p:txBody>
+        </p:sp>
+        <p:sp>
+          <p:nvSpPr>
+            <p:cNvPr id="41" name="화살표: 오른쪽 40">
+              <a:extLst>
+                <a:ext uri="{FF2B5EF4-FFF2-40B4-BE49-F238E27FC236}">
+                  <a16:creationId xmlns:a16="http://schemas.microsoft.com/office/drawing/2014/main" id="{D411E05D-C064-D073-2AFB-6B6DCB0CA564}"/>
+                </a:ext>
+              </a:extLst>
+            </p:cNvPr>
+            <p:cNvSpPr/>
+            <p:nvPr/>
+          </p:nvSpPr>
+          <p:spPr>
+            <a:xfrm>
+              <a:off x="3117717" y="2512296"/>
+              <a:ext cx="172277" cy="468433"/>
+            </a:xfrm>
+            <a:prstGeom prst="rightArrow">
+              <a:avLst/>
+            </a:prstGeom>
+          </p:spPr>
+          <p:style>
+            <a:lnRef idx="3">
+              <a:schemeClr val="lt1"/>
+            </a:lnRef>
+            <a:fillRef idx="1">
+              <a:schemeClr val="accent3"/>
+            </a:fillRef>
+            <a:effectRef idx="1">
+              <a:schemeClr val="accent3"/>
+            </a:effectRef>
+            <a:fontRef idx="minor">
+              <a:schemeClr val="lt1"/>
+            </a:fontRef>
+          </p:style>
+          <p:txBody>
+            <a:bodyPr rtlCol="0" anchor="ctr"/>
+            <a:lstStyle/>
+            <a:p>
+              <a:pPr algn="ctr"/>
+              <a:endParaRPr lang="ko-KR" altLang="en-US" sz="1200" dirty="0">
+                <a:latin typeface="Microsoft GothicNeo Light" panose="020B0300000101010101" pitchFamily="50" charset="-127"/>
+                <a:ea typeface="Microsoft GothicNeo Light" panose="020B0300000101010101" pitchFamily="50" charset="-127"/>
+                <a:cs typeface="Microsoft GothicNeo Light" panose="020B0300000101010101" pitchFamily="50" charset="-127"/>
+              </a:endParaRPr>
+            </a:p>
+          </p:txBody>
+        </p:sp>
+        <p:sp>
+          <p:nvSpPr>
+            <p:cNvPr id="42" name="화살표: 오른쪽 41">
+              <a:extLst>
+                <a:ext uri="{FF2B5EF4-FFF2-40B4-BE49-F238E27FC236}">
+                  <a16:creationId xmlns:a16="http://schemas.microsoft.com/office/drawing/2014/main" id="{43E51047-D8E9-F4DA-9754-FB569A2BA9D8}"/>
+                </a:ext>
+              </a:extLst>
+            </p:cNvPr>
+            <p:cNvSpPr/>
+            <p:nvPr/>
+          </p:nvSpPr>
+          <p:spPr>
+            <a:xfrm>
+              <a:off x="4686563" y="2512296"/>
+              <a:ext cx="172277" cy="468433"/>
+            </a:xfrm>
+            <a:prstGeom prst="rightArrow">
+              <a:avLst/>
+            </a:prstGeom>
+          </p:spPr>
+          <p:style>
+            <a:lnRef idx="3">
+              <a:schemeClr val="lt1"/>
+            </a:lnRef>
+            <a:fillRef idx="1">
+              <a:schemeClr val="accent3"/>
+            </a:fillRef>
+            <a:effectRef idx="1">
+              <a:schemeClr val="accent3"/>
+            </a:effectRef>
+            <a:fontRef idx="minor">
+              <a:schemeClr val="lt1"/>
+            </a:fontRef>
+          </p:style>
+          <p:txBody>
+            <a:bodyPr rtlCol="0" anchor="ctr"/>
+            <a:lstStyle/>
+            <a:p>
+              <a:pPr algn="ctr"/>
+              <a:endParaRPr lang="ko-KR" altLang="en-US" sz="1200" dirty="0">
+                <a:latin typeface="Microsoft GothicNeo Light" panose="020B0300000101010101" pitchFamily="50" charset="-127"/>
+                <a:ea typeface="Microsoft GothicNeo Light" panose="020B0300000101010101" pitchFamily="50" charset="-127"/>
+                <a:cs typeface="Microsoft GothicNeo Light" panose="020B0300000101010101" pitchFamily="50" charset="-127"/>
+              </a:endParaRPr>
+            </a:p>
+          </p:txBody>
+        </p:sp>
+        <p:sp>
+          <p:nvSpPr>
+            <p:cNvPr id="43" name="말풍선: 사각형 42">
+              <a:extLst>
+                <a:ext uri="{FF2B5EF4-FFF2-40B4-BE49-F238E27FC236}">
+                  <a16:creationId xmlns:a16="http://schemas.microsoft.com/office/drawing/2014/main" id="{8272A661-0FD6-A683-E611-D3151DA3B348}"/>
+                </a:ext>
+              </a:extLst>
+            </p:cNvPr>
+            <p:cNvSpPr/>
+            <p:nvPr/>
+          </p:nvSpPr>
+          <p:spPr>
+            <a:xfrm>
+              <a:off x="2093843" y="3429000"/>
+              <a:ext cx="1510748" cy="612648"/>
+            </a:xfrm>
+            <a:prstGeom prst="wedgeRectCallout">
+              <a:avLst>
+                <a:gd name="adj1" fmla="val 23523"/>
+                <a:gd name="adj2" fmla="val -120282"/>
+              </a:avLst>
+            </a:prstGeom>
+          </p:spPr>
+          <p:style>
+            <a:lnRef idx="2">
+              <a:schemeClr val="accent3"/>
+            </a:lnRef>
+            <a:fillRef idx="1">
+              <a:schemeClr val="lt1"/>
+            </a:fillRef>
+            <a:effectRef idx="0">
+              <a:schemeClr val="accent3"/>
+            </a:effectRef>
+            <a:fontRef idx="minor">
+              <a:schemeClr val="dk1"/>
+            </a:fontRef>
+          </p:style>
+          <p:txBody>
+            <a:bodyPr rtlCol="0" anchor="ctr"/>
+            <a:lstStyle/>
+            <a:p>
+              <a:pPr algn="ctr"/>
+              <a:r>
+                <a:rPr lang="ko-KR" altLang="en-US" sz="1100" dirty="0">
+                  <a:latin typeface="Microsoft GothicNeo Light" panose="020B0300000101010101" pitchFamily="50" charset="-127"/>
+                  <a:ea typeface="Microsoft GothicNeo Light" panose="020B0300000101010101" pitchFamily="50" charset="-127"/>
+                  <a:cs typeface="Microsoft GothicNeo Light" panose="020B0300000101010101" pitchFamily="50" charset="-127"/>
+                </a:rPr>
+                <a:t>같은 공간 내</a:t>
+              </a:r>
+              <a:endParaRPr lang="en-US" altLang="ko-KR" sz="1100" dirty="0">
+                <a:latin typeface="Microsoft GothicNeo Light" panose="020B0300000101010101" pitchFamily="50" charset="-127"/>
+                <a:ea typeface="Microsoft GothicNeo Light" panose="020B0300000101010101" pitchFamily="50" charset="-127"/>
+                <a:cs typeface="Microsoft GothicNeo Light" panose="020B0300000101010101" pitchFamily="50" charset="-127"/>
+              </a:endParaRPr>
+            </a:p>
+            <a:p>
+              <a:pPr algn="ctr"/>
+              <a:r>
+                <a:rPr lang="ko-KR" altLang="en-US" sz="1100" dirty="0">
+                  <a:latin typeface="Microsoft GothicNeo Light" panose="020B0300000101010101" pitchFamily="50" charset="-127"/>
+                  <a:ea typeface="Microsoft GothicNeo Light" panose="020B0300000101010101" pitchFamily="50" charset="-127"/>
+                  <a:cs typeface="Microsoft GothicNeo Light" panose="020B0300000101010101" pitchFamily="50" charset="-127"/>
+                </a:rPr>
+                <a:t>몬스터 이동 제한</a:t>
+              </a:r>
+            </a:p>
+          </p:txBody>
+        </p:sp>
+        <p:sp>
+          <p:nvSpPr>
+            <p:cNvPr id="44" name="말풍선: 사각형 43">
+              <a:extLst>
+                <a:ext uri="{FF2B5EF4-FFF2-40B4-BE49-F238E27FC236}">
+                  <a16:creationId xmlns:a16="http://schemas.microsoft.com/office/drawing/2014/main" id="{031C6C29-EA39-93C1-5848-975A45FDCF78}"/>
+                </a:ext>
+              </a:extLst>
+            </p:cNvPr>
+            <p:cNvSpPr/>
+            <p:nvPr/>
+          </p:nvSpPr>
+          <p:spPr>
+            <a:xfrm>
+              <a:off x="4356197" y="3429000"/>
+              <a:ext cx="1510748" cy="612648"/>
+            </a:xfrm>
+            <a:prstGeom prst="wedgeRectCallout">
+              <a:avLst>
+                <a:gd name="adj1" fmla="val -22530"/>
+                <a:gd name="adj2" fmla="val -117037"/>
+              </a:avLst>
+            </a:prstGeom>
+          </p:spPr>
+          <p:style>
+            <a:lnRef idx="2">
+              <a:schemeClr val="accent3"/>
+            </a:lnRef>
+            <a:fillRef idx="1">
+              <a:schemeClr val="lt1"/>
+            </a:fillRef>
+            <a:effectRef idx="0">
+              <a:schemeClr val="accent3"/>
+            </a:effectRef>
+            <a:fontRef idx="minor">
+              <a:schemeClr val="dk1"/>
+            </a:fontRef>
+          </p:style>
+          <p:txBody>
+            <a:bodyPr rtlCol="0" anchor="ctr"/>
+            <a:lstStyle/>
+            <a:p>
+              <a:pPr algn="ctr"/>
+              <a:r>
+                <a:rPr lang="ko-KR" altLang="en-US" sz="1100" dirty="0">
+                  <a:latin typeface="Microsoft GothicNeo Light" panose="020B0300000101010101" pitchFamily="50" charset="-127"/>
+                  <a:ea typeface="Microsoft GothicNeo Light" panose="020B0300000101010101" pitchFamily="50" charset="-127"/>
+                  <a:cs typeface="Microsoft GothicNeo Light" panose="020B0300000101010101" pitchFamily="50" charset="-127"/>
+                </a:rPr>
+                <a:t>포탈 등 별도의 지형</a:t>
+              </a:r>
+            </a:p>
+          </p:txBody>
+        </p:sp>
+      </p:grpSp>
+      <p:sp>
+        <p:nvSpPr>
+          <p:cNvPr id="45" name="사각형: 둥근 모서리 44">
+            <a:extLst>
+              <a:ext uri="{FF2B5EF4-FFF2-40B4-BE49-F238E27FC236}">
+                <a16:creationId xmlns:a16="http://schemas.microsoft.com/office/drawing/2014/main" id="{D03C8C96-2175-46B6-1417-0CC255A6F30D}"/>
+              </a:ext>
+            </a:extLst>
+          </p:cNvPr>
+          <p:cNvSpPr/>
+          <p:nvPr/>
+        </p:nvSpPr>
+        <p:spPr>
+          <a:xfrm>
+            <a:off x="7540329" y="148829"/>
+            <a:ext cx="1334729" cy="886894"/>
+          </a:xfrm>
+          <a:prstGeom prst="roundRect">
+            <a:avLst/>
+          </a:prstGeom>
+        </p:spPr>
+        <p:style>
+          <a:lnRef idx="3">
+            <a:schemeClr val="lt1"/>
+          </a:lnRef>
+          <a:fillRef idx="1">
+            <a:schemeClr val="accent3"/>
+          </a:fillRef>
+          <a:effectRef idx="1">
+            <a:schemeClr val="accent3"/>
+          </a:effectRef>
+          <a:fontRef idx="minor">
+            <a:schemeClr val="lt1"/>
+          </a:fontRef>
+        </p:style>
+        <p:txBody>
+          <a:bodyPr rtlCol="0" anchor="ctr"/>
+          <a:lstStyle/>
+          <a:p>
+            <a:pPr algn="ctr"/>
+            <a:r>
+              <a:rPr lang="ko-KR" altLang="en-US" dirty="0">
+                <a:latin typeface="Microsoft GothicNeo Light" panose="020B0300000101010101" pitchFamily="50" charset="-127"/>
+                <a:ea typeface="Microsoft GothicNeo Light" panose="020B0300000101010101" pitchFamily="50" charset="-127"/>
+                <a:cs typeface="Microsoft GothicNeo Light" panose="020B0300000101010101" pitchFamily="50" charset="-127"/>
+              </a:rPr>
+              <a:t>시간</a:t>
+            </a:r>
+          </a:p>
+        </p:txBody>
+      </p:sp>
+      <p:sp>
+        <p:nvSpPr>
+          <p:cNvPr id="46" name="사각형: 둥근 모서리 45">
+            <a:extLst>
+              <a:ext uri="{FF2B5EF4-FFF2-40B4-BE49-F238E27FC236}">
+                <a16:creationId xmlns:a16="http://schemas.microsoft.com/office/drawing/2014/main" id="{26B12308-A51C-F21A-0FF1-90884226594C}"/>
+              </a:ext>
+            </a:extLst>
+          </p:cNvPr>
+          <p:cNvSpPr/>
+          <p:nvPr/>
+        </p:nvSpPr>
+        <p:spPr>
+          <a:xfrm>
+            <a:off x="7540329" y="1100888"/>
+            <a:ext cx="1334729" cy="886894"/>
+          </a:xfrm>
+          <a:prstGeom prst="roundRect">
+            <a:avLst/>
+          </a:prstGeom>
+        </p:spPr>
+        <p:style>
+          <a:lnRef idx="3">
+            <a:schemeClr val="lt1"/>
+          </a:lnRef>
+          <a:fillRef idx="1">
+            <a:schemeClr val="accent3"/>
+          </a:fillRef>
+          <a:effectRef idx="1">
+            <a:schemeClr val="accent3"/>
+          </a:effectRef>
+          <a:fontRef idx="minor">
+            <a:schemeClr val="lt1"/>
+          </a:fontRef>
+        </p:style>
+        <p:txBody>
+          <a:bodyPr rtlCol="0" anchor="ctr"/>
+          <a:lstStyle/>
+          <a:p>
+            <a:pPr algn="ctr"/>
+            <a:r>
+              <a:rPr lang="ko-KR" altLang="en-US" dirty="0"/>
+              <a:t>체력</a:t>
+            </a:r>
+          </a:p>
+        </p:txBody>
+      </p:sp>
+      <p:grpSp>
+        <p:nvGrpSpPr>
+          <p:cNvPr id="5" name="그룹 4">
+            <a:extLst>
+              <a:ext uri="{FF2B5EF4-FFF2-40B4-BE49-F238E27FC236}">
+                <a16:creationId xmlns:a16="http://schemas.microsoft.com/office/drawing/2014/main" id="{1A665CB6-31E8-EFBF-08A9-4D3A27517340}"/>
+              </a:ext>
+            </a:extLst>
+          </p:cNvPr>
+          <p:cNvGrpSpPr/>
+          <p:nvPr/>
+        </p:nvGrpSpPr>
+        <p:grpSpPr>
+          <a:xfrm>
+            <a:off x="766877" y="487469"/>
+            <a:ext cx="5329123" cy="4231511"/>
+            <a:chOff x="1746563" y="1288658"/>
+            <a:chExt cx="5329123" cy="4231511"/>
+          </a:xfrm>
+        </p:grpSpPr>
+        <p:cxnSp>
+          <p:nvCxnSpPr>
+            <p:cNvPr id="17" name="직선 연결선 16">
+              <a:extLst>
+                <a:ext uri="{FF2B5EF4-FFF2-40B4-BE49-F238E27FC236}">
+                  <a16:creationId xmlns:a16="http://schemas.microsoft.com/office/drawing/2014/main" id="{7AE20303-0709-1FFE-0FA1-322775D1EC2D}"/>
+                </a:ext>
+              </a:extLst>
+            </p:cNvPr>
+            <p:cNvCxnSpPr/>
+            <p:nvPr/>
+          </p:nvCxnSpPr>
+          <p:spPr>
+            <a:xfrm>
+              <a:off x="5804777" y="2120348"/>
+              <a:ext cx="0" cy="1371600"/>
+            </a:xfrm>
+            <a:prstGeom prst="line">
+              <a:avLst/>
+            </a:prstGeom>
+            <a:ln w="101600">
+              <a:solidFill>
+                <a:schemeClr val="tx1"/>
+              </a:solidFill>
+            </a:ln>
+          </p:spPr>
+          <p:style>
+            <a:lnRef idx="1">
+              <a:schemeClr val="accent1"/>
+            </a:lnRef>
+            <a:fillRef idx="0">
+              <a:schemeClr val="accent1"/>
+            </a:fillRef>
+            <a:effectRef idx="0">
+              <a:schemeClr val="accent1"/>
+            </a:effectRef>
+            <a:fontRef idx="minor">
+              <a:schemeClr val="tx1"/>
+            </a:fontRef>
+          </p:style>
+        </p:cxnSp>
+        <p:sp>
+          <p:nvSpPr>
+            <p:cNvPr id="3" name="사각형: 둥근 모서리 2">
+              <a:extLst>
+                <a:ext uri="{FF2B5EF4-FFF2-40B4-BE49-F238E27FC236}">
+                  <a16:creationId xmlns:a16="http://schemas.microsoft.com/office/drawing/2014/main" id="{F14B23AE-187E-BD46-7E44-975C41372CDD}"/>
+                </a:ext>
+              </a:extLst>
+            </p:cNvPr>
+            <p:cNvSpPr/>
+            <p:nvPr/>
+          </p:nvSpPr>
+          <p:spPr>
+            <a:xfrm>
+              <a:off x="1752068" y="2313005"/>
+              <a:ext cx="1334729" cy="886894"/>
+            </a:xfrm>
+            <a:prstGeom prst="roundRect">
+              <a:avLst/>
+            </a:prstGeom>
+          </p:spPr>
+          <p:style>
+            <a:lnRef idx="3">
+              <a:schemeClr val="lt1"/>
+            </a:lnRef>
+            <a:fillRef idx="1">
+              <a:schemeClr val="accent3"/>
+            </a:fillRef>
+            <a:effectRef idx="1">
+              <a:schemeClr val="accent3"/>
+            </a:effectRef>
+            <a:fontRef idx="minor">
+              <a:schemeClr val="lt1"/>
+            </a:fontRef>
+          </p:style>
+          <p:txBody>
+            <a:bodyPr rtlCol="0" anchor="ctr"/>
+            <a:lstStyle/>
+            <a:p>
+              <a:pPr algn="ctr"/>
+              <a:r>
+                <a:rPr lang="ko-KR" altLang="en-US" dirty="0">
+                  <a:latin typeface="Microsoft GothicNeo Light" panose="020B0300000101010101" pitchFamily="50" charset="-127"/>
+                  <a:ea typeface="Microsoft GothicNeo Light" panose="020B0300000101010101" pitchFamily="50" charset="-127"/>
+                  <a:cs typeface="Microsoft GothicNeo Light" panose="020B0300000101010101" pitchFamily="50" charset="-127"/>
+                </a:rPr>
+                <a:t>시간</a:t>
+              </a:r>
+            </a:p>
+          </p:txBody>
+        </p:sp>
+        <p:sp>
+          <p:nvSpPr>
+            <p:cNvPr id="10" name="사각형: 둥근 모서리 9">
+              <a:extLst>
+                <a:ext uri="{FF2B5EF4-FFF2-40B4-BE49-F238E27FC236}">
+                  <a16:creationId xmlns:a16="http://schemas.microsoft.com/office/drawing/2014/main" id="{3F6928E2-26ED-F016-DE05-E40B7E340638}"/>
+                </a:ext>
+              </a:extLst>
+            </p:cNvPr>
+            <p:cNvSpPr/>
+            <p:nvPr/>
+          </p:nvSpPr>
+          <p:spPr>
+            <a:xfrm>
+              <a:off x="1746563" y="3911215"/>
+              <a:ext cx="1334729" cy="886894"/>
+            </a:xfrm>
+            <a:prstGeom prst="roundRect">
+              <a:avLst/>
+            </a:prstGeom>
+          </p:spPr>
+          <p:style>
+            <a:lnRef idx="3">
+              <a:schemeClr val="lt1"/>
+            </a:lnRef>
+            <a:fillRef idx="1">
+              <a:schemeClr val="accent3"/>
+            </a:fillRef>
+            <a:effectRef idx="1">
+              <a:schemeClr val="accent3"/>
+            </a:effectRef>
+            <a:fontRef idx="minor">
+              <a:schemeClr val="lt1"/>
+            </a:fontRef>
+          </p:style>
+          <p:txBody>
+            <a:bodyPr rtlCol="0" anchor="ctr"/>
+            <a:lstStyle/>
+            <a:p>
+              <a:pPr algn="ctr"/>
+              <a:r>
+                <a:rPr lang="ko-KR" altLang="en-US" dirty="0"/>
+                <a:t>체력</a:t>
+              </a:r>
+            </a:p>
+          </p:txBody>
+        </p:sp>
+        <p:cxnSp>
+          <p:nvCxnSpPr>
+            <p:cNvPr id="12" name="직선 연결선 11">
+              <a:extLst>
+                <a:ext uri="{FF2B5EF4-FFF2-40B4-BE49-F238E27FC236}">
+                  <a16:creationId xmlns:a16="http://schemas.microsoft.com/office/drawing/2014/main" id="{5874CF0A-215A-E8DD-DD58-85269429CF5F}"/>
+                </a:ext>
+              </a:extLst>
+            </p:cNvPr>
+            <p:cNvCxnSpPr/>
+            <p:nvPr/>
+          </p:nvCxnSpPr>
+          <p:spPr>
+            <a:xfrm>
+              <a:off x="4412975" y="2120348"/>
+              <a:ext cx="0" cy="1371600"/>
+            </a:xfrm>
+            <a:prstGeom prst="line">
+              <a:avLst/>
+            </a:prstGeom>
+            <a:ln w="101600">
+              <a:solidFill>
+                <a:schemeClr val="tx1"/>
+              </a:solidFill>
+            </a:ln>
+          </p:spPr>
+          <p:style>
+            <a:lnRef idx="1">
+              <a:schemeClr val="accent1"/>
+            </a:lnRef>
+            <a:fillRef idx="0">
+              <a:schemeClr val="accent1"/>
+            </a:fillRef>
+            <a:effectRef idx="0">
+              <a:schemeClr val="accent1"/>
+            </a:effectRef>
+            <a:fontRef idx="minor">
+              <a:schemeClr val="tx1"/>
+            </a:fontRef>
+          </p:style>
+        </p:cxnSp>
+        <p:sp>
+          <p:nvSpPr>
+            <p:cNvPr id="13" name="화살표: 오른쪽 12">
+              <a:extLst>
+                <a:ext uri="{FF2B5EF4-FFF2-40B4-BE49-F238E27FC236}">
+                  <a16:creationId xmlns:a16="http://schemas.microsoft.com/office/drawing/2014/main" id="{90A990A0-43B9-4047-941D-797823849EDB}"/>
+                </a:ext>
+              </a:extLst>
+            </p:cNvPr>
+            <p:cNvSpPr/>
+            <p:nvPr/>
+          </p:nvSpPr>
+          <p:spPr>
+            <a:xfrm>
+              <a:off x="3193775" y="2193235"/>
+              <a:ext cx="1149626" cy="468433"/>
+            </a:xfrm>
+            <a:prstGeom prst="rightArrow">
+              <a:avLst/>
+            </a:prstGeom>
+          </p:spPr>
+          <p:style>
+            <a:lnRef idx="3">
+              <a:schemeClr val="lt1"/>
+            </a:lnRef>
+            <a:fillRef idx="1">
+              <a:schemeClr val="accent3"/>
+            </a:fillRef>
+            <a:effectRef idx="1">
+              <a:schemeClr val="accent3"/>
+            </a:effectRef>
+            <a:fontRef idx="minor">
+              <a:schemeClr val="lt1"/>
+            </a:fontRef>
+          </p:style>
+          <p:txBody>
+            <a:bodyPr rtlCol="0" anchor="ctr"/>
+            <a:lstStyle/>
+            <a:p>
+              <a:pPr algn="ctr"/>
+              <a:r>
+                <a:rPr lang="ko-KR" altLang="en-US" sz="1200" dirty="0">
+                  <a:latin typeface="Microsoft GothicNeo Light" panose="020B0300000101010101" pitchFamily="50" charset="-127"/>
+                  <a:ea typeface="Microsoft GothicNeo Light" panose="020B0300000101010101" pitchFamily="50" charset="-127"/>
+                  <a:cs typeface="Microsoft GothicNeo Light" panose="020B0300000101010101" pitchFamily="50" charset="-127"/>
+                </a:rPr>
+                <a:t>최상위권</a:t>
+              </a:r>
+            </a:p>
+          </p:txBody>
+        </p:sp>
+        <p:sp>
+          <p:nvSpPr>
+            <p:cNvPr id="14" name="TextBox 13">
+              <a:extLst>
+                <a:ext uri="{FF2B5EF4-FFF2-40B4-BE49-F238E27FC236}">
+                  <a16:creationId xmlns:a16="http://schemas.microsoft.com/office/drawing/2014/main" id="{12324DE0-41BC-207A-6242-C7FBA89C08A1}"/>
+                </a:ext>
+              </a:extLst>
+            </p:cNvPr>
+            <p:cNvSpPr txBox="1"/>
+            <p:nvPr/>
+          </p:nvSpPr>
+          <p:spPr>
+            <a:xfrm>
+              <a:off x="3915692" y="1729842"/>
+              <a:ext cx="1031051" cy="369332"/>
+            </a:xfrm>
+            <a:prstGeom prst="rect">
+              <a:avLst/>
+            </a:prstGeom>
+            <a:noFill/>
+          </p:spPr>
+          <p:txBody>
+            <a:bodyPr wrap="none" rtlCol="0">
+              <a:spAutoFit/>
+            </a:bodyPr>
+            <a:lstStyle/>
+            <a:p>
+              <a:pPr algn="ctr"/>
+              <a:r>
+                <a:rPr lang="ko-KR" altLang="en-US" dirty="0">
+                  <a:latin typeface="Microsoft GothicNeo Light" panose="020B0300000101010101" pitchFamily="50" charset="-127"/>
+                  <a:ea typeface="Microsoft GothicNeo Light" panose="020B0300000101010101" pitchFamily="50" charset="-127"/>
+                  <a:cs typeface="Microsoft GothicNeo Light" panose="020B0300000101010101" pitchFamily="50" charset="-127"/>
+                </a:rPr>
+                <a:t>전멸공격</a:t>
+              </a:r>
+            </a:p>
+          </p:txBody>
+        </p:sp>
+        <p:sp>
+          <p:nvSpPr>
+            <p:cNvPr id="15" name="화살표: 오른쪽 14">
+              <a:extLst>
+                <a:ext uri="{FF2B5EF4-FFF2-40B4-BE49-F238E27FC236}">
+                  <a16:creationId xmlns:a16="http://schemas.microsoft.com/office/drawing/2014/main" id="{C0CA95FB-72A6-EA82-3EAA-79016C4D2778}"/>
+                </a:ext>
+              </a:extLst>
+            </p:cNvPr>
+            <p:cNvSpPr/>
+            <p:nvPr/>
+          </p:nvSpPr>
+          <p:spPr>
+            <a:xfrm>
+              <a:off x="3193775" y="2522236"/>
+              <a:ext cx="2715074" cy="468433"/>
+            </a:xfrm>
+            <a:prstGeom prst="rightArrow">
+              <a:avLst/>
+            </a:prstGeom>
+          </p:spPr>
+          <p:style>
+            <a:lnRef idx="3">
+              <a:schemeClr val="lt1"/>
+            </a:lnRef>
+            <a:fillRef idx="1">
+              <a:schemeClr val="accent3"/>
+            </a:fillRef>
+            <a:effectRef idx="1">
+              <a:schemeClr val="accent3"/>
+            </a:effectRef>
+            <a:fontRef idx="minor">
+              <a:schemeClr val="lt1"/>
+            </a:fontRef>
+          </p:style>
+          <p:txBody>
+            <a:bodyPr rtlCol="0" anchor="ctr"/>
+            <a:lstStyle/>
+            <a:p>
+              <a:pPr algn="ctr"/>
+              <a:r>
+                <a:rPr lang="ko-KR" altLang="en-US" sz="1200" dirty="0">
+                  <a:latin typeface="Microsoft GothicNeo Light" panose="020B0300000101010101" pitchFamily="50" charset="-127"/>
+                  <a:ea typeface="Microsoft GothicNeo Light" panose="020B0300000101010101" pitchFamily="50" charset="-127"/>
+                  <a:cs typeface="Microsoft GothicNeo Light" panose="020B0300000101010101" pitchFamily="50" charset="-127"/>
+                </a:rPr>
+                <a:t>중위권</a:t>
+              </a:r>
+            </a:p>
+          </p:txBody>
+        </p:sp>
+        <p:sp>
+          <p:nvSpPr>
+            <p:cNvPr id="18" name="TextBox 17">
+              <a:extLst>
+                <a:ext uri="{FF2B5EF4-FFF2-40B4-BE49-F238E27FC236}">
+                  <a16:creationId xmlns:a16="http://schemas.microsoft.com/office/drawing/2014/main" id="{4867F4F5-B54B-4185-3D37-0E40B565697F}"/>
+                </a:ext>
+              </a:extLst>
+            </p:cNvPr>
+            <p:cNvSpPr txBox="1"/>
+            <p:nvPr/>
+          </p:nvSpPr>
+          <p:spPr>
+            <a:xfrm>
+              <a:off x="5284255" y="1729842"/>
+              <a:ext cx="1031051" cy="369332"/>
+            </a:xfrm>
+            <a:prstGeom prst="rect">
+              <a:avLst/>
+            </a:prstGeom>
+            <a:noFill/>
+          </p:spPr>
+          <p:txBody>
+            <a:bodyPr wrap="none" rtlCol="0">
+              <a:spAutoFit/>
+            </a:bodyPr>
+            <a:lstStyle/>
+            <a:p>
+              <a:pPr algn="ctr"/>
+              <a:r>
+                <a:rPr lang="ko-KR" altLang="en-US" dirty="0">
+                  <a:latin typeface="Microsoft GothicNeo Light" panose="020B0300000101010101" pitchFamily="50" charset="-127"/>
+                  <a:ea typeface="Microsoft GothicNeo Light" panose="020B0300000101010101" pitchFamily="50" charset="-127"/>
+                  <a:cs typeface="Microsoft GothicNeo Light" panose="020B0300000101010101" pitchFamily="50" charset="-127"/>
+                </a:rPr>
+                <a:t>전멸공격</a:t>
+              </a:r>
+            </a:p>
+          </p:txBody>
+        </p:sp>
+        <p:sp>
+          <p:nvSpPr>
+            <p:cNvPr id="19" name="화살표: 오른쪽 18">
+              <a:extLst>
+                <a:ext uri="{FF2B5EF4-FFF2-40B4-BE49-F238E27FC236}">
+                  <a16:creationId xmlns:a16="http://schemas.microsoft.com/office/drawing/2014/main" id="{CDE9F679-C0A7-841A-5BE3-6085F9DB861D}"/>
+                </a:ext>
+              </a:extLst>
+            </p:cNvPr>
+            <p:cNvSpPr/>
+            <p:nvPr/>
+          </p:nvSpPr>
+          <p:spPr>
+            <a:xfrm>
+              <a:off x="3193773" y="2851237"/>
+              <a:ext cx="3881907" cy="468433"/>
+            </a:xfrm>
+            <a:prstGeom prst="rightArrow">
+              <a:avLst/>
+            </a:prstGeom>
+          </p:spPr>
+          <p:style>
+            <a:lnRef idx="3">
+              <a:schemeClr val="lt1"/>
+            </a:lnRef>
+            <a:fillRef idx="1">
+              <a:schemeClr val="accent3"/>
+            </a:fillRef>
+            <a:effectRef idx="1">
+              <a:schemeClr val="accent3"/>
+            </a:effectRef>
+            <a:fontRef idx="minor">
+              <a:schemeClr val="lt1"/>
+            </a:fontRef>
+          </p:style>
+          <p:txBody>
+            <a:bodyPr rtlCol="0" anchor="ctr"/>
+            <a:lstStyle/>
+            <a:p>
+              <a:pPr algn="ctr"/>
+              <a:r>
+                <a:rPr lang="ko-KR" altLang="en-US" sz="1200" dirty="0">
+                  <a:latin typeface="Microsoft GothicNeo Light" panose="020B0300000101010101" pitchFamily="50" charset="-127"/>
+                  <a:ea typeface="Microsoft GothicNeo Light" panose="020B0300000101010101" pitchFamily="50" charset="-127"/>
+                  <a:cs typeface="Microsoft GothicNeo Light" panose="020B0300000101010101" pitchFamily="50" charset="-127"/>
+                </a:rPr>
+                <a:t>하위권</a:t>
+              </a:r>
+            </a:p>
+          </p:txBody>
+        </p:sp>
+        <p:cxnSp>
+          <p:nvCxnSpPr>
+            <p:cNvPr id="20" name="직선 연결선 19">
+              <a:extLst>
+                <a:ext uri="{FF2B5EF4-FFF2-40B4-BE49-F238E27FC236}">
+                  <a16:creationId xmlns:a16="http://schemas.microsoft.com/office/drawing/2014/main" id="{EC85C92A-146A-7987-9D09-5779EF8FBBB0}"/>
+                </a:ext>
+              </a:extLst>
+            </p:cNvPr>
+            <p:cNvCxnSpPr>
+              <a:cxnSpLocks/>
+            </p:cNvCxnSpPr>
+            <p:nvPr/>
+          </p:nvCxnSpPr>
+          <p:spPr>
+            <a:xfrm>
+              <a:off x="4412975" y="3668862"/>
+              <a:ext cx="0" cy="1371600"/>
+            </a:xfrm>
+            <a:prstGeom prst="line">
+              <a:avLst/>
+            </a:prstGeom>
+            <a:ln w="101600">
+              <a:solidFill>
+                <a:schemeClr val="tx1"/>
+              </a:solidFill>
+            </a:ln>
+          </p:spPr>
+          <p:style>
+            <a:lnRef idx="1">
+              <a:schemeClr val="accent1"/>
+            </a:lnRef>
+            <a:fillRef idx="0">
+              <a:schemeClr val="accent1"/>
+            </a:fillRef>
+            <a:effectRef idx="0">
+              <a:schemeClr val="accent1"/>
+            </a:effectRef>
+            <a:fontRef idx="minor">
+              <a:schemeClr val="tx1"/>
+            </a:fontRef>
+          </p:style>
+        </p:cxnSp>
+        <p:sp>
+          <p:nvSpPr>
+            <p:cNvPr id="21" name="TextBox 20">
+              <a:extLst>
+                <a:ext uri="{FF2B5EF4-FFF2-40B4-BE49-F238E27FC236}">
+                  <a16:creationId xmlns:a16="http://schemas.microsoft.com/office/drawing/2014/main" id="{07456980-E6F5-2217-0E1B-9D70E6CE2DA8}"/>
+                </a:ext>
+              </a:extLst>
+            </p:cNvPr>
+            <p:cNvSpPr txBox="1"/>
+            <p:nvPr/>
+          </p:nvSpPr>
+          <p:spPr>
+            <a:xfrm>
+              <a:off x="3915692" y="5150837"/>
+              <a:ext cx="984565" cy="369332"/>
+            </a:xfrm>
+            <a:prstGeom prst="rect">
+              <a:avLst/>
+            </a:prstGeom>
+            <a:noFill/>
+          </p:spPr>
+          <p:txBody>
+            <a:bodyPr wrap="none" rtlCol="0">
+              <a:spAutoFit/>
+            </a:bodyPr>
+            <a:lstStyle/>
+            <a:p>
+              <a:pPr algn="ctr"/>
+              <a:r>
+                <a:rPr lang="ko-KR" altLang="en-US" dirty="0" err="1">
+                  <a:latin typeface="Microsoft GothicNeo Light" panose="020B0300000101010101" pitchFamily="50" charset="-127"/>
+                  <a:ea typeface="Microsoft GothicNeo Light" panose="020B0300000101010101" pitchFamily="50" charset="-127"/>
+                  <a:cs typeface="Microsoft GothicNeo Light" panose="020B0300000101010101" pitchFamily="50" charset="-127"/>
+                </a:rPr>
+                <a:t>페이즈</a:t>
+              </a:r>
+              <a:r>
+                <a:rPr lang="ko-KR" altLang="en-US" dirty="0">
+                  <a:latin typeface="Microsoft GothicNeo Light" panose="020B0300000101010101" pitchFamily="50" charset="-127"/>
+                  <a:ea typeface="Microsoft GothicNeo Light" panose="020B0300000101010101" pitchFamily="50" charset="-127"/>
+                  <a:cs typeface="Microsoft GothicNeo Light" panose="020B0300000101010101" pitchFamily="50" charset="-127"/>
+                </a:rPr>
+                <a:t> </a:t>
+              </a:r>
+              <a:r>
+                <a:rPr lang="en-US" altLang="ko-KR" dirty="0">
+                  <a:latin typeface="Microsoft GothicNeo Light" panose="020B0300000101010101" pitchFamily="50" charset="-127"/>
+                  <a:ea typeface="Microsoft GothicNeo Light" panose="020B0300000101010101" pitchFamily="50" charset="-127"/>
+                  <a:cs typeface="Microsoft GothicNeo Light" panose="020B0300000101010101" pitchFamily="50" charset="-127"/>
+                </a:rPr>
+                <a:t>1</a:t>
+              </a:r>
+              <a:endParaRPr lang="ko-KR" altLang="en-US" dirty="0">
+                <a:latin typeface="Microsoft GothicNeo Light" panose="020B0300000101010101" pitchFamily="50" charset="-127"/>
+                <a:ea typeface="Microsoft GothicNeo Light" panose="020B0300000101010101" pitchFamily="50" charset="-127"/>
+                <a:cs typeface="Microsoft GothicNeo Light" panose="020B0300000101010101" pitchFamily="50" charset="-127"/>
+              </a:endParaRPr>
+            </a:p>
+          </p:txBody>
+        </p:sp>
+        <p:cxnSp>
+          <p:nvCxnSpPr>
+            <p:cNvPr id="22" name="직선 연결선 21">
+              <a:extLst>
+                <a:ext uri="{FF2B5EF4-FFF2-40B4-BE49-F238E27FC236}">
+                  <a16:creationId xmlns:a16="http://schemas.microsoft.com/office/drawing/2014/main" id="{89BD3E67-BAAA-BD7B-D325-8910AA0F077B}"/>
+                </a:ext>
+              </a:extLst>
+            </p:cNvPr>
+            <p:cNvCxnSpPr>
+              <a:cxnSpLocks/>
+            </p:cNvCxnSpPr>
+            <p:nvPr/>
+          </p:nvCxnSpPr>
+          <p:spPr>
+            <a:xfrm>
+              <a:off x="5804777" y="3668862"/>
+              <a:ext cx="0" cy="1371600"/>
+            </a:xfrm>
+            <a:prstGeom prst="line">
+              <a:avLst/>
+            </a:prstGeom>
+            <a:ln w="101600">
+              <a:solidFill>
+                <a:schemeClr val="tx1"/>
+              </a:solidFill>
+            </a:ln>
+          </p:spPr>
+          <p:style>
+            <a:lnRef idx="1">
+              <a:schemeClr val="accent1"/>
+            </a:lnRef>
+            <a:fillRef idx="0">
+              <a:schemeClr val="accent1"/>
+            </a:fillRef>
+            <a:effectRef idx="0">
+              <a:schemeClr val="accent1"/>
+            </a:effectRef>
+            <a:fontRef idx="minor">
+              <a:schemeClr val="tx1"/>
+            </a:fontRef>
+          </p:style>
+        </p:cxnSp>
+        <p:sp>
+          <p:nvSpPr>
+            <p:cNvPr id="23" name="TextBox 22">
+              <a:extLst>
+                <a:ext uri="{FF2B5EF4-FFF2-40B4-BE49-F238E27FC236}">
+                  <a16:creationId xmlns:a16="http://schemas.microsoft.com/office/drawing/2014/main" id="{C875B502-DF19-A844-82DA-4C2AB9662E57}"/>
+                </a:ext>
+              </a:extLst>
+            </p:cNvPr>
+            <p:cNvSpPr txBox="1"/>
+            <p:nvPr/>
+          </p:nvSpPr>
+          <p:spPr>
+            <a:xfrm>
+              <a:off x="5297877" y="5150837"/>
+              <a:ext cx="1003801" cy="369332"/>
+            </a:xfrm>
+            <a:prstGeom prst="rect">
+              <a:avLst/>
+            </a:prstGeom>
+            <a:noFill/>
+          </p:spPr>
+          <p:txBody>
+            <a:bodyPr wrap="none" rtlCol="0">
+              <a:spAutoFit/>
+            </a:bodyPr>
+            <a:lstStyle/>
+            <a:p>
+              <a:pPr algn="ctr"/>
+              <a:r>
+                <a:rPr lang="ko-KR" altLang="en-US" dirty="0" err="1">
+                  <a:latin typeface="Microsoft GothicNeo Light" panose="020B0300000101010101" pitchFamily="50" charset="-127"/>
+                  <a:ea typeface="Microsoft GothicNeo Light" panose="020B0300000101010101" pitchFamily="50" charset="-127"/>
+                  <a:cs typeface="Microsoft GothicNeo Light" panose="020B0300000101010101" pitchFamily="50" charset="-127"/>
+                </a:rPr>
+                <a:t>페이즈</a:t>
+              </a:r>
+              <a:r>
+                <a:rPr lang="en-US" altLang="ko-KR" dirty="0">
+                  <a:latin typeface="Microsoft GothicNeo Light" panose="020B0300000101010101" pitchFamily="50" charset="-127"/>
+                  <a:ea typeface="Microsoft GothicNeo Light" panose="020B0300000101010101" pitchFamily="50" charset="-127"/>
+                  <a:cs typeface="Microsoft GothicNeo Light" panose="020B0300000101010101" pitchFamily="50" charset="-127"/>
+                </a:rPr>
+                <a:t> 2</a:t>
+              </a:r>
+              <a:endParaRPr lang="ko-KR" altLang="en-US" dirty="0">
+                <a:latin typeface="Microsoft GothicNeo Light" panose="020B0300000101010101" pitchFamily="50" charset="-127"/>
+                <a:ea typeface="Microsoft GothicNeo Light" panose="020B0300000101010101" pitchFamily="50" charset="-127"/>
+                <a:cs typeface="Microsoft GothicNeo Light" panose="020B0300000101010101" pitchFamily="50" charset="-127"/>
+              </a:endParaRPr>
+            </a:p>
+          </p:txBody>
+        </p:sp>
+        <p:sp>
+          <p:nvSpPr>
+            <p:cNvPr id="24" name="화살표: 오른쪽 23">
+              <a:extLst>
+                <a:ext uri="{FF2B5EF4-FFF2-40B4-BE49-F238E27FC236}">
+                  <a16:creationId xmlns:a16="http://schemas.microsoft.com/office/drawing/2014/main" id="{C8333EBD-7CFC-817B-7FD8-F3FF861DDE8E}"/>
+                </a:ext>
+              </a:extLst>
+            </p:cNvPr>
+            <p:cNvSpPr/>
+            <p:nvPr/>
+          </p:nvSpPr>
+          <p:spPr>
+            <a:xfrm>
+              <a:off x="3193774" y="3732425"/>
+              <a:ext cx="1106720" cy="1244475"/>
+            </a:xfrm>
+            <a:prstGeom prst="rightArrow">
+              <a:avLst>
+                <a:gd name="adj1" fmla="val 50000"/>
+                <a:gd name="adj2" fmla="val 19651"/>
+              </a:avLst>
+            </a:prstGeom>
+          </p:spPr>
+          <p:style>
+            <a:lnRef idx="3">
+              <a:schemeClr val="lt1"/>
+            </a:lnRef>
+            <a:fillRef idx="1">
+              <a:schemeClr val="accent3"/>
+            </a:fillRef>
+            <a:effectRef idx="1">
+              <a:schemeClr val="accent3"/>
+            </a:effectRef>
+            <a:fontRef idx="minor">
+              <a:schemeClr val="lt1"/>
+            </a:fontRef>
+          </p:style>
+          <p:txBody>
+            <a:bodyPr rtlCol="0" anchor="ctr"/>
+            <a:lstStyle/>
+            <a:p>
+              <a:pPr algn="ctr"/>
+              <a:r>
+                <a:rPr lang="ko-KR" altLang="en-US" sz="1200" dirty="0">
+                  <a:latin typeface="Microsoft GothicNeo Light" panose="020B0300000101010101" pitchFamily="50" charset="-127"/>
+                  <a:ea typeface="Microsoft GothicNeo Light" panose="020B0300000101010101" pitchFamily="50" charset="-127"/>
+                  <a:cs typeface="Microsoft GothicNeo Light" panose="020B0300000101010101" pitchFamily="50" charset="-127"/>
+                </a:rPr>
+                <a:t>기본 상태</a:t>
+              </a:r>
+              <a:endParaRPr lang="en-US" altLang="ko-KR" sz="1200" dirty="0">
+                <a:latin typeface="Microsoft GothicNeo Light" panose="020B0300000101010101" pitchFamily="50" charset="-127"/>
+                <a:ea typeface="Microsoft GothicNeo Light" panose="020B0300000101010101" pitchFamily="50" charset="-127"/>
+                <a:cs typeface="Microsoft GothicNeo Light" panose="020B0300000101010101" pitchFamily="50" charset="-127"/>
+              </a:endParaRPr>
+            </a:p>
+          </p:txBody>
+        </p:sp>
+        <p:sp>
+          <p:nvSpPr>
+            <p:cNvPr id="25" name="화살표: 오른쪽 24">
+              <a:extLst>
+                <a:ext uri="{FF2B5EF4-FFF2-40B4-BE49-F238E27FC236}">
+                  <a16:creationId xmlns:a16="http://schemas.microsoft.com/office/drawing/2014/main" id="{C175879C-4C64-B347-FC56-8D306BEF54BB}"/>
+                </a:ext>
+              </a:extLst>
+            </p:cNvPr>
+            <p:cNvSpPr/>
+            <p:nvPr/>
+          </p:nvSpPr>
+          <p:spPr>
+            <a:xfrm>
+              <a:off x="4525458" y="3732425"/>
+              <a:ext cx="1166838" cy="1244475"/>
+            </a:xfrm>
+            <a:prstGeom prst="rightArrow">
+              <a:avLst>
+                <a:gd name="adj1" fmla="val 50000"/>
+                <a:gd name="adj2" fmla="val 19651"/>
+              </a:avLst>
+            </a:prstGeom>
+          </p:spPr>
+          <p:style>
+            <a:lnRef idx="3">
+              <a:schemeClr val="lt1"/>
+            </a:lnRef>
+            <a:fillRef idx="1">
+              <a:schemeClr val="accent3"/>
+            </a:fillRef>
+            <a:effectRef idx="1">
+              <a:schemeClr val="accent3"/>
+            </a:effectRef>
+            <a:fontRef idx="minor">
+              <a:schemeClr val="lt1"/>
+            </a:fontRef>
+          </p:style>
+          <p:txBody>
+            <a:bodyPr rtlCol="0" anchor="ctr"/>
+            <a:lstStyle/>
+            <a:p>
+              <a:pPr algn="ctr"/>
+              <a:r>
+                <a:rPr lang="ko-KR" altLang="en-US" sz="1200" dirty="0">
+                  <a:latin typeface="Microsoft GothicNeo Light" panose="020B0300000101010101" pitchFamily="50" charset="-127"/>
+                  <a:ea typeface="Microsoft GothicNeo Light" panose="020B0300000101010101" pitchFamily="50" charset="-127"/>
+                  <a:cs typeface="Microsoft GothicNeo Light" panose="020B0300000101010101" pitchFamily="50" charset="-127"/>
+                </a:rPr>
+                <a:t>분노 상태</a:t>
+              </a:r>
+              <a:endParaRPr lang="en-US" altLang="ko-KR" sz="1200" dirty="0">
+                <a:latin typeface="Microsoft GothicNeo Light" panose="020B0300000101010101" pitchFamily="50" charset="-127"/>
+                <a:ea typeface="Microsoft GothicNeo Light" panose="020B0300000101010101" pitchFamily="50" charset="-127"/>
+                <a:cs typeface="Microsoft GothicNeo Light" panose="020B0300000101010101" pitchFamily="50" charset="-127"/>
+              </a:endParaRPr>
+            </a:p>
+            <a:p>
+              <a:pPr algn="ctr"/>
+              <a:r>
+                <a:rPr lang="en-US" altLang="ko-KR" sz="800" dirty="0">
+                  <a:latin typeface="Microsoft GothicNeo Light" panose="020B0300000101010101" pitchFamily="50" charset="-127"/>
+                  <a:ea typeface="Microsoft GothicNeo Light" panose="020B0300000101010101" pitchFamily="50" charset="-127"/>
+                  <a:cs typeface="Microsoft GothicNeo Light" panose="020B0300000101010101" pitchFamily="50" charset="-127"/>
+                </a:rPr>
+                <a:t>( </a:t>
+              </a:r>
+              <a:r>
+                <a:rPr lang="ko-KR" altLang="en-US" sz="800" dirty="0">
+                  <a:latin typeface="Microsoft GothicNeo Light" panose="020B0300000101010101" pitchFamily="50" charset="-127"/>
+                  <a:ea typeface="Microsoft GothicNeo Light" panose="020B0300000101010101" pitchFamily="50" charset="-127"/>
+                  <a:cs typeface="Microsoft GothicNeo Light" panose="020B0300000101010101" pitchFamily="50" charset="-127"/>
+                </a:rPr>
+                <a:t>강하고 빠른 공격 </a:t>
+              </a:r>
+              <a:r>
+                <a:rPr lang="en-US" altLang="ko-KR" sz="800" dirty="0">
+                  <a:latin typeface="Microsoft GothicNeo Light" panose="020B0300000101010101" pitchFamily="50" charset="-127"/>
+                  <a:ea typeface="Microsoft GothicNeo Light" panose="020B0300000101010101" pitchFamily="50" charset="-127"/>
+                  <a:cs typeface="Microsoft GothicNeo Light" panose="020B0300000101010101" pitchFamily="50" charset="-127"/>
+                </a:rPr>
+                <a:t>)</a:t>
+              </a:r>
+            </a:p>
+          </p:txBody>
+        </p:sp>
+        <p:sp>
+          <p:nvSpPr>
+            <p:cNvPr id="29" name="화살표: 오른쪽 28">
+              <a:extLst>
+                <a:ext uri="{FF2B5EF4-FFF2-40B4-BE49-F238E27FC236}">
+                  <a16:creationId xmlns:a16="http://schemas.microsoft.com/office/drawing/2014/main" id="{AB7F134B-86EA-C425-9813-F693DC4807BE}"/>
+                </a:ext>
+              </a:extLst>
+            </p:cNvPr>
+            <p:cNvSpPr/>
+            <p:nvPr/>
+          </p:nvSpPr>
+          <p:spPr>
+            <a:xfrm>
+              <a:off x="5908848" y="3732425"/>
+              <a:ext cx="1166838" cy="1244475"/>
+            </a:xfrm>
+            <a:prstGeom prst="rightArrow">
+              <a:avLst>
+                <a:gd name="adj1" fmla="val 50000"/>
+                <a:gd name="adj2" fmla="val 19651"/>
+              </a:avLst>
+            </a:prstGeom>
+          </p:spPr>
+          <p:style>
+            <a:lnRef idx="3">
+              <a:schemeClr val="lt1"/>
+            </a:lnRef>
+            <a:fillRef idx="1">
+              <a:schemeClr val="accent3"/>
+            </a:fillRef>
+            <a:effectRef idx="1">
+              <a:schemeClr val="accent3"/>
+            </a:effectRef>
+            <a:fontRef idx="minor">
+              <a:schemeClr val="lt1"/>
+            </a:fontRef>
+          </p:style>
+          <p:txBody>
+            <a:bodyPr rtlCol="0" anchor="ctr"/>
+            <a:lstStyle/>
+            <a:p>
+              <a:pPr algn="ctr"/>
+              <a:r>
+                <a:rPr lang="ko-KR" altLang="en-US" sz="1200" dirty="0">
+                  <a:latin typeface="Microsoft GothicNeo Light" panose="020B0300000101010101" pitchFamily="50" charset="-127"/>
+                  <a:ea typeface="Microsoft GothicNeo Light" panose="020B0300000101010101" pitchFamily="50" charset="-127"/>
+                  <a:cs typeface="Microsoft GothicNeo Light" panose="020B0300000101010101" pitchFamily="50" charset="-127"/>
+                </a:rPr>
+                <a:t>빈약 상태</a:t>
+              </a:r>
+              <a:endParaRPr lang="en-US" altLang="ko-KR" sz="1200" dirty="0">
+                <a:latin typeface="Microsoft GothicNeo Light" panose="020B0300000101010101" pitchFamily="50" charset="-127"/>
+                <a:ea typeface="Microsoft GothicNeo Light" panose="020B0300000101010101" pitchFamily="50" charset="-127"/>
+                <a:cs typeface="Microsoft GothicNeo Light" panose="020B0300000101010101" pitchFamily="50" charset="-127"/>
+              </a:endParaRPr>
+            </a:p>
+            <a:p>
+              <a:pPr algn="ctr"/>
+              <a:r>
+                <a:rPr lang="en-US" altLang="ko-KR" sz="800" dirty="0">
+                  <a:latin typeface="Microsoft GothicNeo Light" panose="020B0300000101010101" pitchFamily="50" charset="-127"/>
+                  <a:ea typeface="Microsoft GothicNeo Light" panose="020B0300000101010101" pitchFamily="50" charset="-127"/>
+                  <a:cs typeface="Microsoft GothicNeo Light" panose="020B0300000101010101" pitchFamily="50" charset="-127"/>
+                </a:rPr>
+                <a:t>(</a:t>
+              </a:r>
+              <a:r>
+                <a:rPr lang="ko-KR" altLang="en-US" sz="800" dirty="0">
+                  <a:latin typeface="Microsoft GothicNeo Light" panose="020B0300000101010101" pitchFamily="50" charset="-127"/>
+                  <a:ea typeface="Microsoft GothicNeo Light" panose="020B0300000101010101" pitchFamily="50" charset="-127"/>
+                  <a:cs typeface="Microsoft GothicNeo Light" panose="020B0300000101010101" pitchFamily="50" charset="-127"/>
+                </a:rPr>
+                <a:t>공격 후 그로기 상태</a:t>
+              </a:r>
+              <a:r>
+                <a:rPr lang="en-US" altLang="ko-KR" sz="800" dirty="0">
+                  <a:latin typeface="Microsoft GothicNeo Light" panose="020B0300000101010101" pitchFamily="50" charset="-127"/>
+                  <a:ea typeface="Microsoft GothicNeo Light" panose="020B0300000101010101" pitchFamily="50" charset="-127"/>
+                  <a:cs typeface="Microsoft GothicNeo Light" panose="020B0300000101010101" pitchFamily="50" charset="-127"/>
+                </a:rPr>
+                <a:t>)</a:t>
+              </a:r>
+              <a:endParaRPr lang="en-US" altLang="ko-KR" sz="1200" dirty="0">
+                <a:latin typeface="Microsoft GothicNeo Light" panose="020B0300000101010101" pitchFamily="50" charset="-127"/>
+                <a:ea typeface="Microsoft GothicNeo Light" panose="020B0300000101010101" pitchFamily="50" charset="-127"/>
+                <a:cs typeface="Microsoft GothicNeo Light" panose="020B0300000101010101" pitchFamily="50" charset="-127"/>
+              </a:endParaRPr>
+            </a:p>
+          </p:txBody>
+        </p:sp>
+        <p:sp>
+          <p:nvSpPr>
+            <p:cNvPr id="34" name="TextBox 33">
+              <a:extLst>
+                <a:ext uri="{FF2B5EF4-FFF2-40B4-BE49-F238E27FC236}">
+                  <a16:creationId xmlns:a16="http://schemas.microsoft.com/office/drawing/2014/main" id="{EBB11060-6AAC-0C67-0549-94F3F39932EC}"/>
+                </a:ext>
+              </a:extLst>
+            </p:cNvPr>
+            <p:cNvSpPr txBox="1"/>
+            <p:nvPr/>
+          </p:nvSpPr>
+          <p:spPr>
+            <a:xfrm>
+              <a:off x="1746563" y="1288658"/>
+              <a:ext cx="2747868" cy="369332"/>
+            </a:xfrm>
+            <a:prstGeom prst="rect">
+              <a:avLst/>
+            </a:prstGeom>
+            <a:noFill/>
+          </p:spPr>
+          <p:txBody>
+            <a:bodyPr wrap="none" rtlCol="0">
+              <a:spAutoFit/>
+            </a:bodyPr>
+            <a:lstStyle/>
+            <a:p>
+              <a:r>
+                <a:rPr lang="ko-KR" altLang="en-US" dirty="0">
+                  <a:latin typeface="Microsoft GothicNeo Light" panose="020B0300000101010101" pitchFamily="50" charset="-127"/>
+                  <a:ea typeface="Microsoft GothicNeo Light" panose="020B0300000101010101" pitchFamily="50" charset="-127"/>
+                  <a:cs typeface="Microsoft GothicNeo Light" panose="020B0300000101010101" pitchFamily="50" charset="-127"/>
+                </a:rPr>
+                <a:t>보스 레이드 패턴 기본 구성</a:t>
+              </a:r>
+            </a:p>
+          </p:txBody>
+        </p:sp>
+        <p:sp>
+          <p:nvSpPr>
+            <p:cNvPr id="2" name="TextBox 1">
+              <a:extLst>
+                <a:ext uri="{FF2B5EF4-FFF2-40B4-BE49-F238E27FC236}">
+                  <a16:creationId xmlns:a16="http://schemas.microsoft.com/office/drawing/2014/main" id="{61045305-6E56-39F8-DC0D-2519E0F8A1FA}"/>
+                </a:ext>
+              </a:extLst>
+            </p:cNvPr>
+            <p:cNvSpPr txBox="1"/>
+            <p:nvPr/>
+          </p:nvSpPr>
+          <p:spPr>
+            <a:xfrm>
+              <a:off x="4402254" y="3847839"/>
+              <a:ext cx="664155" cy="230832"/>
+            </a:xfrm>
+            <a:prstGeom prst="rect">
+              <a:avLst/>
+            </a:prstGeom>
+            <a:noFill/>
+          </p:spPr>
+          <p:txBody>
+            <a:bodyPr wrap="square" rtlCol="0">
+              <a:spAutoFit/>
+            </a:bodyPr>
+            <a:lstStyle/>
+            <a:p>
+              <a:pPr algn="ctr"/>
+              <a:r>
+                <a:rPr lang="ko-KR" altLang="en-US" sz="900" dirty="0" err="1">
+                  <a:latin typeface="Microsoft GothicNeo Light" panose="020B0300000101010101" pitchFamily="50" charset="-127"/>
+                  <a:ea typeface="Microsoft GothicNeo Light" panose="020B0300000101010101" pitchFamily="50" charset="-127"/>
+                  <a:cs typeface="Microsoft GothicNeo Light" panose="020B0300000101010101" pitchFamily="50" charset="-127"/>
+                </a:rPr>
+                <a:t>기믹공격</a:t>
+              </a:r>
+              <a:endParaRPr lang="ko-KR" altLang="en-US" sz="900" dirty="0">
+                <a:latin typeface="Microsoft GothicNeo Light" panose="020B0300000101010101" pitchFamily="50" charset="-127"/>
+                <a:ea typeface="Microsoft GothicNeo Light" panose="020B0300000101010101" pitchFamily="50" charset="-127"/>
+                <a:cs typeface="Microsoft GothicNeo Light" panose="020B0300000101010101" pitchFamily="50" charset="-127"/>
+              </a:endParaRPr>
+            </a:p>
+          </p:txBody>
+        </p:sp>
+        <p:sp>
+          <p:nvSpPr>
+            <p:cNvPr id="4" name="TextBox 3">
+              <a:extLst>
+                <a:ext uri="{FF2B5EF4-FFF2-40B4-BE49-F238E27FC236}">
+                  <a16:creationId xmlns:a16="http://schemas.microsoft.com/office/drawing/2014/main" id="{1EB44720-5163-EED2-D468-184057BEFA68}"/>
+                </a:ext>
+              </a:extLst>
+            </p:cNvPr>
+            <p:cNvSpPr txBox="1"/>
+            <p:nvPr/>
+          </p:nvSpPr>
+          <p:spPr>
+            <a:xfrm>
+              <a:off x="5762310" y="3830395"/>
+              <a:ext cx="664155" cy="230832"/>
+            </a:xfrm>
+            <a:prstGeom prst="rect">
+              <a:avLst/>
+            </a:prstGeom>
+            <a:noFill/>
+          </p:spPr>
+          <p:txBody>
+            <a:bodyPr wrap="square" rtlCol="0">
+              <a:spAutoFit/>
+            </a:bodyPr>
+            <a:lstStyle/>
+            <a:p>
+              <a:pPr algn="ctr"/>
+              <a:r>
+                <a:rPr lang="ko-KR" altLang="en-US" sz="900" dirty="0" err="1">
+                  <a:latin typeface="Microsoft GothicNeo Light" panose="020B0300000101010101" pitchFamily="50" charset="-127"/>
+                  <a:ea typeface="Microsoft GothicNeo Light" panose="020B0300000101010101" pitchFamily="50" charset="-127"/>
+                  <a:cs typeface="Microsoft GothicNeo Light" panose="020B0300000101010101" pitchFamily="50" charset="-127"/>
+                </a:rPr>
+                <a:t>기믹공격</a:t>
+              </a:r>
+              <a:endParaRPr lang="ko-KR" altLang="en-US" sz="900" dirty="0">
+                <a:latin typeface="Microsoft GothicNeo Light" panose="020B0300000101010101" pitchFamily="50" charset="-127"/>
+                <a:ea typeface="Microsoft GothicNeo Light" panose="020B0300000101010101" pitchFamily="50" charset="-127"/>
+                <a:cs typeface="Microsoft GothicNeo Light" panose="020B0300000101010101" pitchFamily="50" charset="-127"/>
+              </a:endParaRPr>
+            </a:p>
+          </p:txBody>
+        </p:sp>
+      </p:grpSp>
+    </p:spTree>
+    <p:extLst>
+      <p:ext uri="{BB962C8B-B14F-4D97-AF65-F5344CB8AC3E}">
+        <p14:creationId xmlns:p14="http://schemas.microsoft.com/office/powerpoint/2010/main" val="4085521357"/>
+      </p:ext>
+    </p:extLst>
+  </p:cSld>
+  <p:clrMapOvr>
+    <a:masterClrMapping/>
+  </p:clrMapOvr>
+</p:sld>
+</file>
+
+<file path=ppt/slides/slide20.xml><?xml version="1.0" encoding="utf-8"?>
 <p:sld xmlns:a="http://schemas.openxmlformats.org/drawingml/2006/main" xmlns:r="http://schemas.openxmlformats.org/officeDocument/2006/relationships" xmlns:p="http://schemas.openxmlformats.org/presentationml/2006/main">
   <p:cSld>
     <p:spTree>
@@ -21707,1822 +24672,7 @@
 </p:sld>
 </file>
 
-<file path=ppt/slides/slide2.xml><?xml version="1.0" encoding="utf-8"?>
-<p:sld xmlns:a="http://schemas.openxmlformats.org/drawingml/2006/main" xmlns:r="http://schemas.openxmlformats.org/officeDocument/2006/relationships" xmlns:p="http://schemas.openxmlformats.org/presentationml/2006/main">
-  <p:cSld>
-    <p:spTree>
-      <p:nvGrpSpPr>
-        <p:cNvPr id="1" name=""/>
-        <p:cNvGrpSpPr/>
-        <p:nvPr/>
-      </p:nvGrpSpPr>
-      <p:grpSpPr>
-        <a:xfrm>
-          <a:off x="0" y="0"/>
-          <a:ext cx="0" cy="0"/>
-          <a:chOff x="0" y="0"/>
-          <a:chExt cx="0" cy="0"/>
-        </a:xfrm>
-      </p:grpSpPr>
-      <p:graphicFrame>
-        <p:nvGraphicFramePr>
-          <p:cNvPr id="33" name="표 33">
-            <a:extLst>
-              <a:ext uri="{FF2B5EF4-FFF2-40B4-BE49-F238E27FC236}">
-                <a16:creationId xmlns:a16="http://schemas.microsoft.com/office/drawing/2014/main" id="{14EA221F-8FE4-7B1C-7CDF-36D3CFCF2DE5}"/>
-              </a:ext>
-            </a:extLst>
-          </p:cNvPr>
-          <p:cNvGraphicFramePr>
-            <a:graphicFrameLocks noGrp="1"/>
-          </p:cNvGraphicFramePr>
-          <p:nvPr>
-            <p:extLst>
-              <p:ext uri="{D42A27DB-BD31-4B8C-83A1-F6EECF244321}">
-                <p14:modId xmlns:p14="http://schemas.microsoft.com/office/powerpoint/2010/main" val="51991812"/>
-              </p:ext>
-            </p:extLst>
-          </p:nvPr>
-        </p:nvGraphicFramePr>
-        <p:xfrm>
-          <a:off x="7338843" y="2193235"/>
-          <a:ext cx="4415184" cy="1391920"/>
-        </p:xfrm>
-        <a:graphic>
-          <a:graphicData uri="http://schemas.openxmlformats.org/drawingml/2006/table">
-            <a:tbl>
-              <a:tblPr firstRow="1">
-                <a:tableStyleId>{69C7853C-536D-4A76-A0AE-DD22124D55A5}</a:tableStyleId>
-              </a:tblPr>
-              <a:tblGrid>
-                <a:gridCol w="868673">
-                  <a:extLst>
-                    <a:ext uri="{9D8B030D-6E8A-4147-A177-3AD203B41FA5}">
-                      <a16:colId xmlns:a16="http://schemas.microsoft.com/office/drawing/2014/main" val="795161235"/>
-                    </a:ext>
-                  </a:extLst>
-                </a:gridCol>
-                <a:gridCol w="1923771">
-                  <a:extLst>
-                    <a:ext uri="{9D8B030D-6E8A-4147-A177-3AD203B41FA5}">
-                      <a16:colId xmlns:a16="http://schemas.microsoft.com/office/drawing/2014/main" val="3671662175"/>
-                    </a:ext>
-                  </a:extLst>
-                </a:gridCol>
-                <a:gridCol w="1622740">
-                  <a:extLst>
-                    <a:ext uri="{9D8B030D-6E8A-4147-A177-3AD203B41FA5}">
-                      <a16:colId xmlns:a16="http://schemas.microsoft.com/office/drawing/2014/main" val="3133800565"/>
-                    </a:ext>
-                  </a:extLst>
-                </a:gridCol>
-              </a:tblGrid>
-              <a:tr h="370840">
-                <a:tc>
-                  <a:txBody>
-                    <a:bodyPr/>
-                    <a:lstStyle/>
-                    <a:p>
-                      <a:pPr algn="ctr" latinLnBrk="1"/>
-                      <a:r>
-                        <a:rPr lang="ko-KR" altLang="en-US" sz="1100" dirty="0"/>
-                        <a:t>각성단계</a:t>
-                      </a:r>
-                    </a:p>
-                  </a:txBody>
-                  <a:tcPr anchor="ctr"/>
-                </a:tc>
-                <a:tc>
-                  <a:txBody>
-                    <a:bodyPr/>
-                    <a:lstStyle/>
-                    <a:p>
-                      <a:pPr algn="ctr" latinLnBrk="1"/>
-                      <a:r>
-                        <a:rPr lang="ko-KR" altLang="en-US" sz="1100" dirty="0"/>
-                        <a:t>목적</a:t>
-                      </a:r>
-                    </a:p>
-                  </a:txBody>
-                  <a:tcPr anchor="ctr"/>
-                </a:tc>
-                <a:tc>
-                  <a:txBody>
-                    <a:bodyPr/>
-                    <a:lstStyle/>
-                    <a:p>
-                      <a:pPr algn="ctr" latinLnBrk="1"/>
-                      <a:r>
-                        <a:rPr lang="ko-KR" altLang="en-US" sz="1100" dirty="0"/>
-                        <a:t>동작</a:t>
-                      </a:r>
-                    </a:p>
-                  </a:txBody>
-                  <a:tcPr anchor="ctr"/>
-                </a:tc>
-                <a:extLst>
-                  <a:ext uri="{0D108BD9-81ED-4DB2-BD59-A6C34878D82A}">
-                    <a16:rowId xmlns:a16="http://schemas.microsoft.com/office/drawing/2014/main" val="3042865884"/>
-                  </a:ext>
-                </a:extLst>
-              </a:tr>
-              <a:tr h="370840">
-                <a:tc>
-                  <a:txBody>
-                    <a:bodyPr/>
-                    <a:lstStyle/>
-                    <a:p>
-                      <a:pPr algn="ctr" latinLnBrk="1"/>
-                      <a:r>
-                        <a:rPr lang="en-US" altLang="ko-KR" sz="1100" dirty="0"/>
-                        <a:t>1</a:t>
-                      </a:r>
-                      <a:r>
-                        <a:rPr lang="ko-KR" altLang="en-US" sz="1100" dirty="0"/>
-                        <a:t>차</a:t>
-                      </a:r>
-                    </a:p>
-                  </a:txBody>
-                  <a:tcPr anchor="ctr"/>
-                </a:tc>
-                <a:tc>
-                  <a:txBody>
-                    <a:bodyPr/>
-                    <a:lstStyle/>
-                    <a:p>
-                      <a:pPr latinLnBrk="1"/>
-                      <a:r>
-                        <a:rPr lang="ko-KR" altLang="en-US" sz="1100" dirty="0"/>
-                        <a:t>보편적 유저 스트레스 강화</a:t>
-                      </a:r>
-                      <a:endParaRPr lang="en-US" altLang="ko-KR" sz="1100" dirty="0"/>
-                    </a:p>
-                    <a:p>
-                      <a:pPr latinLnBrk="1"/>
-                      <a:r>
-                        <a:rPr lang="ko-KR" altLang="en-US" sz="1100" dirty="0" err="1"/>
-                        <a:t>스피드런</a:t>
-                      </a:r>
-                      <a:r>
-                        <a:rPr lang="ko-KR" altLang="en-US" sz="1100" dirty="0"/>
-                        <a:t> 유저의 마지노선</a:t>
-                      </a:r>
-                      <a:endParaRPr lang="en-US" altLang="ko-KR" sz="1100" dirty="0"/>
-                    </a:p>
-                  </a:txBody>
-                  <a:tcPr anchor="ctr"/>
-                </a:tc>
-                <a:tc>
-                  <a:txBody>
-                    <a:bodyPr/>
-                    <a:lstStyle/>
-                    <a:p>
-                      <a:pPr latinLnBrk="1"/>
-                      <a:r>
-                        <a:rPr lang="ko-KR" altLang="en-US" sz="1100" dirty="0"/>
-                        <a:t>공격 빈도 증가 </a:t>
-                      </a:r>
-                      <a:r>
-                        <a:rPr lang="en-US" altLang="ko-KR" sz="1100" dirty="0"/>
-                        <a:t>( 20% </a:t>
-                      </a:r>
-                      <a:r>
-                        <a:rPr lang="ko-KR" altLang="en-US" sz="1100" dirty="0"/>
-                        <a:t>정도</a:t>
-                      </a:r>
-                      <a:r>
-                        <a:rPr lang="en-US" altLang="ko-KR" sz="1100" dirty="0"/>
-                        <a:t>)</a:t>
-                      </a:r>
-                    </a:p>
-                    <a:p>
-                      <a:pPr latinLnBrk="1"/>
-                      <a:r>
-                        <a:rPr lang="ko-KR" altLang="en-US" sz="1100" dirty="0"/>
-                        <a:t>분노 이펙트</a:t>
-                      </a:r>
-                      <a:endParaRPr lang="en-US" altLang="ko-KR" sz="1100" dirty="0"/>
-                    </a:p>
-                  </a:txBody>
-                  <a:tcPr anchor="ctr"/>
-                </a:tc>
-                <a:extLst>
-                  <a:ext uri="{0D108BD9-81ED-4DB2-BD59-A6C34878D82A}">
-                    <a16:rowId xmlns:a16="http://schemas.microsoft.com/office/drawing/2014/main" val="2663205850"/>
-                  </a:ext>
-                </a:extLst>
-              </a:tr>
-              <a:tr h="370840">
-                <a:tc>
-                  <a:txBody>
-                    <a:bodyPr/>
-                    <a:lstStyle/>
-                    <a:p>
-                      <a:pPr algn="ctr" latinLnBrk="1"/>
-                      <a:r>
-                        <a:rPr lang="en-US" altLang="ko-KR" sz="1100" dirty="0"/>
-                        <a:t>2</a:t>
-                      </a:r>
-                      <a:r>
-                        <a:rPr lang="ko-KR" altLang="en-US" sz="1100" dirty="0"/>
-                        <a:t>차</a:t>
-                      </a:r>
-                    </a:p>
-                  </a:txBody>
-                  <a:tcPr anchor="ctr"/>
-                </a:tc>
-                <a:tc>
-                  <a:txBody>
-                    <a:bodyPr/>
-                    <a:lstStyle/>
-                    <a:p>
-                      <a:pPr latinLnBrk="1"/>
-                      <a:r>
-                        <a:rPr lang="ko-KR" altLang="en-US" sz="1100" dirty="0"/>
-                        <a:t>클리어 가능성 제공</a:t>
-                      </a:r>
-                    </a:p>
-                  </a:txBody>
-                  <a:tcPr anchor="ctr"/>
-                </a:tc>
-                <a:tc>
-                  <a:txBody>
-                    <a:bodyPr/>
-                    <a:lstStyle/>
-                    <a:p>
-                      <a:pPr latinLnBrk="1"/>
-                      <a:r>
-                        <a:rPr lang="ko-KR" altLang="en-US" sz="1100" dirty="0"/>
-                        <a:t>그로기 상태에 빠지는 강한 공격 패턴 제공</a:t>
-                      </a:r>
-                    </a:p>
-                  </a:txBody>
-                  <a:tcPr anchor="ctr"/>
-                </a:tc>
-                <a:extLst>
-                  <a:ext uri="{0D108BD9-81ED-4DB2-BD59-A6C34878D82A}">
-                    <a16:rowId xmlns:a16="http://schemas.microsoft.com/office/drawing/2014/main" val="2182437068"/>
-                  </a:ext>
-                </a:extLst>
-              </a:tr>
-            </a:tbl>
-          </a:graphicData>
-        </a:graphic>
-      </p:graphicFrame>
-      <p:grpSp>
-        <p:nvGrpSpPr>
-          <p:cNvPr id="36" name="그룹 35">
-            <a:extLst>
-              <a:ext uri="{FF2B5EF4-FFF2-40B4-BE49-F238E27FC236}">
-                <a16:creationId xmlns:a16="http://schemas.microsoft.com/office/drawing/2014/main" id="{8A085DA5-7CC5-5744-94F5-228703F5411E}"/>
-              </a:ext>
-            </a:extLst>
-          </p:cNvPr>
-          <p:cNvGrpSpPr/>
-          <p:nvPr/>
-        </p:nvGrpSpPr>
-        <p:grpSpPr>
-          <a:xfrm>
-            <a:off x="7338843" y="4061227"/>
-            <a:ext cx="4556848" cy="2279674"/>
-            <a:chOff x="1667640" y="1761974"/>
-            <a:chExt cx="4556848" cy="2279674"/>
-          </a:xfrm>
-        </p:grpSpPr>
-        <p:sp>
-          <p:nvSpPr>
-            <p:cNvPr id="37" name="사각형: 둥근 모서리 36">
-              <a:extLst>
-                <a:ext uri="{FF2B5EF4-FFF2-40B4-BE49-F238E27FC236}">
-                  <a16:creationId xmlns:a16="http://schemas.microsoft.com/office/drawing/2014/main" id="{FC24C532-89C9-2C99-7AB0-FE682AC51EC2}"/>
-                </a:ext>
-              </a:extLst>
-            </p:cNvPr>
-            <p:cNvSpPr/>
-            <p:nvPr/>
-          </p:nvSpPr>
-          <p:spPr>
-            <a:xfrm>
-              <a:off x="1752068" y="2303065"/>
-              <a:ext cx="1334729" cy="886894"/>
-            </a:xfrm>
-            <a:prstGeom prst="roundRect">
-              <a:avLst/>
-            </a:prstGeom>
-          </p:spPr>
-          <p:style>
-            <a:lnRef idx="3">
-              <a:schemeClr val="lt1"/>
-            </a:lnRef>
-            <a:fillRef idx="1">
-              <a:schemeClr val="accent3"/>
-            </a:fillRef>
-            <a:effectRef idx="1">
-              <a:schemeClr val="accent3"/>
-            </a:effectRef>
-            <a:fontRef idx="minor">
-              <a:schemeClr val="lt1"/>
-            </a:fontRef>
-          </p:style>
-          <p:txBody>
-            <a:bodyPr rtlCol="0" anchor="ctr"/>
-            <a:lstStyle/>
-            <a:p>
-              <a:pPr algn="ctr"/>
-              <a:r>
-                <a:rPr lang="ko-KR" altLang="en-US" dirty="0" err="1">
-                  <a:latin typeface="Microsoft GothicNeo Light" panose="020B0300000101010101" pitchFamily="50" charset="-127"/>
-                  <a:ea typeface="Microsoft GothicNeo Light" panose="020B0300000101010101" pitchFamily="50" charset="-127"/>
-                  <a:cs typeface="Microsoft GothicNeo Light" panose="020B0300000101010101" pitchFamily="50" charset="-127"/>
-                </a:rPr>
-                <a:t>스폰구역</a:t>
-              </a:r>
-              <a:endParaRPr lang="ko-KR" altLang="en-US" dirty="0">
-                <a:latin typeface="Microsoft GothicNeo Light" panose="020B0300000101010101" pitchFamily="50" charset="-127"/>
-                <a:ea typeface="Microsoft GothicNeo Light" panose="020B0300000101010101" pitchFamily="50" charset="-127"/>
-                <a:cs typeface="Microsoft GothicNeo Light" panose="020B0300000101010101" pitchFamily="50" charset="-127"/>
-              </a:endParaRPr>
-            </a:p>
-          </p:txBody>
-        </p:sp>
-        <p:sp>
-          <p:nvSpPr>
-            <p:cNvPr id="38" name="사각형: 둥근 모서리 37">
-              <a:extLst>
-                <a:ext uri="{FF2B5EF4-FFF2-40B4-BE49-F238E27FC236}">
-                  <a16:creationId xmlns:a16="http://schemas.microsoft.com/office/drawing/2014/main" id="{8F55CB9C-71C6-2CEF-13A6-B8150443D9BE}"/>
-                </a:ext>
-              </a:extLst>
-            </p:cNvPr>
-            <p:cNvSpPr/>
-            <p:nvPr/>
-          </p:nvSpPr>
-          <p:spPr>
-            <a:xfrm>
-              <a:off x="3320914" y="2303065"/>
-              <a:ext cx="1334729" cy="886894"/>
-            </a:xfrm>
-            <a:prstGeom prst="roundRect">
-              <a:avLst/>
-            </a:prstGeom>
-          </p:spPr>
-          <p:style>
-            <a:lnRef idx="3">
-              <a:schemeClr val="lt1"/>
-            </a:lnRef>
-            <a:fillRef idx="1">
-              <a:schemeClr val="accent3"/>
-            </a:fillRef>
-            <a:effectRef idx="1">
-              <a:schemeClr val="accent3"/>
-            </a:effectRef>
-            <a:fontRef idx="minor">
-              <a:schemeClr val="lt1"/>
-            </a:fontRef>
-          </p:style>
-          <p:txBody>
-            <a:bodyPr rtlCol="0" anchor="ctr"/>
-            <a:lstStyle/>
-            <a:p>
-              <a:pPr algn="ctr"/>
-              <a:r>
-                <a:rPr lang="ko-KR" altLang="en-US" dirty="0" err="1">
-                  <a:latin typeface="Microsoft GothicNeo Light" panose="020B0300000101010101" pitchFamily="50" charset="-127"/>
-                  <a:ea typeface="Microsoft GothicNeo Light" panose="020B0300000101010101" pitchFamily="50" charset="-127"/>
-                  <a:cs typeface="Microsoft GothicNeo Light" panose="020B0300000101010101" pitchFamily="50" charset="-127"/>
-                </a:rPr>
-                <a:t>일반몬스터</a:t>
-              </a:r>
-              <a:endParaRPr lang="ko-KR" altLang="en-US" dirty="0">
-                <a:latin typeface="Microsoft GothicNeo Light" panose="020B0300000101010101" pitchFamily="50" charset="-127"/>
-                <a:ea typeface="Microsoft GothicNeo Light" panose="020B0300000101010101" pitchFamily="50" charset="-127"/>
-                <a:cs typeface="Microsoft GothicNeo Light" panose="020B0300000101010101" pitchFamily="50" charset="-127"/>
-              </a:endParaRPr>
-            </a:p>
-          </p:txBody>
-        </p:sp>
-        <p:sp>
-          <p:nvSpPr>
-            <p:cNvPr id="39" name="사각형: 둥근 모서리 38">
-              <a:extLst>
-                <a:ext uri="{FF2B5EF4-FFF2-40B4-BE49-F238E27FC236}">
-                  <a16:creationId xmlns:a16="http://schemas.microsoft.com/office/drawing/2014/main" id="{2BD73EF1-DC11-07B5-8AD6-B4491B5F5CE2}"/>
-                </a:ext>
-              </a:extLst>
-            </p:cNvPr>
-            <p:cNvSpPr/>
-            <p:nvPr/>
-          </p:nvSpPr>
-          <p:spPr>
-            <a:xfrm>
-              <a:off x="4889759" y="2303065"/>
-              <a:ext cx="1334729" cy="886894"/>
-            </a:xfrm>
-            <a:prstGeom prst="roundRect">
-              <a:avLst/>
-            </a:prstGeom>
-          </p:spPr>
-          <p:style>
-            <a:lnRef idx="3">
-              <a:schemeClr val="lt1"/>
-            </a:lnRef>
-            <a:fillRef idx="1">
-              <a:schemeClr val="accent3"/>
-            </a:fillRef>
-            <a:effectRef idx="1">
-              <a:schemeClr val="accent3"/>
-            </a:effectRef>
-            <a:fontRef idx="minor">
-              <a:schemeClr val="lt1"/>
-            </a:fontRef>
-          </p:style>
-          <p:txBody>
-            <a:bodyPr rtlCol="0" anchor="ctr"/>
-            <a:lstStyle/>
-            <a:p>
-              <a:pPr algn="ctr"/>
-              <a:r>
-                <a:rPr lang="ko-KR" altLang="en-US" dirty="0">
-                  <a:latin typeface="Microsoft GothicNeo Light" panose="020B0300000101010101" pitchFamily="50" charset="-127"/>
-                  <a:ea typeface="Microsoft GothicNeo Light" panose="020B0300000101010101" pitchFamily="50" charset="-127"/>
-                  <a:cs typeface="Microsoft GothicNeo Light" panose="020B0300000101010101" pitchFamily="50" charset="-127"/>
-                </a:rPr>
-                <a:t>보스</a:t>
-              </a:r>
-            </a:p>
-          </p:txBody>
-        </p:sp>
-        <p:sp>
-          <p:nvSpPr>
-            <p:cNvPr id="40" name="TextBox 39">
-              <a:extLst>
-                <a:ext uri="{FF2B5EF4-FFF2-40B4-BE49-F238E27FC236}">
-                  <a16:creationId xmlns:a16="http://schemas.microsoft.com/office/drawing/2014/main" id="{D9257A0E-2A5F-AA1C-2CB6-DBFFF0DE6AFA}"/>
-                </a:ext>
-              </a:extLst>
-            </p:cNvPr>
-            <p:cNvSpPr txBox="1"/>
-            <p:nvPr/>
-          </p:nvSpPr>
-          <p:spPr>
-            <a:xfrm>
-              <a:off x="1667640" y="1761974"/>
-              <a:ext cx="2747868" cy="369332"/>
-            </a:xfrm>
-            <a:prstGeom prst="rect">
-              <a:avLst/>
-            </a:prstGeom>
-            <a:noFill/>
-          </p:spPr>
-          <p:txBody>
-            <a:bodyPr wrap="none" rtlCol="0">
-              <a:spAutoFit/>
-            </a:bodyPr>
-            <a:lstStyle/>
-            <a:p>
-              <a:r>
-                <a:rPr lang="ko-KR" altLang="en-US" dirty="0">
-                  <a:latin typeface="Microsoft GothicNeo Light" panose="020B0300000101010101" pitchFamily="50" charset="-127"/>
-                  <a:ea typeface="Microsoft GothicNeo Light" panose="020B0300000101010101" pitchFamily="50" charset="-127"/>
-                  <a:cs typeface="Microsoft GothicNeo Light" panose="020B0300000101010101" pitchFamily="50" charset="-127"/>
-                </a:rPr>
-                <a:t>보스 레이드 지형 기본 구성</a:t>
-              </a:r>
-            </a:p>
-          </p:txBody>
-        </p:sp>
-        <p:sp>
-          <p:nvSpPr>
-            <p:cNvPr id="41" name="화살표: 오른쪽 40">
-              <a:extLst>
-                <a:ext uri="{FF2B5EF4-FFF2-40B4-BE49-F238E27FC236}">
-                  <a16:creationId xmlns:a16="http://schemas.microsoft.com/office/drawing/2014/main" id="{D411E05D-C064-D073-2AFB-6B6DCB0CA564}"/>
-                </a:ext>
-              </a:extLst>
-            </p:cNvPr>
-            <p:cNvSpPr/>
-            <p:nvPr/>
-          </p:nvSpPr>
-          <p:spPr>
-            <a:xfrm>
-              <a:off x="3117717" y="2512296"/>
-              <a:ext cx="172277" cy="468433"/>
-            </a:xfrm>
-            <a:prstGeom prst="rightArrow">
-              <a:avLst/>
-            </a:prstGeom>
-          </p:spPr>
-          <p:style>
-            <a:lnRef idx="3">
-              <a:schemeClr val="lt1"/>
-            </a:lnRef>
-            <a:fillRef idx="1">
-              <a:schemeClr val="accent3"/>
-            </a:fillRef>
-            <a:effectRef idx="1">
-              <a:schemeClr val="accent3"/>
-            </a:effectRef>
-            <a:fontRef idx="minor">
-              <a:schemeClr val="lt1"/>
-            </a:fontRef>
-          </p:style>
-          <p:txBody>
-            <a:bodyPr rtlCol="0" anchor="ctr"/>
-            <a:lstStyle/>
-            <a:p>
-              <a:pPr algn="ctr"/>
-              <a:endParaRPr lang="ko-KR" altLang="en-US" sz="1200" dirty="0">
-                <a:latin typeface="Microsoft GothicNeo Light" panose="020B0300000101010101" pitchFamily="50" charset="-127"/>
-                <a:ea typeface="Microsoft GothicNeo Light" panose="020B0300000101010101" pitchFamily="50" charset="-127"/>
-                <a:cs typeface="Microsoft GothicNeo Light" panose="020B0300000101010101" pitchFamily="50" charset="-127"/>
-              </a:endParaRPr>
-            </a:p>
-          </p:txBody>
-        </p:sp>
-        <p:sp>
-          <p:nvSpPr>
-            <p:cNvPr id="42" name="화살표: 오른쪽 41">
-              <a:extLst>
-                <a:ext uri="{FF2B5EF4-FFF2-40B4-BE49-F238E27FC236}">
-                  <a16:creationId xmlns:a16="http://schemas.microsoft.com/office/drawing/2014/main" id="{43E51047-D8E9-F4DA-9754-FB569A2BA9D8}"/>
-                </a:ext>
-              </a:extLst>
-            </p:cNvPr>
-            <p:cNvSpPr/>
-            <p:nvPr/>
-          </p:nvSpPr>
-          <p:spPr>
-            <a:xfrm>
-              <a:off x="4686563" y="2512296"/>
-              <a:ext cx="172277" cy="468433"/>
-            </a:xfrm>
-            <a:prstGeom prst="rightArrow">
-              <a:avLst/>
-            </a:prstGeom>
-          </p:spPr>
-          <p:style>
-            <a:lnRef idx="3">
-              <a:schemeClr val="lt1"/>
-            </a:lnRef>
-            <a:fillRef idx="1">
-              <a:schemeClr val="accent3"/>
-            </a:fillRef>
-            <a:effectRef idx="1">
-              <a:schemeClr val="accent3"/>
-            </a:effectRef>
-            <a:fontRef idx="minor">
-              <a:schemeClr val="lt1"/>
-            </a:fontRef>
-          </p:style>
-          <p:txBody>
-            <a:bodyPr rtlCol="0" anchor="ctr"/>
-            <a:lstStyle/>
-            <a:p>
-              <a:pPr algn="ctr"/>
-              <a:endParaRPr lang="ko-KR" altLang="en-US" sz="1200" dirty="0">
-                <a:latin typeface="Microsoft GothicNeo Light" panose="020B0300000101010101" pitchFamily="50" charset="-127"/>
-                <a:ea typeface="Microsoft GothicNeo Light" panose="020B0300000101010101" pitchFamily="50" charset="-127"/>
-                <a:cs typeface="Microsoft GothicNeo Light" panose="020B0300000101010101" pitchFamily="50" charset="-127"/>
-              </a:endParaRPr>
-            </a:p>
-          </p:txBody>
-        </p:sp>
-        <p:sp>
-          <p:nvSpPr>
-            <p:cNvPr id="43" name="말풍선: 사각형 42">
-              <a:extLst>
-                <a:ext uri="{FF2B5EF4-FFF2-40B4-BE49-F238E27FC236}">
-                  <a16:creationId xmlns:a16="http://schemas.microsoft.com/office/drawing/2014/main" id="{8272A661-0FD6-A683-E611-D3151DA3B348}"/>
-                </a:ext>
-              </a:extLst>
-            </p:cNvPr>
-            <p:cNvSpPr/>
-            <p:nvPr/>
-          </p:nvSpPr>
-          <p:spPr>
-            <a:xfrm>
-              <a:off x="2093843" y="3429000"/>
-              <a:ext cx="1510748" cy="612648"/>
-            </a:xfrm>
-            <a:prstGeom prst="wedgeRectCallout">
-              <a:avLst>
-                <a:gd name="adj1" fmla="val 23523"/>
-                <a:gd name="adj2" fmla="val -120282"/>
-              </a:avLst>
-            </a:prstGeom>
-          </p:spPr>
-          <p:style>
-            <a:lnRef idx="2">
-              <a:schemeClr val="accent3"/>
-            </a:lnRef>
-            <a:fillRef idx="1">
-              <a:schemeClr val="lt1"/>
-            </a:fillRef>
-            <a:effectRef idx="0">
-              <a:schemeClr val="accent3"/>
-            </a:effectRef>
-            <a:fontRef idx="minor">
-              <a:schemeClr val="dk1"/>
-            </a:fontRef>
-          </p:style>
-          <p:txBody>
-            <a:bodyPr rtlCol="0" anchor="ctr"/>
-            <a:lstStyle/>
-            <a:p>
-              <a:pPr algn="ctr"/>
-              <a:r>
-                <a:rPr lang="ko-KR" altLang="en-US" sz="1100" dirty="0">
-                  <a:latin typeface="Microsoft GothicNeo Light" panose="020B0300000101010101" pitchFamily="50" charset="-127"/>
-                  <a:ea typeface="Microsoft GothicNeo Light" panose="020B0300000101010101" pitchFamily="50" charset="-127"/>
-                  <a:cs typeface="Microsoft GothicNeo Light" panose="020B0300000101010101" pitchFamily="50" charset="-127"/>
-                </a:rPr>
-                <a:t>같은 공간 내</a:t>
-              </a:r>
-              <a:endParaRPr lang="en-US" altLang="ko-KR" sz="1100" dirty="0">
-                <a:latin typeface="Microsoft GothicNeo Light" panose="020B0300000101010101" pitchFamily="50" charset="-127"/>
-                <a:ea typeface="Microsoft GothicNeo Light" panose="020B0300000101010101" pitchFamily="50" charset="-127"/>
-                <a:cs typeface="Microsoft GothicNeo Light" panose="020B0300000101010101" pitchFamily="50" charset="-127"/>
-              </a:endParaRPr>
-            </a:p>
-            <a:p>
-              <a:pPr algn="ctr"/>
-              <a:r>
-                <a:rPr lang="ko-KR" altLang="en-US" sz="1100" dirty="0">
-                  <a:latin typeface="Microsoft GothicNeo Light" panose="020B0300000101010101" pitchFamily="50" charset="-127"/>
-                  <a:ea typeface="Microsoft GothicNeo Light" panose="020B0300000101010101" pitchFamily="50" charset="-127"/>
-                  <a:cs typeface="Microsoft GothicNeo Light" panose="020B0300000101010101" pitchFamily="50" charset="-127"/>
-                </a:rPr>
-                <a:t>몬스터 이동 제한</a:t>
-              </a:r>
-            </a:p>
-          </p:txBody>
-        </p:sp>
-        <p:sp>
-          <p:nvSpPr>
-            <p:cNvPr id="44" name="말풍선: 사각형 43">
-              <a:extLst>
-                <a:ext uri="{FF2B5EF4-FFF2-40B4-BE49-F238E27FC236}">
-                  <a16:creationId xmlns:a16="http://schemas.microsoft.com/office/drawing/2014/main" id="{031C6C29-EA39-93C1-5848-975A45FDCF78}"/>
-                </a:ext>
-              </a:extLst>
-            </p:cNvPr>
-            <p:cNvSpPr/>
-            <p:nvPr/>
-          </p:nvSpPr>
-          <p:spPr>
-            <a:xfrm>
-              <a:off x="4356197" y="3429000"/>
-              <a:ext cx="1510748" cy="612648"/>
-            </a:xfrm>
-            <a:prstGeom prst="wedgeRectCallout">
-              <a:avLst>
-                <a:gd name="adj1" fmla="val -22530"/>
-                <a:gd name="adj2" fmla="val -117037"/>
-              </a:avLst>
-            </a:prstGeom>
-          </p:spPr>
-          <p:style>
-            <a:lnRef idx="2">
-              <a:schemeClr val="accent3"/>
-            </a:lnRef>
-            <a:fillRef idx="1">
-              <a:schemeClr val="lt1"/>
-            </a:fillRef>
-            <a:effectRef idx="0">
-              <a:schemeClr val="accent3"/>
-            </a:effectRef>
-            <a:fontRef idx="minor">
-              <a:schemeClr val="dk1"/>
-            </a:fontRef>
-          </p:style>
-          <p:txBody>
-            <a:bodyPr rtlCol="0" anchor="ctr"/>
-            <a:lstStyle/>
-            <a:p>
-              <a:pPr algn="ctr"/>
-              <a:r>
-                <a:rPr lang="ko-KR" altLang="en-US" sz="1100" dirty="0">
-                  <a:latin typeface="Microsoft GothicNeo Light" panose="020B0300000101010101" pitchFamily="50" charset="-127"/>
-                  <a:ea typeface="Microsoft GothicNeo Light" panose="020B0300000101010101" pitchFamily="50" charset="-127"/>
-                  <a:cs typeface="Microsoft GothicNeo Light" panose="020B0300000101010101" pitchFamily="50" charset="-127"/>
-                </a:rPr>
-                <a:t>포탈 등 별도의 지형</a:t>
-              </a:r>
-            </a:p>
-          </p:txBody>
-        </p:sp>
-      </p:grpSp>
-      <p:sp>
-        <p:nvSpPr>
-          <p:cNvPr id="45" name="사각형: 둥근 모서리 44">
-            <a:extLst>
-              <a:ext uri="{FF2B5EF4-FFF2-40B4-BE49-F238E27FC236}">
-                <a16:creationId xmlns:a16="http://schemas.microsoft.com/office/drawing/2014/main" id="{D03C8C96-2175-46B6-1417-0CC255A6F30D}"/>
-              </a:ext>
-            </a:extLst>
-          </p:cNvPr>
-          <p:cNvSpPr/>
-          <p:nvPr/>
-        </p:nvSpPr>
-        <p:spPr>
-          <a:xfrm>
-            <a:off x="7540329" y="148829"/>
-            <a:ext cx="1334729" cy="886894"/>
-          </a:xfrm>
-          <a:prstGeom prst="roundRect">
-            <a:avLst/>
-          </a:prstGeom>
-        </p:spPr>
-        <p:style>
-          <a:lnRef idx="3">
-            <a:schemeClr val="lt1"/>
-          </a:lnRef>
-          <a:fillRef idx="1">
-            <a:schemeClr val="accent3"/>
-          </a:fillRef>
-          <a:effectRef idx="1">
-            <a:schemeClr val="accent3"/>
-          </a:effectRef>
-          <a:fontRef idx="minor">
-            <a:schemeClr val="lt1"/>
-          </a:fontRef>
-        </p:style>
-        <p:txBody>
-          <a:bodyPr rtlCol="0" anchor="ctr"/>
-          <a:lstStyle/>
-          <a:p>
-            <a:pPr algn="ctr"/>
-            <a:r>
-              <a:rPr lang="ko-KR" altLang="en-US" dirty="0">
-                <a:latin typeface="Microsoft GothicNeo Light" panose="020B0300000101010101" pitchFamily="50" charset="-127"/>
-                <a:ea typeface="Microsoft GothicNeo Light" panose="020B0300000101010101" pitchFamily="50" charset="-127"/>
-                <a:cs typeface="Microsoft GothicNeo Light" panose="020B0300000101010101" pitchFamily="50" charset="-127"/>
-              </a:rPr>
-              <a:t>시간</a:t>
-            </a:r>
-          </a:p>
-        </p:txBody>
-      </p:sp>
-      <p:sp>
-        <p:nvSpPr>
-          <p:cNvPr id="46" name="사각형: 둥근 모서리 45">
-            <a:extLst>
-              <a:ext uri="{FF2B5EF4-FFF2-40B4-BE49-F238E27FC236}">
-                <a16:creationId xmlns:a16="http://schemas.microsoft.com/office/drawing/2014/main" id="{26B12308-A51C-F21A-0FF1-90884226594C}"/>
-              </a:ext>
-            </a:extLst>
-          </p:cNvPr>
-          <p:cNvSpPr/>
-          <p:nvPr/>
-        </p:nvSpPr>
-        <p:spPr>
-          <a:xfrm>
-            <a:off x="7540329" y="1100888"/>
-            <a:ext cx="1334729" cy="886894"/>
-          </a:xfrm>
-          <a:prstGeom prst="roundRect">
-            <a:avLst/>
-          </a:prstGeom>
-        </p:spPr>
-        <p:style>
-          <a:lnRef idx="3">
-            <a:schemeClr val="lt1"/>
-          </a:lnRef>
-          <a:fillRef idx="1">
-            <a:schemeClr val="accent3"/>
-          </a:fillRef>
-          <a:effectRef idx="1">
-            <a:schemeClr val="accent3"/>
-          </a:effectRef>
-          <a:fontRef idx="minor">
-            <a:schemeClr val="lt1"/>
-          </a:fontRef>
-        </p:style>
-        <p:txBody>
-          <a:bodyPr rtlCol="0" anchor="ctr"/>
-          <a:lstStyle/>
-          <a:p>
-            <a:pPr algn="ctr"/>
-            <a:r>
-              <a:rPr lang="ko-KR" altLang="en-US" dirty="0"/>
-              <a:t>체력</a:t>
-            </a:r>
-          </a:p>
-        </p:txBody>
-      </p:sp>
-      <p:grpSp>
-        <p:nvGrpSpPr>
-          <p:cNvPr id="5" name="그룹 4">
-            <a:extLst>
-              <a:ext uri="{FF2B5EF4-FFF2-40B4-BE49-F238E27FC236}">
-                <a16:creationId xmlns:a16="http://schemas.microsoft.com/office/drawing/2014/main" id="{1A665CB6-31E8-EFBF-08A9-4D3A27517340}"/>
-              </a:ext>
-            </a:extLst>
-          </p:cNvPr>
-          <p:cNvGrpSpPr/>
-          <p:nvPr/>
-        </p:nvGrpSpPr>
-        <p:grpSpPr>
-          <a:xfrm>
-            <a:off x="766877" y="487469"/>
-            <a:ext cx="5329123" cy="4231511"/>
-            <a:chOff x="1746563" y="1288658"/>
-            <a:chExt cx="5329123" cy="4231511"/>
-          </a:xfrm>
-        </p:grpSpPr>
-        <p:cxnSp>
-          <p:nvCxnSpPr>
-            <p:cNvPr id="17" name="직선 연결선 16">
-              <a:extLst>
-                <a:ext uri="{FF2B5EF4-FFF2-40B4-BE49-F238E27FC236}">
-                  <a16:creationId xmlns:a16="http://schemas.microsoft.com/office/drawing/2014/main" id="{7AE20303-0709-1FFE-0FA1-322775D1EC2D}"/>
-                </a:ext>
-              </a:extLst>
-            </p:cNvPr>
-            <p:cNvCxnSpPr/>
-            <p:nvPr/>
-          </p:nvCxnSpPr>
-          <p:spPr>
-            <a:xfrm>
-              <a:off x="5804777" y="2120348"/>
-              <a:ext cx="0" cy="1371600"/>
-            </a:xfrm>
-            <a:prstGeom prst="line">
-              <a:avLst/>
-            </a:prstGeom>
-            <a:ln w="101600">
-              <a:solidFill>
-                <a:schemeClr val="tx1"/>
-              </a:solidFill>
-            </a:ln>
-          </p:spPr>
-          <p:style>
-            <a:lnRef idx="1">
-              <a:schemeClr val="accent1"/>
-            </a:lnRef>
-            <a:fillRef idx="0">
-              <a:schemeClr val="accent1"/>
-            </a:fillRef>
-            <a:effectRef idx="0">
-              <a:schemeClr val="accent1"/>
-            </a:effectRef>
-            <a:fontRef idx="minor">
-              <a:schemeClr val="tx1"/>
-            </a:fontRef>
-          </p:style>
-        </p:cxnSp>
-        <p:sp>
-          <p:nvSpPr>
-            <p:cNvPr id="3" name="사각형: 둥근 모서리 2">
-              <a:extLst>
-                <a:ext uri="{FF2B5EF4-FFF2-40B4-BE49-F238E27FC236}">
-                  <a16:creationId xmlns:a16="http://schemas.microsoft.com/office/drawing/2014/main" id="{F14B23AE-187E-BD46-7E44-975C41372CDD}"/>
-                </a:ext>
-              </a:extLst>
-            </p:cNvPr>
-            <p:cNvSpPr/>
-            <p:nvPr/>
-          </p:nvSpPr>
-          <p:spPr>
-            <a:xfrm>
-              <a:off x="1752068" y="2313005"/>
-              <a:ext cx="1334729" cy="886894"/>
-            </a:xfrm>
-            <a:prstGeom prst="roundRect">
-              <a:avLst/>
-            </a:prstGeom>
-          </p:spPr>
-          <p:style>
-            <a:lnRef idx="3">
-              <a:schemeClr val="lt1"/>
-            </a:lnRef>
-            <a:fillRef idx="1">
-              <a:schemeClr val="accent3"/>
-            </a:fillRef>
-            <a:effectRef idx="1">
-              <a:schemeClr val="accent3"/>
-            </a:effectRef>
-            <a:fontRef idx="minor">
-              <a:schemeClr val="lt1"/>
-            </a:fontRef>
-          </p:style>
-          <p:txBody>
-            <a:bodyPr rtlCol="0" anchor="ctr"/>
-            <a:lstStyle/>
-            <a:p>
-              <a:pPr algn="ctr"/>
-              <a:r>
-                <a:rPr lang="ko-KR" altLang="en-US" dirty="0">
-                  <a:latin typeface="Microsoft GothicNeo Light" panose="020B0300000101010101" pitchFamily="50" charset="-127"/>
-                  <a:ea typeface="Microsoft GothicNeo Light" panose="020B0300000101010101" pitchFamily="50" charset="-127"/>
-                  <a:cs typeface="Microsoft GothicNeo Light" panose="020B0300000101010101" pitchFamily="50" charset="-127"/>
-                </a:rPr>
-                <a:t>시간</a:t>
-              </a:r>
-            </a:p>
-          </p:txBody>
-        </p:sp>
-        <p:sp>
-          <p:nvSpPr>
-            <p:cNvPr id="10" name="사각형: 둥근 모서리 9">
-              <a:extLst>
-                <a:ext uri="{FF2B5EF4-FFF2-40B4-BE49-F238E27FC236}">
-                  <a16:creationId xmlns:a16="http://schemas.microsoft.com/office/drawing/2014/main" id="{3F6928E2-26ED-F016-DE05-E40B7E340638}"/>
-                </a:ext>
-              </a:extLst>
-            </p:cNvPr>
-            <p:cNvSpPr/>
-            <p:nvPr/>
-          </p:nvSpPr>
-          <p:spPr>
-            <a:xfrm>
-              <a:off x="1746563" y="3911215"/>
-              <a:ext cx="1334729" cy="886894"/>
-            </a:xfrm>
-            <a:prstGeom prst="roundRect">
-              <a:avLst/>
-            </a:prstGeom>
-          </p:spPr>
-          <p:style>
-            <a:lnRef idx="3">
-              <a:schemeClr val="lt1"/>
-            </a:lnRef>
-            <a:fillRef idx="1">
-              <a:schemeClr val="accent3"/>
-            </a:fillRef>
-            <a:effectRef idx="1">
-              <a:schemeClr val="accent3"/>
-            </a:effectRef>
-            <a:fontRef idx="minor">
-              <a:schemeClr val="lt1"/>
-            </a:fontRef>
-          </p:style>
-          <p:txBody>
-            <a:bodyPr rtlCol="0" anchor="ctr"/>
-            <a:lstStyle/>
-            <a:p>
-              <a:pPr algn="ctr"/>
-              <a:r>
-                <a:rPr lang="ko-KR" altLang="en-US" dirty="0"/>
-                <a:t>체력</a:t>
-              </a:r>
-            </a:p>
-          </p:txBody>
-        </p:sp>
-        <p:cxnSp>
-          <p:nvCxnSpPr>
-            <p:cNvPr id="12" name="직선 연결선 11">
-              <a:extLst>
-                <a:ext uri="{FF2B5EF4-FFF2-40B4-BE49-F238E27FC236}">
-                  <a16:creationId xmlns:a16="http://schemas.microsoft.com/office/drawing/2014/main" id="{5874CF0A-215A-E8DD-DD58-85269429CF5F}"/>
-                </a:ext>
-              </a:extLst>
-            </p:cNvPr>
-            <p:cNvCxnSpPr/>
-            <p:nvPr/>
-          </p:nvCxnSpPr>
-          <p:spPr>
-            <a:xfrm>
-              <a:off x="4412975" y="2120348"/>
-              <a:ext cx="0" cy="1371600"/>
-            </a:xfrm>
-            <a:prstGeom prst="line">
-              <a:avLst/>
-            </a:prstGeom>
-            <a:ln w="101600">
-              <a:solidFill>
-                <a:schemeClr val="tx1"/>
-              </a:solidFill>
-            </a:ln>
-          </p:spPr>
-          <p:style>
-            <a:lnRef idx="1">
-              <a:schemeClr val="accent1"/>
-            </a:lnRef>
-            <a:fillRef idx="0">
-              <a:schemeClr val="accent1"/>
-            </a:fillRef>
-            <a:effectRef idx="0">
-              <a:schemeClr val="accent1"/>
-            </a:effectRef>
-            <a:fontRef idx="minor">
-              <a:schemeClr val="tx1"/>
-            </a:fontRef>
-          </p:style>
-        </p:cxnSp>
-        <p:sp>
-          <p:nvSpPr>
-            <p:cNvPr id="13" name="화살표: 오른쪽 12">
-              <a:extLst>
-                <a:ext uri="{FF2B5EF4-FFF2-40B4-BE49-F238E27FC236}">
-                  <a16:creationId xmlns:a16="http://schemas.microsoft.com/office/drawing/2014/main" id="{90A990A0-43B9-4047-941D-797823849EDB}"/>
-                </a:ext>
-              </a:extLst>
-            </p:cNvPr>
-            <p:cNvSpPr/>
-            <p:nvPr/>
-          </p:nvSpPr>
-          <p:spPr>
-            <a:xfrm>
-              <a:off x="3193775" y="2193235"/>
-              <a:ext cx="1149626" cy="468433"/>
-            </a:xfrm>
-            <a:prstGeom prst="rightArrow">
-              <a:avLst/>
-            </a:prstGeom>
-          </p:spPr>
-          <p:style>
-            <a:lnRef idx="3">
-              <a:schemeClr val="lt1"/>
-            </a:lnRef>
-            <a:fillRef idx="1">
-              <a:schemeClr val="accent3"/>
-            </a:fillRef>
-            <a:effectRef idx="1">
-              <a:schemeClr val="accent3"/>
-            </a:effectRef>
-            <a:fontRef idx="minor">
-              <a:schemeClr val="lt1"/>
-            </a:fontRef>
-          </p:style>
-          <p:txBody>
-            <a:bodyPr rtlCol="0" anchor="ctr"/>
-            <a:lstStyle/>
-            <a:p>
-              <a:pPr algn="ctr"/>
-              <a:r>
-                <a:rPr lang="ko-KR" altLang="en-US" sz="1200" dirty="0">
-                  <a:latin typeface="Microsoft GothicNeo Light" panose="020B0300000101010101" pitchFamily="50" charset="-127"/>
-                  <a:ea typeface="Microsoft GothicNeo Light" panose="020B0300000101010101" pitchFamily="50" charset="-127"/>
-                  <a:cs typeface="Microsoft GothicNeo Light" panose="020B0300000101010101" pitchFamily="50" charset="-127"/>
-                </a:rPr>
-                <a:t>최상위권</a:t>
-              </a:r>
-            </a:p>
-          </p:txBody>
-        </p:sp>
-        <p:sp>
-          <p:nvSpPr>
-            <p:cNvPr id="14" name="TextBox 13">
-              <a:extLst>
-                <a:ext uri="{FF2B5EF4-FFF2-40B4-BE49-F238E27FC236}">
-                  <a16:creationId xmlns:a16="http://schemas.microsoft.com/office/drawing/2014/main" id="{12324DE0-41BC-207A-6242-C7FBA89C08A1}"/>
-                </a:ext>
-              </a:extLst>
-            </p:cNvPr>
-            <p:cNvSpPr txBox="1"/>
-            <p:nvPr/>
-          </p:nvSpPr>
-          <p:spPr>
-            <a:xfrm>
-              <a:off x="3915692" y="1729842"/>
-              <a:ext cx="1031051" cy="369332"/>
-            </a:xfrm>
-            <a:prstGeom prst="rect">
-              <a:avLst/>
-            </a:prstGeom>
-            <a:noFill/>
-          </p:spPr>
-          <p:txBody>
-            <a:bodyPr wrap="none" rtlCol="0">
-              <a:spAutoFit/>
-            </a:bodyPr>
-            <a:lstStyle/>
-            <a:p>
-              <a:pPr algn="ctr"/>
-              <a:r>
-                <a:rPr lang="ko-KR" altLang="en-US" dirty="0">
-                  <a:latin typeface="Microsoft GothicNeo Light" panose="020B0300000101010101" pitchFamily="50" charset="-127"/>
-                  <a:ea typeface="Microsoft GothicNeo Light" panose="020B0300000101010101" pitchFamily="50" charset="-127"/>
-                  <a:cs typeface="Microsoft GothicNeo Light" panose="020B0300000101010101" pitchFamily="50" charset="-127"/>
-                </a:rPr>
-                <a:t>전멸공격</a:t>
-              </a:r>
-            </a:p>
-          </p:txBody>
-        </p:sp>
-        <p:sp>
-          <p:nvSpPr>
-            <p:cNvPr id="15" name="화살표: 오른쪽 14">
-              <a:extLst>
-                <a:ext uri="{FF2B5EF4-FFF2-40B4-BE49-F238E27FC236}">
-                  <a16:creationId xmlns:a16="http://schemas.microsoft.com/office/drawing/2014/main" id="{C0CA95FB-72A6-EA82-3EAA-79016C4D2778}"/>
-                </a:ext>
-              </a:extLst>
-            </p:cNvPr>
-            <p:cNvSpPr/>
-            <p:nvPr/>
-          </p:nvSpPr>
-          <p:spPr>
-            <a:xfrm>
-              <a:off x="3193775" y="2522236"/>
-              <a:ext cx="2715074" cy="468433"/>
-            </a:xfrm>
-            <a:prstGeom prst="rightArrow">
-              <a:avLst/>
-            </a:prstGeom>
-          </p:spPr>
-          <p:style>
-            <a:lnRef idx="3">
-              <a:schemeClr val="lt1"/>
-            </a:lnRef>
-            <a:fillRef idx="1">
-              <a:schemeClr val="accent3"/>
-            </a:fillRef>
-            <a:effectRef idx="1">
-              <a:schemeClr val="accent3"/>
-            </a:effectRef>
-            <a:fontRef idx="minor">
-              <a:schemeClr val="lt1"/>
-            </a:fontRef>
-          </p:style>
-          <p:txBody>
-            <a:bodyPr rtlCol="0" anchor="ctr"/>
-            <a:lstStyle/>
-            <a:p>
-              <a:pPr algn="ctr"/>
-              <a:r>
-                <a:rPr lang="ko-KR" altLang="en-US" sz="1200" dirty="0">
-                  <a:latin typeface="Microsoft GothicNeo Light" panose="020B0300000101010101" pitchFamily="50" charset="-127"/>
-                  <a:ea typeface="Microsoft GothicNeo Light" panose="020B0300000101010101" pitchFamily="50" charset="-127"/>
-                  <a:cs typeface="Microsoft GothicNeo Light" panose="020B0300000101010101" pitchFamily="50" charset="-127"/>
-                </a:rPr>
-                <a:t>중위권</a:t>
-              </a:r>
-            </a:p>
-          </p:txBody>
-        </p:sp>
-        <p:sp>
-          <p:nvSpPr>
-            <p:cNvPr id="18" name="TextBox 17">
-              <a:extLst>
-                <a:ext uri="{FF2B5EF4-FFF2-40B4-BE49-F238E27FC236}">
-                  <a16:creationId xmlns:a16="http://schemas.microsoft.com/office/drawing/2014/main" id="{4867F4F5-B54B-4185-3D37-0E40B565697F}"/>
-                </a:ext>
-              </a:extLst>
-            </p:cNvPr>
-            <p:cNvSpPr txBox="1"/>
-            <p:nvPr/>
-          </p:nvSpPr>
-          <p:spPr>
-            <a:xfrm>
-              <a:off x="5284255" y="1729842"/>
-              <a:ext cx="1031051" cy="369332"/>
-            </a:xfrm>
-            <a:prstGeom prst="rect">
-              <a:avLst/>
-            </a:prstGeom>
-            <a:noFill/>
-          </p:spPr>
-          <p:txBody>
-            <a:bodyPr wrap="none" rtlCol="0">
-              <a:spAutoFit/>
-            </a:bodyPr>
-            <a:lstStyle/>
-            <a:p>
-              <a:pPr algn="ctr"/>
-              <a:r>
-                <a:rPr lang="ko-KR" altLang="en-US" dirty="0">
-                  <a:latin typeface="Microsoft GothicNeo Light" panose="020B0300000101010101" pitchFamily="50" charset="-127"/>
-                  <a:ea typeface="Microsoft GothicNeo Light" panose="020B0300000101010101" pitchFamily="50" charset="-127"/>
-                  <a:cs typeface="Microsoft GothicNeo Light" panose="020B0300000101010101" pitchFamily="50" charset="-127"/>
-                </a:rPr>
-                <a:t>전멸공격</a:t>
-              </a:r>
-            </a:p>
-          </p:txBody>
-        </p:sp>
-        <p:sp>
-          <p:nvSpPr>
-            <p:cNvPr id="19" name="화살표: 오른쪽 18">
-              <a:extLst>
-                <a:ext uri="{FF2B5EF4-FFF2-40B4-BE49-F238E27FC236}">
-                  <a16:creationId xmlns:a16="http://schemas.microsoft.com/office/drawing/2014/main" id="{CDE9F679-C0A7-841A-5BE3-6085F9DB861D}"/>
-                </a:ext>
-              </a:extLst>
-            </p:cNvPr>
-            <p:cNvSpPr/>
-            <p:nvPr/>
-          </p:nvSpPr>
-          <p:spPr>
-            <a:xfrm>
-              <a:off x="3193773" y="2851237"/>
-              <a:ext cx="3881907" cy="468433"/>
-            </a:xfrm>
-            <a:prstGeom prst="rightArrow">
-              <a:avLst/>
-            </a:prstGeom>
-          </p:spPr>
-          <p:style>
-            <a:lnRef idx="3">
-              <a:schemeClr val="lt1"/>
-            </a:lnRef>
-            <a:fillRef idx="1">
-              <a:schemeClr val="accent3"/>
-            </a:fillRef>
-            <a:effectRef idx="1">
-              <a:schemeClr val="accent3"/>
-            </a:effectRef>
-            <a:fontRef idx="minor">
-              <a:schemeClr val="lt1"/>
-            </a:fontRef>
-          </p:style>
-          <p:txBody>
-            <a:bodyPr rtlCol="0" anchor="ctr"/>
-            <a:lstStyle/>
-            <a:p>
-              <a:pPr algn="ctr"/>
-              <a:r>
-                <a:rPr lang="ko-KR" altLang="en-US" sz="1200" dirty="0">
-                  <a:latin typeface="Microsoft GothicNeo Light" panose="020B0300000101010101" pitchFamily="50" charset="-127"/>
-                  <a:ea typeface="Microsoft GothicNeo Light" panose="020B0300000101010101" pitchFamily="50" charset="-127"/>
-                  <a:cs typeface="Microsoft GothicNeo Light" panose="020B0300000101010101" pitchFamily="50" charset="-127"/>
-                </a:rPr>
-                <a:t>하위권</a:t>
-              </a:r>
-            </a:p>
-          </p:txBody>
-        </p:sp>
-        <p:cxnSp>
-          <p:nvCxnSpPr>
-            <p:cNvPr id="20" name="직선 연결선 19">
-              <a:extLst>
-                <a:ext uri="{FF2B5EF4-FFF2-40B4-BE49-F238E27FC236}">
-                  <a16:creationId xmlns:a16="http://schemas.microsoft.com/office/drawing/2014/main" id="{EC85C92A-146A-7987-9D09-5779EF8FBBB0}"/>
-                </a:ext>
-              </a:extLst>
-            </p:cNvPr>
-            <p:cNvCxnSpPr>
-              <a:cxnSpLocks/>
-            </p:cNvCxnSpPr>
-            <p:nvPr/>
-          </p:nvCxnSpPr>
-          <p:spPr>
-            <a:xfrm>
-              <a:off x="4412975" y="3668862"/>
-              <a:ext cx="0" cy="1371600"/>
-            </a:xfrm>
-            <a:prstGeom prst="line">
-              <a:avLst/>
-            </a:prstGeom>
-            <a:ln w="101600">
-              <a:solidFill>
-                <a:schemeClr val="tx1"/>
-              </a:solidFill>
-            </a:ln>
-          </p:spPr>
-          <p:style>
-            <a:lnRef idx="1">
-              <a:schemeClr val="accent1"/>
-            </a:lnRef>
-            <a:fillRef idx="0">
-              <a:schemeClr val="accent1"/>
-            </a:fillRef>
-            <a:effectRef idx="0">
-              <a:schemeClr val="accent1"/>
-            </a:effectRef>
-            <a:fontRef idx="minor">
-              <a:schemeClr val="tx1"/>
-            </a:fontRef>
-          </p:style>
-        </p:cxnSp>
-        <p:sp>
-          <p:nvSpPr>
-            <p:cNvPr id="21" name="TextBox 20">
-              <a:extLst>
-                <a:ext uri="{FF2B5EF4-FFF2-40B4-BE49-F238E27FC236}">
-                  <a16:creationId xmlns:a16="http://schemas.microsoft.com/office/drawing/2014/main" id="{07456980-E6F5-2217-0E1B-9D70E6CE2DA8}"/>
-                </a:ext>
-              </a:extLst>
-            </p:cNvPr>
-            <p:cNvSpPr txBox="1"/>
-            <p:nvPr/>
-          </p:nvSpPr>
-          <p:spPr>
-            <a:xfrm>
-              <a:off x="3915692" y="5150837"/>
-              <a:ext cx="984565" cy="369332"/>
-            </a:xfrm>
-            <a:prstGeom prst="rect">
-              <a:avLst/>
-            </a:prstGeom>
-            <a:noFill/>
-          </p:spPr>
-          <p:txBody>
-            <a:bodyPr wrap="none" rtlCol="0">
-              <a:spAutoFit/>
-            </a:bodyPr>
-            <a:lstStyle/>
-            <a:p>
-              <a:pPr algn="ctr"/>
-              <a:r>
-                <a:rPr lang="ko-KR" altLang="en-US" dirty="0" err="1">
-                  <a:latin typeface="Microsoft GothicNeo Light" panose="020B0300000101010101" pitchFamily="50" charset="-127"/>
-                  <a:ea typeface="Microsoft GothicNeo Light" panose="020B0300000101010101" pitchFamily="50" charset="-127"/>
-                  <a:cs typeface="Microsoft GothicNeo Light" panose="020B0300000101010101" pitchFamily="50" charset="-127"/>
-                </a:rPr>
-                <a:t>페이즈</a:t>
-              </a:r>
-              <a:r>
-                <a:rPr lang="ko-KR" altLang="en-US" dirty="0">
-                  <a:latin typeface="Microsoft GothicNeo Light" panose="020B0300000101010101" pitchFamily="50" charset="-127"/>
-                  <a:ea typeface="Microsoft GothicNeo Light" panose="020B0300000101010101" pitchFamily="50" charset="-127"/>
-                  <a:cs typeface="Microsoft GothicNeo Light" panose="020B0300000101010101" pitchFamily="50" charset="-127"/>
-                </a:rPr>
-                <a:t> </a:t>
-              </a:r>
-              <a:r>
-                <a:rPr lang="en-US" altLang="ko-KR" dirty="0">
-                  <a:latin typeface="Microsoft GothicNeo Light" panose="020B0300000101010101" pitchFamily="50" charset="-127"/>
-                  <a:ea typeface="Microsoft GothicNeo Light" panose="020B0300000101010101" pitchFamily="50" charset="-127"/>
-                  <a:cs typeface="Microsoft GothicNeo Light" panose="020B0300000101010101" pitchFamily="50" charset="-127"/>
-                </a:rPr>
-                <a:t>1</a:t>
-              </a:r>
-              <a:endParaRPr lang="ko-KR" altLang="en-US" dirty="0">
-                <a:latin typeface="Microsoft GothicNeo Light" panose="020B0300000101010101" pitchFamily="50" charset="-127"/>
-                <a:ea typeface="Microsoft GothicNeo Light" panose="020B0300000101010101" pitchFamily="50" charset="-127"/>
-                <a:cs typeface="Microsoft GothicNeo Light" panose="020B0300000101010101" pitchFamily="50" charset="-127"/>
-              </a:endParaRPr>
-            </a:p>
-          </p:txBody>
-        </p:sp>
-        <p:cxnSp>
-          <p:nvCxnSpPr>
-            <p:cNvPr id="22" name="직선 연결선 21">
-              <a:extLst>
-                <a:ext uri="{FF2B5EF4-FFF2-40B4-BE49-F238E27FC236}">
-                  <a16:creationId xmlns:a16="http://schemas.microsoft.com/office/drawing/2014/main" id="{89BD3E67-BAAA-BD7B-D325-8910AA0F077B}"/>
-                </a:ext>
-              </a:extLst>
-            </p:cNvPr>
-            <p:cNvCxnSpPr>
-              <a:cxnSpLocks/>
-            </p:cNvCxnSpPr>
-            <p:nvPr/>
-          </p:nvCxnSpPr>
-          <p:spPr>
-            <a:xfrm>
-              <a:off x="5804777" y="3668862"/>
-              <a:ext cx="0" cy="1371600"/>
-            </a:xfrm>
-            <a:prstGeom prst="line">
-              <a:avLst/>
-            </a:prstGeom>
-            <a:ln w="101600">
-              <a:solidFill>
-                <a:schemeClr val="tx1"/>
-              </a:solidFill>
-            </a:ln>
-          </p:spPr>
-          <p:style>
-            <a:lnRef idx="1">
-              <a:schemeClr val="accent1"/>
-            </a:lnRef>
-            <a:fillRef idx="0">
-              <a:schemeClr val="accent1"/>
-            </a:fillRef>
-            <a:effectRef idx="0">
-              <a:schemeClr val="accent1"/>
-            </a:effectRef>
-            <a:fontRef idx="minor">
-              <a:schemeClr val="tx1"/>
-            </a:fontRef>
-          </p:style>
-        </p:cxnSp>
-        <p:sp>
-          <p:nvSpPr>
-            <p:cNvPr id="23" name="TextBox 22">
-              <a:extLst>
-                <a:ext uri="{FF2B5EF4-FFF2-40B4-BE49-F238E27FC236}">
-                  <a16:creationId xmlns:a16="http://schemas.microsoft.com/office/drawing/2014/main" id="{C875B502-DF19-A844-82DA-4C2AB9662E57}"/>
-                </a:ext>
-              </a:extLst>
-            </p:cNvPr>
-            <p:cNvSpPr txBox="1"/>
-            <p:nvPr/>
-          </p:nvSpPr>
-          <p:spPr>
-            <a:xfrm>
-              <a:off x="5297877" y="5150837"/>
-              <a:ext cx="1003801" cy="369332"/>
-            </a:xfrm>
-            <a:prstGeom prst="rect">
-              <a:avLst/>
-            </a:prstGeom>
-            <a:noFill/>
-          </p:spPr>
-          <p:txBody>
-            <a:bodyPr wrap="none" rtlCol="0">
-              <a:spAutoFit/>
-            </a:bodyPr>
-            <a:lstStyle/>
-            <a:p>
-              <a:pPr algn="ctr"/>
-              <a:r>
-                <a:rPr lang="ko-KR" altLang="en-US" dirty="0" err="1">
-                  <a:latin typeface="Microsoft GothicNeo Light" panose="020B0300000101010101" pitchFamily="50" charset="-127"/>
-                  <a:ea typeface="Microsoft GothicNeo Light" panose="020B0300000101010101" pitchFamily="50" charset="-127"/>
-                  <a:cs typeface="Microsoft GothicNeo Light" panose="020B0300000101010101" pitchFamily="50" charset="-127"/>
-                </a:rPr>
-                <a:t>페이즈</a:t>
-              </a:r>
-              <a:r>
-                <a:rPr lang="en-US" altLang="ko-KR" dirty="0">
-                  <a:latin typeface="Microsoft GothicNeo Light" panose="020B0300000101010101" pitchFamily="50" charset="-127"/>
-                  <a:ea typeface="Microsoft GothicNeo Light" panose="020B0300000101010101" pitchFamily="50" charset="-127"/>
-                  <a:cs typeface="Microsoft GothicNeo Light" panose="020B0300000101010101" pitchFamily="50" charset="-127"/>
-                </a:rPr>
-                <a:t> 2</a:t>
-              </a:r>
-              <a:endParaRPr lang="ko-KR" altLang="en-US" dirty="0">
-                <a:latin typeface="Microsoft GothicNeo Light" panose="020B0300000101010101" pitchFamily="50" charset="-127"/>
-                <a:ea typeface="Microsoft GothicNeo Light" panose="020B0300000101010101" pitchFamily="50" charset="-127"/>
-                <a:cs typeface="Microsoft GothicNeo Light" panose="020B0300000101010101" pitchFamily="50" charset="-127"/>
-              </a:endParaRPr>
-            </a:p>
-          </p:txBody>
-        </p:sp>
-        <p:sp>
-          <p:nvSpPr>
-            <p:cNvPr id="24" name="화살표: 오른쪽 23">
-              <a:extLst>
-                <a:ext uri="{FF2B5EF4-FFF2-40B4-BE49-F238E27FC236}">
-                  <a16:creationId xmlns:a16="http://schemas.microsoft.com/office/drawing/2014/main" id="{C8333EBD-7CFC-817B-7FD8-F3FF861DDE8E}"/>
-                </a:ext>
-              </a:extLst>
-            </p:cNvPr>
-            <p:cNvSpPr/>
-            <p:nvPr/>
-          </p:nvSpPr>
-          <p:spPr>
-            <a:xfrm>
-              <a:off x="3193774" y="3732425"/>
-              <a:ext cx="1106720" cy="1244475"/>
-            </a:xfrm>
-            <a:prstGeom prst="rightArrow">
-              <a:avLst>
-                <a:gd name="adj1" fmla="val 50000"/>
-                <a:gd name="adj2" fmla="val 19651"/>
-              </a:avLst>
-            </a:prstGeom>
-          </p:spPr>
-          <p:style>
-            <a:lnRef idx="3">
-              <a:schemeClr val="lt1"/>
-            </a:lnRef>
-            <a:fillRef idx="1">
-              <a:schemeClr val="accent3"/>
-            </a:fillRef>
-            <a:effectRef idx="1">
-              <a:schemeClr val="accent3"/>
-            </a:effectRef>
-            <a:fontRef idx="minor">
-              <a:schemeClr val="lt1"/>
-            </a:fontRef>
-          </p:style>
-          <p:txBody>
-            <a:bodyPr rtlCol="0" anchor="ctr"/>
-            <a:lstStyle/>
-            <a:p>
-              <a:pPr algn="ctr"/>
-              <a:r>
-                <a:rPr lang="ko-KR" altLang="en-US" sz="1200" dirty="0">
-                  <a:latin typeface="Microsoft GothicNeo Light" panose="020B0300000101010101" pitchFamily="50" charset="-127"/>
-                  <a:ea typeface="Microsoft GothicNeo Light" panose="020B0300000101010101" pitchFamily="50" charset="-127"/>
-                  <a:cs typeface="Microsoft GothicNeo Light" panose="020B0300000101010101" pitchFamily="50" charset="-127"/>
-                </a:rPr>
-                <a:t>기본 상태</a:t>
-              </a:r>
-              <a:endParaRPr lang="en-US" altLang="ko-KR" sz="1200" dirty="0">
-                <a:latin typeface="Microsoft GothicNeo Light" panose="020B0300000101010101" pitchFamily="50" charset="-127"/>
-                <a:ea typeface="Microsoft GothicNeo Light" panose="020B0300000101010101" pitchFamily="50" charset="-127"/>
-                <a:cs typeface="Microsoft GothicNeo Light" panose="020B0300000101010101" pitchFamily="50" charset="-127"/>
-              </a:endParaRPr>
-            </a:p>
-          </p:txBody>
-        </p:sp>
-        <p:sp>
-          <p:nvSpPr>
-            <p:cNvPr id="25" name="화살표: 오른쪽 24">
-              <a:extLst>
-                <a:ext uri="{FF2B5EF4-FFF2-40B4-BE49-F238E27FC236}">
-                  <a16:creationId xmlns:a16="http://schemas.microsoft.com/office/drawing/2014/main" id="{C175879C-4C64-B347-FC56-8D306BEF54BB}"/>
-                </a:ext>
-              </a:extLst>
-            </p:cNvPr>
-            <p:cNvSpPr/>
-            <p:nvPr/>
-          </p:nvSpPr>
-          <p:spPr>
-            <a:xfrm>
-              <a:off x="4525458" y="3732425"/>
-              <a:ext cx="1166838" cy="1244475"/>
-            </a:xfrm>
-            <a:prstGeom prst="rightArrow">
-              <a:avLst>
-                <a:gd name="adj1" fmla="val 50000"/>
-                <a:gd name="adj2" fmla="val 19651"/>
-              </a:avLst>
-            </a:prstGeom>
-          </p:spPr>
-          <p:style>
-            <a:lnRef idx="3">
-              <a:schemeClr val="lt1"/>
-            </a:lnRef>
-            <a:fillRef idx="1">
-              <a:schemeClr val="accent3"/>
-            </a:fillRef>
-            <a:effectRef idx="1">
-              <a:schemeClr val="accent3"/>
-            </a:effectRef>
-            <a:fontRef idx="minor">
-              <a:schemeClr val="lt1"/>
-            </a:fontRef>
-          </p:style>
-          <p:txBody>
-            <a:bodyPr rtlCol="0" anchor="ctr"/>
-            <a:lstStyle/>
-            <a:p>
-              <a:pPr algn="ctr"/>
-              <a:r>
-                <a:rPr lang="ko-KR" altLang="en-US" sz="1200" dirty="0">
-                  <a:latin typeface="Microsoft GothicNeo Light" panose="020B0300000101010101" pitchFamily="50" charset="-127"/>
-                  <a:ea typeface="Microsoft GothicNeo Light" panose="020B0300000101010101" pitchFamily="50" charset="-127"/>
-                  <a:cs typeface="Microsoft GothicNeo Light" panose="020B0300000101010101" pitchFamily="50" charset="-127"/>
-                </a:rPr>
-                <a:t>분노 상태</a:t>
-              </a:r>
-              <a:endParaRPr lang="en-US" altLang="ko-KR" sz="1200" dirty="0">
-                <a:latin typeface="Microsoft GothicNeo Light" panose="020B0300000101010101" pitchFamily="50" charset="-127"/>
-                <a:ea typeface="Microsoft GothicNeo Light" panose="020B0300000101010101" pitchFamily="50" charset="-127"/>
-                <a:cs typeface="Microsoft GothicNeo Light" panose="020B0300000101010101" pitchFamily="50" charset="-127"/>
-              </a:endParaRPr>
-            </a:p>
-            <a:p>
-              <a:pPr algn="ctr"/>
-              <a:r>
-                <a:rPr lang="en-US" altLang="ko-KR" sz="800" dirty="0">
-                  <a:latin typeface="Microsoft GothicNeo Light" panose="020B0300000101010101" pitchFamily="50" charset="-127"/>
-                  <a:ea typeface="Microsoft GothicNeo Light" panose="020B0300000101010101" pitchFamily="50" charset="-127"/>
-                  <a:cs typeface="Microsoft GothicNeo Light" panose="020B0300000101010101" pitchFamily="50" charset="-127"/>
-                </a:rPr>
-                <a:t>( </a:t>
-              </a:r>
-              <a:r>
-                <a:rPr lang="ko-KR" altLang="en-US" sz="800" dirty="0">
-                  <a:latin typeface="Microsoft GothicNeo Light" panose="020B0300000101010101" pitchFamily="50" charset="-127"/>
-                  <a:ea typeface="Microsoft GothicNeo Light" panose="020B0300000101010101" pitchFamily="50" charset="-127"/>
-                  <a:cs typeface="Microsoft GothicNeo Light" panose="020B0300000101010101" pitchFamily="50" charset="-127"/>
-                </a:rPr>
-                <a:t>강하고 빠른 공격 </a:t>
-              </a:r>
-              <a:r>
-                <a:rPr lang="en-US" altLang="ko-KR" sz="800" dirty="0">
-                  <a:latin typeface="Microsoft GothicNeo Light" panose="020B0300000101010101" pitchFamily="50" charset="-127"/>
-                  <a:ea typeface="Microsoft GothicNeo Light" panose="020B0300000101010101" pitchFamily="50" charset="-127"/>
-                  <a:cs typeface="Microsoft GothicNeo Light" panose="020B0300000101010101" pitchFamily="50" charset="-127"/>
-                </a:rPr>
-                <a:t>)</a:t>
-              </a:r>
-            </a:p>
-          </p:txBody>
-        </p:sp>
-        <p:sp>
-          <p:nvSpPr>
-            <p:cNvPr id="29" name="화살표: 오른쪽 28">
-              <a:extLst>
-                <a:ext uri="{FF2B5EF4-FFF2-40B4-BE49-F238E27FC236}">
-                  <a16:creationId xmlns:a16="http://schemas.microsoft.com/office/drawing/2014/main" id="{AB7F134B-86EA-C425-9813-F693DC4807BE}"/>
-                </a:ext>
-              </a:extLst>
-            </p:cNvPr>
-            <p:cNvSpPr/>
-            <p:nvPr/>
-          </p:nvSpPr>
-          <p:spPr>
-            <a:xfrm>
-              <a:off x="5908848" y="3732425"/>
-              <a:ext cx="1166838" cy="1244475"/>
-            </a:xfrm>
-            <a:prstGeom prst="rightArrow">
-              <a:avLst>
-                <a:gd name="adj1" fmla="val 50000"/>
-                <a:gd name="adj2" fmla="val 19651"/>
-              </a:avLst>
-            </a:prstGeom>
-          </p:spPr>
-          <p:style>
-            <a:lnRef idx="3">
-              <a:schemeClr val="lt1"/>
-            </a:lnRef>
-            <a:fillRef idx="1">
-              <a:schemeClr val="accent3"/>
-            </a:fillRef>
-            <a:effectRef idx="1">
-              <a:schemeClr val="accent3"/>
-            </a:effectRef>
-            <a:fontRef idx="minor">
-              <a:schemeClr val="lt1"/>
-            </a:fontRef>
-          </p:style>
-          <p:txBody>
-            <a:bodyPr rtlCol="0" anchor="ctr"/>
-            <a:lstStyle/>
-            <a:p>
-              <a:pPr algn="ctr"/>
-              <a:r>
-                <a:rPr lang="ko-KR" altLang="en-US" sz="1200" dirty="0">
-                  <a:latin typeface="Microsoft GothicNeo Light" panose="020B0300000101010101" pitchFamily="50" charset="-127"/>
-                  <a:ea typeface="Microsoft GothicNeo Light" panose="020B0300000101010101" pitchFamily="50" charset="-127"/>
-                  <a:cs typeface="Microsoft GothicNeo Light" panose="020B0300000101010101" pitchFamily="50" charset="-127"/>
-                </a:rPr>
-                <a:t>빈약 상태</a:t>
-              </a:r>
-              <a:endParaRPr lang="en-US" altLang="ko-KR" sz="1200" dirty="0">
-                <a:latin typeface="Microsoft GothicNeo Light" panose="020B0300000101010101" pitchFamily="50" charset="-127"/>
-                <a:ea typeface="Microsoft GothicNeo Light" panose="020B0300000101010101" pitchFamily="50" charset="-127"/>
-                <a:cs typeface="Microsoft GothicNeo Light" panose="020B0300000101010101" pitchFamily="50" charset="-127"/>
-              </a:endParaRPr>
-            </a:p>
-            <a:p>
-              <a:pPr algn="ctr"/>
-              <a:r>
-                <a:rPr lang="en-US" altLang="ko-KR" sz="800" dirty="0">
-                  <a:latin typeface="Microsoft GothicNeo Light" panose="020B0300000101010101" pitchFamily="50" charset="-127"/>
-                  <a:ea typeface="Microsoft GothicNeo Light" panose="020B0300000101010101" pitchFamily="50" charset="-127"/>
-                  <a:cs typeface="Microsoft GothicNeo Light" panose="020B0300000101010101" pitchFamily="50" charset="-127"/>
-                </a:rPr>
-                <a:t>(</a:t>
-              </a:r>
-              <a:r>
-                <a:rPr lang="ko-KR" altLang="en-US" sz="800" dirty="0">
-                  <a:latin typeface="Microsoft GothicNeo Light" panose="020B0300000101010101" pitchFamily="50" charset="-127"/>
-                  <a:ea typeface="Microsoft GothicNeo Light" panose="020B0300000101010101" pitchFamily="50" charset="-127"/>
-                  <a:cs typeface="Microsoft GothicNeo Light" panose="020B0300000101010101" pitchFamily="50" charset="-127"/>
-                </a:rPr>
-                <a:t>공격 후 그로기 상태</a:t>
-              </a:r>
-              <a:r>
-                <a:rPr lang="en-US" altLang="ko-KR" sz="800" dirty="0">
-                  <a:latin typeface="Microsoft GothicNeo Light" panose="020B0300000101010101" pitchFamily="50" charset="-127"/>
-                  <a:ea typeface="Microsoft GothicNeo Light" panose="020B0300000101010101" pitchFamily="50" charset="-127"/>
-                  <a:cs typeface="Microsoft GothicNeo Light" panose="020B0300000101010101" pitchFamily="50" charset="-127"/>
-                </a:rPr>
-                <a:t>)</a:t>
-              </a:r>
-              <a:endParaRPr lang="en-US" altLang="ko-KR" sz="1200" dirty="0">
-                <a:latin typeface="Microsoft GothicNeo Light" panose="020B0300000101010101" pitchFamily="50" charset="-127"/>
-                <a:ea typeface="Microsoft GothicNeo Light" panose="020B0300000101010101" pitchFamily="50" charset="-127"/>
-                <a:cs typeface="Microsoft GothicNeo Light" panose="020B0300000101010101" pitchFamily="50" charset="-127"/>
-              </a:endParaRPr>
-            </a:p>
-          </p:txBody>
-        </p:sp>
-        <p:sp>
-          <p:nvSpPr>
-            <p:cNvPr id="34" name="TextBox 33">
-              <a:extLst>
-                <a:ext uri="{FF2B5EF4-FFF2-40B4-BE49-F238E27FC236}">
-                  <a16:creationId xmlns:a16="http://schemas.microsoft.com/office/drawing/2014/main" id="{EBB11060-6AAC-0C67-0549-94F3F39932EC}"/>
-                </a:ext>
-              </a:extLst>
-            </p:cNvPr>
-            <p:cNvSpPr txBox="1"/>
-            <p:nvPr/>
-          </p:nvSpPr>
-          <p:spPr>
-            <a:xfrm>
-              <a:off x="1746563" y="1288658"/>
-              <a:ext cx="2747868" cy="369332"/>
-            </a:xfrm>
-            <a:prstGeom prst="rect">
-              <a:avLst/>
-            </a:prstGeom>
-            <a:noFill/>
-          </p:spPr>
-          <p:txBody>
-            <a:bodyPr wrap="none" rtlCol="0">
-              <a:spAutoFit/>
-            </a:bodyPr>
-            <a:lstStyle/>
-            <a:p>
-              <a:r>
-                <a:rPr lang="ko-KR" altLang="en-US" dirty="0">
-                  <a:latin typeface="Microsoft GothicNeo Light" panose="020B0300000101010101" pitchFamily="50" charset="-127"/>
-                  <a:ea typeface="Microsoft GothicNeo Light" panose="020B0300000101010101" pitchFamily="50" charset="-127"/>
-                  <a:cs typeface="Microsoft GothicNeo Light" panose="020B0300000101010101" pitchFamily="50" charset="-127"/>
-                </a:rPr>
-                <a:t>보스 레이드 패턴 기본 구성</a:t>
-              </a:r>
-            </a:p>
-          </p:txBody>
-        </p:sp>
-        <p:sp>
-          <p:nvSpPr>
-            <p:cNvPr id="2" name="TextBox 1">
-              <a:extLst>
-                <a:ext uri="{FF2B5EF4-FFF2-40B4-BE49-F238E27FC236}">
-                  <a16:creationId xmlns:a16="http://schemas.microsoft.com/office/drawing/2014/main" id="{61045305-6E56-39F8-DC0D-2519E0F8A1FA}"/>
-                </a:ext>
-              </a:extLst>
-            </p:cNvPr>
-            <p:cNvSpPr txBox="1"/>
-            <p:nvPr/>
-          </p:nvSpPr>
-          <p:spPr>
-            <a:xfrm>
-              <a:off x="4402254" y="3847839"/>
-              <a:ext cx="664155" cy="230832"/>
-            </a:xfrm>
-            <a:prstGeom prst="rect">
-              <a:avLst/>
-            </a:prstGeom>
-            <a:noFill/>
-          </p:spPr>
-          <p:txBody>
-            <a:bodyPr wrap="square" rtlCol="0">
-              <a:spAutoFit/>
-            </a:bodyPr>
-            <a:lstStyle/>
-            <a:p>
-              <a:pPr algn="ctr"/>
-              <a:r>
-                <a:rPr lang="ko-KR" altLang="en-US" sz="900" dirty="0" err="1">
-                  <a:latin typeface="Microsoft GothicNeo Light" panose="020B0300000101010101" pitchFamily="50" charset="-127"/>
-                  <a:ea typeface="Microsoft GothicNeo Light" panose="020B0300000101010101" pitchFamily="50" charset="-127"/>
-                  <a:cs typeface="Microsoft GothicNeo Light" panose="020B0300000101010101" pitchFamily="50" charset="-127"/>
-                </a:rPr>
-                <a:t>기믹공격</a:t>
-              </a:r>
-              <a:endParaRPr lang="ko-KR" altLang="en-US" sz="900" dirty="0">
-                <a:latin typeface="Microsoft GothicNeo Light" panose="020B0300000101010101" pitchFamily="50" charset="-127"/>
-                <a:ea typeface="Microsoft GothicNeo Light" panose="020B0300000101010101" pitchFamily="50" charset="-127"/>
-                <a:cs typeface="Microsoft GothicNeo Light" panose="020B0300000101010101" pitchFamily="50" charset="-127"/>
-              </a:endParaRPr>
-            </a:p>
-          </p:txBody>
-        </p:sp>
-        <p:sp>
-          <p:nvSpPr>
-            <p:cNvPr id="4" name="TextBox 3">
-              <a:extLst>
-                <a:ext uri="{FF2B5EF4-FFF2-40B4-BE49-F238E27FC236}">
-                  <a16:creationId xmlns:a16="http://schemas.microsoft.com/office/drawing/2014/main" id="{1EB44720-5163-EED2-D468-184057BEFA68}"/>
-                </a:ext>
-              </a:extLst>
-            </p:cNvPr>
-            <p:cNvSpPr txBox="1"/>
-            <p:nvPr/>
-          </p:nvSpPr>
-          <p:spPr>
-            <a:xfrm>
-              <a:off x="5762310" y="3830395"/>
-              <a:ext cx="664155" cy="230832"/>
-            </a:xfrm>
-            <a:prstGeom prst="rect">
-              <a:avLst/>
-            </a:prstGeom>
-            <a:noFill/>
-          </p:spPr>
-          <p:txBody>
-            <a:bodyPr wrap="square" rtlCol="0">
-              <a:spAutoFit/>
-            </a:bodyPr>
-            <a:lstStyle/>
-            <a:p>
-              <a:pPr algn="ctr"/>
-              <a:r>
-                <a:rPr lang="ko-KR" altLang="en-US" sz="900" dirty="0" err="1">
-                  <a:latin typeface="Microsoft GothicNeo Light" panose="020B0300000101010101" pitchFamily="50" charset="-127"/>
-                  <a:ea typeface="Microsoft GothicNeo Light" panose="020B0300000101010101" pitchFamily="50" charset="-127"/>
-                  <a:cs typeface="Microsoft GothicNeo Light" panose="020B0300000101010101" pitchFamily="50" charset="-127"/>
-                </a:rPr>
-                <a:t>기믹공격</a:t>
-              </a:r>
-              <a:endParaRPr lang="ko-KR" altLang="en-US" sz="900" dirty="0">
-                <a:latin typeface="Microsoft GothicNeo Light" panose="020B0300000101010101" pitchFamily="50" charset="-127"/>
-                <a:ea typeface="Microsoft GothicNeo Light" panose="020B0300000101010101" pitchFamily="50" charset="-127"/>
-                <a:cs typeface="Microsoft GothicNeo Light" panose="020B0300000101010101" pitchFamily="50" charset="-127"/>
-              </a:endParaRPr>
-            </a:p>
-          </p:txBody>
-        </p:sp>
-      </p:grpSp>
-    </p:spTree>
-    <p:extLst>
-      <p:ext uri="{BB962C8B-B14F-4D97-AF65-F5344CB8AC3E}">
-        <p14:creationId xmlns:p14="http://schemas.microsoft.com/office/powerpoint/2010/main" val="4085521357"/>
-      </p:ext>
-    </p:extLst>
-  </p:cSld>
-  <p:clrMapOvr>
-    <a:masterClrMapping/>
-  </p:clrMapOvr>
-</p:sld>
-</file>
-
-<file path=ppt/slides/slide20.xml><?xml version="1.0" encoding="utf-8"?>
+<file path=ppt/slides/slide21.xml><?xml version="1.0" encoding="utf-8"?>
 <p:sld xmlns:a="http://schemas.openxmlformats.org/drawingml/2006/main" xmlns:r="http://schemas.openxmlformats.org/officeDocument/2006/relationships" xmlns:p="http://schemas.openxmlformats.org/presentationml/2006/main">
   <p:cSld>
     <p:spTree>
@@ -24109,7 +25259,7 @@
 </p:sld>
 </file>
 
-<file path=ppt/slides/slide21.xml><?xml version="1.0" encoding="utf-8"?>
+<file path=ppt/slides/slide22.xml><?xml version="1.0" encoding="utf-8"?>
 <p:sld xmlns:a="http://schemas.openxmlformats.org/drawingml/2006/main" xmlns:r="http://schemas.openxmlformats.org/officeDocument/2006/relationships" xmlns:p="http://schemas.openxmlformats.org/presentationml/2006/main">
   <p:cSld>
     <p:spTree>
@@ -24385,6 +25535,1128 @@
           </a:p>
         </p:txBody>
       </p:sp>
+      <p:grpSp>
+        <p:nvGrpSpPr>
+          <p:cNvPr id="24" name="그룹 23">
+            <a:extLst>
+              <a:ext uri="{FF2B5EF4-FFF2-40B4-BE49-F238E27FC236}">
+                <a16:creationId xmlns:a16="http://schemas.microsoft.com/office/drawing/2014/main" id="{D00B3DB2-3072-BEE8-5F5F-89665B9A4123}"/>
+              </a:ext>
+            </a:extLst>
+          </p:cNvPr>
+          <p:cNvGrpSpPr/>
+          <p:nvPr/>
+        </p:nvGrpSpPr>
+        <p:grpSpPr>
+          <a:xfrm>
+            <a:off x="5874589" y="844114"/>
+            <a:ext cx="4985000" cy="3602700"/>
+            <a:chOff x="5874589" y="844114"/>
+            <a:chExt cx="4985000" cy="3602700"/>
+          </a:xfrm>
+        </p:grpSpPr>
+        <p:sp>
+          <p:nvSpPr>
+            <p:cNvPr id="23" name="Google Shape;60;p2">
+              <a:extLst>
+                <a:ext uri="{FF2B5EF4-FFF2-40B4-BE49-F238E27FC236}">
+                  <a16:creationId xmlns:a16="http://schemas.microsoft.com/office/drawing/2014/main" id="{94903CCA-26FA-57AA-BECD-6EC772BB0C89}"/>
+                </a:ext>
+              </a:extLst>
+            </p:cNvPr>
+            <p:cNvSpPr/>
+            <p:nvPr/>
+          </p:nvSpPr>
+          <p:spPr>
+            <a:xfrm>
+              <a:off x="9329944" y="1132114"/>
+              <a:ext cx="1529645" cy="1529645"/>
+            </a:xfrm>
+            <a:prstGeom prst="rect">
+              <a:avLst/>
+            </a:prstGeom>
+            <a:solidFill>
+              <a:schemeClr val="lt2"/>
+            </a:solidFill>
+            <a:ln w="9525" cap="flat" cmpd="sng">
+              <a:solidFill>
+                <a:schemeClr val="dk2"/>
+              </a:solidFill>
+              <a:prstDash val="solid"/>
+              <a:round/>
+              <a:headEnd type="none" w="sm" len="sm"/>
+              <a:tailEnd type="none" w="sm" len="sm"/>
+            </a:ln>
+          </p:spPr>
+          <p:txBody>
+            <a:bodyPr spcFirstLastPara="1" wrap="square" lIns="91425" tIns="91425" rIns="91425" bIns="91425" anchor="ctr" anchorCtr="0">
+              <a:noAutofit/>
+            </a:bodyPr>
+            <a:lstStyle/>
+            <a:p>
+              <a:pPr marL="0" marR="0" lvl="0" indent="0" algn="l" rtl="0">
+                <a:lnSpc>
+                  <a:spcPct val="100000"/>
+                </a:lnSpc>
+                <a:spcBef>
+                  <a:spcPts val="0"/>
+                </a:spcBef>
+                <a:spcAft>
+                  <a:spcPts val="0"/>
+                </a:spcAft>
+                <a:buClr>
+                  <a:srgbClr val="000000"/>
+                </a:buClr>
+                <a:buSzPts val="1400"/>
+                <a:buFont typeface="Arial"/>
+                <a:buNone/>
+              </a:pPr>
+              <a:endParaRPr sz="1400" b="0" i="0" u="none" strike="noStrike" cap="none">
+                <a:solidFill>
+                  <a:srgbClr val="000000"/>
+                </a:solidFill>
+                <a:latin typeface="Arial"/>
+                <a:ea typeface="Arial"/>
+                <a:cs typeface="Arial"/>
+                <a:sym typeface="Arial"/>
+              </a:endParaRPr>
+            </a:p>
+          </p:txBody>
+        </p:sp>
+        <p:sp>
+          <p:nvSpPr>
+            <p:cNvPr id="2" name="Google Shape;72;p2">
+              <a:extLst>
+                <a:ext uri="{FF2B5EF4-FFF2-40B4-BE49-F238E27FC236}">
+                  <a16:creationId xmlns:a16="http://schemas.microsoft.com/office/drawing/2014/main" id="{506D8A09-D169-71A2-757F-DF231EFD40D5}"/>
+                </a:ext>
+              </a:extLst>
+            </p:cNvPr>
+            <p:cNvSpPr/>
+            <p:nvPr/>
+          </p:nvSpPr>
+          <p:spPr>
+            <a:xfrm>
+              <a:off x="9796579" y="1506299"/>
+              <a:ext cx="261600" cy="261600"/>
+            </a:xfrm>
+            <a:prstGeom prst="ellipse">
+              <a:avLst/>
+            </a:prstGeom>
+            <a:solidFill>
+              <a:schemeClr val="accent1"/>
+            </a:solidFill>
+            <a:ln>
+              <a:noFill/>
+            </a:ln>
+          </p:spPr>
+          <p:txBody>
+            <a:bodyPr spcFirstLastPara="1" wrap="square" lIns="91425" tIns="91425" rIns="91425" bIns="91425" anchor="ctr" anchorCtr="0">
+              <a:noAutofit/>
+            </a:bodyPr>
+            <a:lstStyle/>
+            <a:p>
+              <a:pPr marL="0" marR="0" lvl="0" indent="0" algn="ctr" rtl="0">
+                <a:lnSpc>
+                  <a:spcPct val="100000"/>
+                </a:lnSpc>
+                <a:spcBef>
+                  <a:spcPts val="0"/>
+                </a:spcBef>
+                <a:spcAft>
+                  <a:spcPts val="0"/>
+                </a:spcAft>
+                <a:buClr>
+                  <a:srgbClr val="000000"/>
+                </a:buClr>
+                <a:buSzPts val="700"/>
+                <a:buFont typeface="Arial"/>
+                <a:buNone/>
+              </a:pPr>
+              <a:endParaRPr sz="700" b="0" i="0" u="none" strike="noStrike" cap="none">
+                <a:solidFill>
+                  <a:srgbClr val="000000"/>
+                </a:solidFill>
+                <a:latin typeface="Arial"/>
+                <a:ea typeface="Arial"/>
+                <a:cs typeface="Arial"/>
+                <a:sym typeface="Arial"/>
+              </a:endParaRPr>
+            </a:p>
+          </p:txBody>
+        </p:sp>
+        <p:grpSp>
+          <p:nvGrpSpPr>
+            <p:cNvPr id="3" name="그룹 2">
+              <a:extLst>
+                <a:ext uri="{FF2B5EF4-FFF2-40B4-BE49-F238E27FC236}">
+                  <a16:creationId xmlns:a16="http://schemas.microsoft.com/office/drawing/2014/main" id="{98FFE10E-5989-929A-737A-9399A5810D79}"/>
+                </a:ext>
+              </a:extLst>
+            </p:cNvPr>
+            <p:cNvGrpSpPr/>
+            <p:nvPr/>
+          </p:nvGrpSpPr>
+          <p:grpSpPr>
+            <a:xfrm>
+              <a:off x="5874589" y="844114"/>
+              <a:ext cx="3314700" cy="3602700"/>
+              <a:chOff x="196600" y="626400"/>
+              <a:chExt cx="3314700" cy="3602700"/>
+            </a:xfrm>
+          </p:grpSpPr>
+          <p:sp>
+            <p:nvSpPr>
+              <p:cNvPr id="4" name="Google Shape;60;p2">
+                <a:extLst>
+                  <a:ext uri="{FF2B5EF4-FFF2-40B4-BE49-F238E27FC236}">
+                    <a16:creationId xmlns:a16="http://schemas.microsoft.com/office/drawing/2014/main" id="{479C8666-60F6-2616-F347-2D93C08D2987}"/>
+                  </a:ext>
+                </a:extLst>
+              </p:cNvPr>
+              <p:cNvSpPr/>
+              <p:nvPr/>
+            </p:nvSpPr>
+            <p:spPr>
+              <a:xfrm>
+                <a:off x="196600" y="914400"/>
+                <a:ext cx="3314700" cy="3314700"/>
+              </a:xfrm>
+              <a:prstGeom prst="rect">
+                <a:avLst/>
+              </a:prstGeom>
+              <a:solidFill>
+                <a:schemeClr val="lt2"/>
+              </a:solidFill>
+              <a:ln w="9525" cap="flat" cmpd="sng">
+                <a:solidFill>
+                  <a:schemeClr val="dk2"/>
+                </a:solidFill>
+                <a:prstDash val="solid"/>
+                <a:round/>
+                <a:headEnd type="none" w="sm" len="sm"/>
+                <a:tailEnd type="none" w="sm" len="sm"/>
+              </a:ln>
+            </p:spPr>
+            <p:txBody>
+              <a:bodyPr spcFirstLastPara="1" wrap="square" lIns="91425" tIns="91425" rIns="91425" bIns="91425" anchor="ctr" anchorCtr="0">
+                <a:noAutofit/>
+              </a:bodyPr>
+              <a:lstStyle/>
+              <a:p>
+                <a:pPr marL="0" marR="0" lvl="0" indent="0" algn="l" rtl="0">
+                  <a:lnSpc>
+                    <a:spcPct val="100000"/>
+                  </a:lnSpc>
+                  <a:spcBef>
+                    <a:spcPts val="0"/>
+                  </a:spcBef>
+                  <a:spcAft>
+                    <a:spcPts val="0"/>
+                  </a:spcAft>
+                  <a:buClr>
+                    <a:srgbClr val="000000"/>
+                  </a:buClr>
+                  <a:buSzPts val="1400"/>
+                  <a:buFont typeface="Arial"/>
+                  <a:buNone/>
+                </a:pPr>
+                <a:endParaRPr sz="1400" b="0" i="0" u="none" strike="noStrike" cap="none">
+                  <a:solidFill>
+                    <a:srgbClr val="000000"/>
+                  </a:solidFill>
+                  <a:latin typeface="Arial"/>
+                  <a:ea typeface="Arial"/>
+                  <a:cs typeface="Arial"/>
+                  <a:sym typeface="Arial"/>
+                </a:endParaRPr>
+              </a:p>
+            </p:txBody>
+          </p:sp>
+          <p:sp>
+            <p:nvSpPr>
+              <p:cNvPr id="5" name="Google Shape;62;p2">
+                <a:extLst>
+                  <a:ext uri="{FF2B5EF4-FFF2-40B4-BE49-F238E27FC236}">
+                    <a16:creationId xmlns:a16="http://schemas.microsoft.com/office/drawing/2014/main" id="{F0605A70-5660-53F4-AD32-399E3F144EFB}"/>
+                  </a:ext>
+                </a:extLst>
+              </p:cNvPr>
+              <p:cNvSpPr/>
+              <p:nvPr/>
+            </p:nvSpPr>
+            <p:spPr>
+              <a:xfrm>
+                <a:off x="1522450" y="951000"/>
+                <a:ext cx="663000" cy="663000"/>
+              </a:xfrm>
+              <a:prstGeom prst="ellipse">
+                <a:avLst/>
+              </a:prstGeom>
+              <a:solidFill>
+                <a:srgbClr val="E06666"/>
+              </a:solidFill>
+              <a:ln>
+                <a:noFill/>
+              </a:ln>
+            </p:spPr>
+            <p:txBody>
+              <a:bodyPr spcFirstLastPara="1" wrap="square" lIns="91425" tIns="91425" rIns="91425" bIns="91425" anchor="ctr" anchorCtr="0">
+                <a:noAutofit/>
+              </a:bodyPr>
+              <a:lstStyle/>
+              <a:p>
+                <a:pPr marL="0" marR="0" lvl="0" indent="0" algn="l" rtl="0">
+                  <a:lnSpc>
+                    <a:spcPct val="100000"/>
+                  </a:lnSpc>
+                  <a:spcBef>
+                    <a:spcPts val="0"/>
+                  </a:spcBef>
+                  <a:spcAft>
+                    <a:spcPts val="0"/>
+                  </a:spcAft>
+                  <a:buClr>
+                    <a:srgbClr val="000000"/>
+                  </a:buClr>
+                  <a:buSzPts val="1000"/>
+                  <a:buFont typeface="Arial"/>
+                  <a:buNone/>
+                </a:pPr>
+                <a:r>
+                  <a:rPr lang="ko" sz="1000" b="0" i="0" u="none" strike="noStrike" cap="none">
+                    <a:solidFill>
+                      <a:srgbClr val="000000"/>
+                    </a:solidFill>
+                    <a:latin typeface="Arial"/>
+                    <a:ea typeface="Arial"/>
+                    <a:cs typeface="Arial"/>
+                    <a:sym typeface="Arial"/>
+                  </a:rPr>
+                  <a:t>보스</a:t>
+                </a:r>
+                <a:endParaRPr sz="1000" b="0" i="0" u="none" strike="noStrike" cap="none">
+                  <a:solidFill>
+                    <a:srgbClr val="000000"/>
+                  </a:solidFill>
+                  <a:latin typeface="Arial"/>
+                  <a:ea typeface="Arial"/>
+                  <a:cs typeface="Arial"/>
+                  <a:sym typeface="Arial"/>
+                </a:endParaRPr>
+              </a:p>
+            </p:txBody>
+          </p:sp>
+          <p:sp>
+            <p:nvSpPr>
+              <p:cNvPr id="6" name="Google Shape;63;p2">
+                <a:extLst>
+                  <a:ext uri="{FF2B5EF4-FFF2-40B4-BE49-F238E27FC236}">
+                    <a16:creationId xmlns:a16="http://schemas.microsoft.com/office/drawing/2014/main" id="{087E323C-1CCE-03D4-AEB0-5C6C7DE36E18}"/>
+                  </a:ext>
+                </a:extLst>
+              </p:cNvPr>
+              <p:cNvSpPr txBox="1"/>
+              <p:nvPr/>
+            </p:nvSpPr>
+            <p:spPr>
+              <a:xfrm>
+                <a:off x="196600" y="914400"/>
+                <a:ext cx="822900" cy="400200"/>
+              </a:xfrm>
+              <a:prstGeom prst="rect">
+                <a:avLst/>
+              </a:prstGeom>
+              <a:noFill/>
+              <a:ln>
+                <a:noFill/>
+              </a:ln>
+            </p:spPr>
+            <p:txBody>
+              <a:bodyPr spcFirstLastPara="1" wrap="square" lIns="91425" tIns="91425" rIns="91425" bIns="91425" anchor="t" anchorCtr="0">
+                <a:spAutoFit/>
+              </a:bodyPr>
+              <a:lstStyle/>
+              <a:p>
+                <a:pPr marL="0" marR="0" lvl="0" indent="0" algn="l" rtl="0">
+                  <a:lnSpc>
+                    <a:spcPct val="100000"/>
+                  </a:lnSpc>
+                  <a:spcBef>
+                    <a:spcPts val="0"/>
+                  </a:spcBef>
+                  <a:spcAft>
+                    <a:spcPts val="0"/>
+                  </a:spcAft>
+                  <a:buClr>
+                    <a:srgbClr val="000000"/>
+                  </a:buClr>
+                  <a:buSzPts val="1400"/>
+                  <a:buFont typeface="Arial"/>
+                  <a:buNone/>
+                </a:pPr>
+                <a:r>
+                  <a:rPr lang="ko" sz="1400" b="0" i="0" u="none" strike="noStrike" cap="none">
+                    <a:solidFill>
+                      <a:srgbClr val="000000"/>
+                    </a:solidFill>
+                    <a:latin typeface="Arial"/>
+                    <a:ea typeface="Arial"/>
+                    <a:cs typeface="Arial"/>
+                    <a:sym typeface="Arial"/>
+                  </a:rPr>
+                  <a:t>보스방</a:t>
+                </a:r>
+                <a:endParaRPr sz="1400" b="0" i="0" u="none" strike="noStrike" cap="none">
+                  <a:solidFill>
+                    <a:srgbClr val="000000"/>
+                  </a:solidFill>
+                  <a:latin typeface="Arial"/>
+                  <a:ea typeface="Arial"/>
+                  <a:cs typeface="Arial"/>
+                  <a:sym typeface="Arial"/>
+                </a:endParaRPr>
+              </a:p>
+            </p:txBody>
+          </p:sp>
+          <p:sp>
+            <p:nvSpPr>
+              <p:cNvPr id="10" name="Google Shape;64;p2">
+                <a:extLst>
+                  <a:ext uri="{FF2B5EF4-FFF2-40B4-BE49-F238E27FC236}">
+                    <a16:creationId xmlns:a16="http://schemas.microsoft.com/office/drawing/2014/main" id="{B59D107F-7CD3-306B-7138-CC5670380E13}"/>
+                  </a:ext>
+                </a:extLst>
+              </p:cNvPr>
+              <p:cNvSpPr/>
+              <p:nvPr/>
+            </p:nvSpPr>
+            <p:spPr>
+              <a:xfrm>
+                <a:off x="196600" y="3780900"/>
+                <a:ext cx="3314700" cy="448200"/>
+              </a:xfrm>
+              <a:prstGeom prst="rect">
+                <a:avLst/>
+              </a:prstGeom>
+              <a:solidFill>
+                <a:srgbClr val="4A86E8"/>
+              </a:solidFill>
+              <a:ln>
+                <a:noFill/>
+              </a:ln>
+            </p:spPr>
+            <p:txBody>
+              <a:bodyPr spcFirstLastPara="1" wrap="square" lIns="91425" tIns="91425" rIns="91425" bIns="91425" anchor="ctr" anchorCtr="0">
+                <a:noAutofit/>
+              </a:bodyPr>
+              <a:lstStyle/>
+              <a:p>
+                <a:pPr marL="0" marR="0" lvl="0" indent="0" algn="ctr" rtl="0">
+                  <a:lnSpc>
+                    <a:spcPct val="100000"/>
+                  </a:lnSpc>
+                  <a:spcBef>
+                    <a:spcPts val="0"/>
+                  </a:spcBef>
+                  <a:spcAft>
+                    <a:spcPts val="0"/>
+                  </a:spcAft>
+                  <a:buClr>
+                    <a:srgbClr val="000000"/>
+                  </a:buClr>
+                  <a:buSzPts val="1400"/>
+                  <a:buFont typeface="Arial"/>
+                  <a:buNone/>
+                </a:pPr>
+                <a:r>
+                  <a:rPr lang="ko" sz="1400" b="0" i="0" u="none" strike="noStrike" cap="none">
+                    <a:solidFill>
+                      <a:srgbClr val="000000"/>
+                    </a:solidFill>
+                    <a:latin typeface="Arial"/>
+                    <a:ea typeface="Arial"/>
+                    <a:cs typeface="Arial"/>
+                    <a:sym typeface="Arial"/>
+                  </a:rPr>
+                  <a:t>안전구역</a:t>
+                </a:r>
+                <a:endParaRPr sz="1400" b="0" i="0" u="none" strike="noStrike" cap="none">
+                  <a:solidFill>
+                    <a:srgbClr val="000000"/>
+                  </a:solidFill>
+                  <a:latin typeface="Arial"/>
+                  <a:ea typeface="Arial"/>
+                  <a:cs typeface="Arial"/>
+                  <a:sym typeface="Arial"/>
+                </a:endParaRPr>
+              </a:p>
+            </p:txBody>
+          </p:sp>
+          <p:sp>
+            <p:nvSpPr>
+              <p:cNvPr id="13" name="Google Shape;65;p2">
+                <a:extLst>
+                  <a:ext uri="{FF2B5EF4-FFF2-40B4-BE49-F238E27FC236}">
+                    <a16:creationId xmlns:a16="http://schemas.microsoft.com/office/drawing/2014/main" id="{41A61D42-E3C5-1378-7478-5D50D310DE5F}"/>
+                  </a:ext>
+                </a:extLst>
+              </p:cNvPr>
+              <p:cNvSpPr/>
+              <p:nvPr/>
+            </p:nvSpPr>
+            <p:spPr>
+              <a:xfrm>
+                <a:off x="1364800" y="1773925"/>
+                <a:ext cx="978300" cy="400200"/>
+              </a:xfrm>
+              <a:prstGeom prst="rect">
+                <a:avLst/>
+              </a:prstGeom>
+              <a:solidFill>
+                <a:srgbClr val="434343"/>
+              </a:solidFill>
+              <a:ln>
+                <a:noFill/>
+              </a:ln>
+            </p:spPr>
+            <p:txBody>
+              <a:bodyPr spcFirstLastPara="1" wrap="square" lIns="91425" tIns="91425" rIns="91425" bIns="91425" anchor="ctr" anchorCtr="0">
+                <a:noAutofit/>
+              </a:bodyPr>
+              <a:lstStyle/>
+              <a:p>
+                <a:pPr marL="0" marR="0" lvl="0" indent="0" algn="ctr" rtl="0">
+                  <a:lnSpc>
+                    <a:spcPct val="100000"/>
+                  </a:lnSpc>
+                  <a:spcBef>
+                    <a:spcPts val="0"/>
+                  </a:spcBef>
+                  <a:spcAft>
+                    <a:spcPts val="0"/>
+                  </a:spcAft>
+                  <a:buClr>
+                    <a:srgbClr val="000000"/>
+                  </a:buClr>
+                  <a:buSzPts val="1400"/>
+                  <a:buFont typeface="Arial"/>
+                  <a:buNone/>
+                </a:pPr>
+                <a:r>
+                  <a:rPr lang="ko" sz="1400" b="0" i="0" u="none" strike="noStrike" cap="none">
+                    <a:solidFill>
+                      <a:srgbClr val="FFFFFF"/>
+                    </a:solidFill>
+                    <a:latin typeface="Arial"/>
+                    <a:ea typeface="Arial"/>
+                    <a:cs typeface="Arial"/>
+                    <a:sym typeface="Arial"/>
+                  </a:rPr>
+                  <a:t>장애물</a:t>
+                </a:r>
+                <a:endParaRPr sz="1400" b="0" i="0" u="none" strike="noStrike" cap="none">
+                  <a:solidFill>
+                    <a:srgbClr val="FFFFFF"/>
+                  </a:solidFill>
+                  <a:latin typeface="Arial"/>
+                  <a:ea typeface="Arial"/>
+                  <a:cs typeface="Arial"/>
+                  <a:sym typeface="Arial"/>
+                </a:endParaRPr>
+              </a:p>
+            </p:txBody>
+          </p:sp>
+          <p:sp>
+            <p:nvSpPr>
+              <p:cNvPr id="14" name="Google Shape;66;p2">
+                <a:extLst>
+                  <a:ext uri="{FF2B5EF4-FFF2-40B4-BE49-F238E27FC236}">
+                    <a16:creationId xmlns:a16="http://schemas.microsoft.com/office/drawing/2014/main" id="{982337FB-AB91-20E8-47F9-E6994B46420D}"/>
+                  </a:ext>
+                </a:extLst>
+              </p:cNvPr>
+              <p:cNvSpPr/>
+              <p:nvPr/>
+            </p:nvSpPr>
+            <p:spPr>
+              <a:xfrm>
+                <a:off x="278200" y="2392675"/>
+                <a:ext cx="978300" cy="400200"/>
+              </a:xfrm>
+              <a:prstGeom prst="rect">
+                <a:avLst/>
+              </a:prstGeom>
+              <a:solidFill>
+                <a:srgbClr val="434343"/>
+              </a:solidFill>
+              <a:ln>
+                <a:noFill/>
+              </a:ln>
+            </p:spPr>
+            <p:txBody>
+              <a:bodyPr spcFirstLastPara="1" wrap="square" lIns="91425" tIns="91425" rIns="91425" bIns="91425" anchor="ctr" anchorCtr="0">
+                <a:noAutofit/>
+              </a:bodyPr>
+              <a:lstStyle/>
+              <a:p>
+                <a:pPr marL="0" marR="0" lvl="0" indent="0" algn="ctr" rtl="0">
+                  <a:lnSpc>
+                    <a:spcPct val="100000"/>
+                  </a:lnSpc>
+                  <a:spcBef>
+                    <a:spcPts val="0"/>
+                  </a:spcBef>
+                  <a:spcAft>
+                    <a:spcPts val="0"/>
+                  </a:spcAft>
+                  <a:buClr>
+                    <a:srgbClr val="000000"/>
+                  </a:buClr>
+                  <a:buSzPts val="1400"/>
+                  <a:buFont typeface="Arial"/>
+                  <a:buNone/>
+                </a:pPr>
+                <a:r>
+                  <a:rPr lang="ko" sz="1400" b="0" i="0" u="none" strike="noStrike" cap="none">
+                    <a:solidFill>
+                      <a:srgbClr val="FFFFFF"/>
+                    </a:solidFill>
+                    <a:latin typeface="Arial"/>
+                    <a:ea typeface="Arial"/>
+                    <a:cs typeface="Arial"/>
+                    <a:sym typeface="Arial"/>
+                  </a:rPr>
+                  <a:t>장애물</a:t>
+                </a:r>
+                <a:endParaRPr sz="1400" b="0" i="0" u="none" strike="noStrike" cap="none">
+                  <a:solidFill>
+                    <a:srgbClr val="FFFFFF"/>
+                  </a:solidFill>
+                  <a:latin typeface="Arial"/>
+                  <a:ea typeface="Arial"/>
+                  <a:cs typeface="Arial"/>
+                  <a:sym typeface="Arial"/>
+                </a:endParaRPr>
+              </a:p>
+            </p:txBody>
+          </p:sp>
+          <p:sp>
+            <p:nvSpPr>
+              <p:cNvPr id="15" name="Google Shape;67;p2">
+                <a:extLst>
+                  <a:ext uri="{FF2B5EF4-FFF2-40B4-BE49-F238E27FC236}">
+                    <a16:creationId xmlns:a16="http://schemas.microsoft.com/office/drawing/2014/main" id="{23084D14-F231-F5FB-FC05-1C82FC23B9DB}"/>
+                  </a:ext>
+                </a:extLst>
+              </p:cNvPr>
+              <p:cNvSpPr/>
+              <p:nvPr/>
+            </p:nvSpPr>
+            <p:spPr>
+              <a:xfrm>
+                <a:off x="645475" y="3086788"/>
+                <a:ext cx="978300" cy="400200"/>
+              </a:xfrm>
+              <a:prstGeom prst="rect">
+                <a:avLst/>
+              </a:prstGeom>
+              <a:solidFill>
+                <a:srgbClr val="434343"/>
+              </a:solidFill>
+              <a:ln>
+                <a:noFill/>
+              </a:ln>
+            </p:spPr>
+            <p:txBody>
+              <a:bodyPr spcFirstLastPara="1" wrap="square" lIns="91425" tIns="91425" rIns="91425" bIns="91425" anchor="ctr" anchorCtr="0">
+                <a:noAutofit/>
+              </a:bodyPr>
+              <a:lstStyle/>
+              <a:p>
+                <a:pPr marL="0" marR="0" lvl="0" indent="0" algn="ctr" rtl="0">
+                  <a:lnSpc>
+                    <a:spcPct val="100000"/>
+                  </a:lnSpc>
+                  <a:spcBef>
+                    <a:spcPts val="0"/>
+                  </a:spcBef>
+                  <a:spcAft>
+                    <a:spcPts val="0"/>
+                  </a:spcAft>
+                  <a:buClr>
+                    <a:srgbClr val="000000"/>
+                  </a:buClr>
+                  <a:buSzPts val="1400"/>
+                  <a:buFont typeface="Arial"/>
+                  <a:buNone/>
+                </a:pPr>
+                <a:r>
+                  <a:rPr lang="ko" sz="1400" b="0" i="0" u="none" strike="noStrike" cap="none">
+                    <a:solidFill>
+                      <a:srgbClr val="FFFFFF"/>
+                    </a:solidFill>
+                    <a:latin typeface="Arial"/>
+                    <a:ea typeface="Arial"/>
+                    <a:cs typeface="Arial"/>
+                    <a:sym typeface="Arial"/>
+                  </a:rPr>
+                  <a:t>장애물</a:t>
+                </a:r>
+                <a:endParaRPr sz="1400" b="0" i="0" u="none" strike="noStrike" cap="none">
+                  <a:solidFill>
+                    <a:srgbClr val="FFFFFF"/>
+                  </a:solidFill>
+                  <a:latin typeface="Arial"/>
+                  <a:ea typeface="Arial"/>
+                  <a:cs typeface="Arial"/>
+                  <a:sym typeface="Arial"/>
+                </a:endParaRPr>
+              </a:p>
+            </p:txBody>
+          </p:sp>
+          <p:sp>
+            <p:nvSpPr>
+              <p:cNvPr id="16" name="Google Shape;68;p2">
+                <a:extLst>
+                  <a:ext uri="{FF2B5EF4-FFF2-40B4-BE49-F238E27FC236}">
+                    <a16:creationId xmlns:a16="http://schemas.microsoft.com/office/drawing/2014/main" id="{57117A5B-AEF2-BB48-638D-8BF0AB56EF33}"/>
+                  </a:ext>
+                </a:extLst>
+              </p:cNvPr>
+              <p:cNvSpPr/>
+              <p:nvPr/>
+            </p:nvSpPr>
+            <p:spPr>
+              <a:xfrm>
+                <a:off x="1785425" y="3273575"/>
+                <a:ext cx="978300" cy="400200"/>
+              </a:xfrm>
+              <a:prstGeom prst="rect">
+                <a:avLst/>
+              </a:prstGeom>
+              <a:solidFill>
+                <a:srgbClr val="434343"/>
+              </a:solidFill>
+              <a:ln>
+                <a:noFill/>
+              </a:ln>
+            </p:spPr>
+            <p:txBody>
+              <a:bodyPr spcFirstLastPara="1" wrap="square" lIns="91425" tIns="91425" rIns="91425" bIns="91425" anchor="ctr" anchorCtr="0">
+                <a:noAutofit/>
+              </a:bodyPr>
+              <a:lstStyle/>
+              <a:p>
+                <a:pPr marL="0" marR="0" lvl="0" indent="0" algn="ctr" rtl="0">
+                  <a:lnSpc>
+                    <a:spcPct val="100000"/>
+                  </a:lnSpc>
+                  <a:spcBef>
+                    <a:spcPts val="0"/>
+                  </a:spcBef>
+                  <a:spcAft>
+                    <a:spcPts val="0"/>
+                  </a:spcAft>
+                  <a:buClr>
+                    <a:srgbClr val="000000"/>
+                  </a:buClr>
+                  <a:buSzPts val="1400"/>
+                  <a:buFont typeface="Arial"/>
+                  <a:buNone/>
+                </a:pPr>
+                <a:r>
+                  <a:rPr lang="ko" sz="1400" b="0" i="0" u="none" strike="noStrike" cap="none">
+                    <a:solidFill>
+                      <a:srgbClr val="FFFFFF"/>
+                    </a:solidFill>
+                    <a:latin typeface="Arial"/>
+                    <a:ea typeface="Arial"/>
+                    <a:cs typeface="Arial"/>
+                    <a:sym typeface="Arial"/>
+                  </a:rPr>
+                  <a:t>장애물</a:t>
+                </a:r>
+                <a:endParaRPr sz="1400" b="0" i="0" u="none" strike="noStrike" cap="none">
+                  <a:solidFill>
+                    <a:srgbClr val="FFFFFF"/>
+                  </a:solidFill>
+                  <a:latin typeface="Arial"/>
+                  <a:ea typeface="Arial"/>
+                  <a:cs typeface="Arial"/>
+                  <a:sym typeface="Arial"/>
+                </a:endParaRPr>
+              </a:p>
+            </p:txBody>
+          </p:sp>
+          <p:sp>
+            <p:nvSpPr>
+              <p:cNvPr id="17" name="Google Shape;69;p2">
+                <a:extLst>
+                  <a:ext uri="{FF2B5EF4-FFF2-40B4-BE49-F238E27FC236}">
+                    <a16:creationId xmlns:a16="http://schemas.microsoft.com/office/drawing/2014/main" id="{322A0110-2FCA-5620-C170-A581A45C5BA1}"/>
+                  </a:ext>
+                </a:extLst>
+              </p:cNvPr>
+              <p:cNvSpPr/>
+              <p:nvPr/>
+            </p:nvSpPr>
+            <p:spPr>
+              <a:xfrm>
+                <a:off x="2139000" y="2304288"/>
+                <a:ext cx="978300" cy="400200"/>
+              </a:xfrm>
+              <a:prstGeom prst="rect">
+                <a:avLst/>
+              </a:prstGeom>
+              <a:solidFill>
+                <a:srgbClr val="434343"/>
+              </a:solidFill>
+              <a:ln>
+                <a:noFill/>
+              </a:ln>
+            </p:spPr>
+            <p:txBody>
+              <a:bodyPr spcFirstLastPara="1" wrap="square" lIns="91425" tIns="91425" rIns="91425" bIns="91425" anchor="ctr" anchorCtr="0">
+                <a:noAutofit/>
+              </a:bodyPr>
+              <a:lstStyle/>
+              <a:p>
+                <a:pPr marL="0" marR="0" lvl="0" indent="0" algn="ctr" rtl="0">
+                  <a:lnSpc>
+                    <a:spcPct val="100000"/>
+                  </a:lnSpc>
+                  <a:spcBef>
+                    <a:spcPts val="0"/>
+                  </a:spcBef>
+                  <a:spcAft>
+                    <a:spcPts val="0"/>
+                  </a:spcAft>
+                  <a:buClr>
+                    <a:srgbClr val="000000"/>
+                  </a:buClr>
+                  <a:buSzPts val="1400"/>
+                  <a:buFont typeface="Arial"/>
+                  <a:buNone/>
+                </a:pPr>
+                <a:r>
+                  <a:rPr lang="ko" sz="1400" b="0" i="0" u="none" strike="noStrike" cap="none">
+                    <a:solidFill>
+                      <a:srgbClr val="FFFFFF"/>
+                    </a:solidFill>
+                    <a:latin typeface="Arial"/>
+                    <a:ea typeface="Arial"/>
+                    <a:cs typeface="Arial"/>
+                    <a:sym typeface="Arial"/>
+                  </a:rPr>
+                  <a:t>장애물</a:t>
+                </a:r>
+                <a:endParaRPr sz="1400" b="0" i="0" u="none" strike="noStrike" cap="none">
+                  <a:solidFill>
+                    <a:srgbClr val="FFFFFF"/>
+                  </a:solidFill>
+                  <a:latin typeface="Arial"/>
+                  <a:ea typeface="Arial"/>
+                  <a:cs typeface="Arial"/>
+                  <a:sym typeface="Arial"/>
+                </a:endParaRPr>
+              </a:p>
+            </p:txBody>
+          </p:sp>
+          <p:sp>
+            <p:nvSpPr>
+              <p:cNvPr id="18" name="Google Shape;71;p2">
+                <a:extLst>
+                  <a:ext uri="{FF2B5EF4-FFF2-40B4-BE49-F238E27FC236}">
+                    <a16:creationId xmlns:a16="http://schemas.microsoft.com/office/drawing/2014/main" id="{B7FE8538-1CAA-F4DA-16F0-6751F4B75FA9}"/>
+                  </a:ext>
+                </a:extLst>
+              </p:cNvPr>
+              <p:cNvSpPr/>
+              <p:nvPr/>
+            </p:nvSpPr>
+            <p:spPr>
+              <a:xfrm>
+                <a:off x="937250" y="1314600"/>
+                <a:ext cx="261600" cy="261600"/>
+              </a:xfrm>
+              <a:prstGeom prst="ellipse">
+                <a:avLst/>
+              </a:prstGeom>
+              <a:solidFill>
+                <a:schemeClr val="accent1"/>
+              </a:solidFill>
+              <a:ln>
+                <a:noFill/>
+              </a:ln>
+            </p:spPr>
+            <p:txBody>
+              <a:bodyPr spcFirstLastPara="1" wrap="square" lIns="91425" tIns="91425" rIns="91425" bIns="91425" anchor="ctr" anchorCtr="0">
+                <a:noAutofit/>
+              </a:bodyPr>
+              <a:lstStyle/>
+              <a:p>
+                <a:pPr marL="0" marR="0" lvl="0" indent="0" algn="ctr" rtl="0">
+                  <a:lnSpc>
+                    <a:spcPct val="100000"/>
+                  </a:lnSpc>
+                  <a:spcBef>
+                    <a:spcPts val="0"/>
+                  </a:spcBef>
+                  <a:spcAft>
+                    <a:spcPts val="0"/>
+                  </a:spcAft>
+                  <a:buClr>
+                    <a:srgbClr val="000000"/>
+                  </a:buClr>
+                  <a:buSzPts val="700"/>
+                  <a:buFont typeface="Arial"/>
+                  <a:buNone/>
+                </a:pPr>
+                <a:endParaRPr sz="700" b="0" i="0" u="none" strike="noStrike" cap="none">
+                  <a:solidFill>
+                    <a:srgbClr val="000000"/>
+                  </a:solidFill>
+                  <a:latin typeface="Arial"/>
+                  <a:ea typeface="Arial"/>
+                  <a:cs typeface="Arial"/>
+                  <a:sym typeface="Arial"/>
+                </a:endParaRPr>
+              </a:p>
+            </p:txBody>
+          </p:sp>
+          <p:sp>
+            <p:nvSpPr>
+              <p:cNvPr id="19" name="Google Shape;73;p2">
+                <a:extLst>
+                  <a:ext uri="{FF2B5EF4-FFF2-40B4-BE49-F238E27FC236}">
+                    <a16:creationId xmlns:a16="http://schemas.microsoft.com/office/drawing/2014/main" id="{B5BB280C-C1F1-A85E-F9D5-64B09AA0A220}"/>
+                  </a:ext>
+                </a:extLst>
+              </p:cNvPr>
+              <p:cNvSpPr/>
+              <p:nvPr/>
+            </p:nvSpPr>
+            <p:spPr>
+              <a:xfrm>
+                <a:off x="2185450" y="1473625"/>
+                <a:ext cx="261600" cy="261600"/>
+              </a:xfrm>
+              <a:prstGeom prst="ellipse">
+                <a:avLst/>
+              </a:prstGeom>
+              <a:solidFill>
+                <a:schemeClr val="accent1"/>
+              </a:solidFill>
+              <a:ln>
+                <a:noFill/>
+              </a:ln>
+            </p:spPr>
+            <p:txBody>
+              <a:bodyPr spcFirstLastPara="1" wrap="square" lIns="91425" tIns="91425" rIns="91425" bIns="91425" anchor="ctr" anchorCtr="0">
+                <a:noAutofit/>
+              </a:bodyPr>
+              <a:lstStyle/>
+              <a:p>
+                <a:pPr marL="0" marR="0" lvl="0" indent="0" algn="ctr" rtl="0">
+                  <a:lnSpc>
+                    <a:spcPct val="100000"/>
+                  </a:lnSpc>
+                  <a:spcBef>
+                    <a:spcPts val="0"/>
+                  </a:spcBef>
+                  <a:spcAft>
+                    <a:spcPts val="0"/>
+                  </a:spcAft>
+                  <a:buClr>
+                    <a:srgbClr val="000000"/>
+                  </a:buClr>
+                  <a:buSzPts val="700"/>
+                  <a:buFont typeface="Arial"/>
+                  <a:buNone/>
+                </a:pPr>
+                <a:endParaRPr sz="700" b="0" i="0" u="none" strike="noStrike" cap="none">
+                  <a:solidFill>
+                    <a:srgbClr val="000000"/>
+                  </a:solidFill>
+                  <a:latin typeface="Arial"/>
+                  <a:ea typeface="Arial"/>
+                  <a:cs typeface="Arial"/>
+                  <a:sym typeface="Arial"/>
+                </a:endParaRPr>
+              </a:p>
+            </p:txBody>
+          </p:sp>
+          <p:sp>
+            <p:nvSpPr>
+              <p:cNvPr id="20" name="Google Shape;74;p2">
+                <a:extLst>
+                  <a:ext uri="{FF2B5EF4-FFF2-40B4-BE49-F238E27FC236}">
+                    <a16:creationId xmlns:a16="http://schemas.microsoft.com/office/drawing/2014/main" id="{EDF97A0C-45DE-2680-263D-75CD17CCACE1}"/>
+                  </a:ext>
+                </a:extLst>
+              </p:cNvPr>
+              <p:cNvSpPr/>
+              <p:nvPr/>
+            </p:nvSpPr>
+            <p:spPr>
+              <a:xfrm>
+                <a:off x="2569450" y="1352400"/>
+                <a:ext cx="261600" cy="261600"/>
+              </a:xfrm>
+              <a:prstGeom prst="ellipse">
+                <a:avLst/>
+              </a:prstGeom>
+              <a:solidFill>
+                <a:schemeClr val="accent1"/>
+              </a:solidFill>
+              <a:ln>
+                <a:noFill/>
+              </a:ln>
+            </p:spPr>
+            <p:txBody>
+              <a:bodyPr spcFirstLastPara="1" wrap="square" lIns="91425" tIns="91425" rIns="91425" bIns="91425" anchor="ctr" anchorCtr="0">
+                <a:noAutofit/>
+              </a:bodyPr>
+              <a:lstStyle/>
+              <a:p>
+                <a:pPr marL="0" marR="0" lvl="0" indent="0" algn="ctr" rtl="0">
+                  <a:lnSpc>
+                    <a:spcPct val="100000"/>
+                  </a:lnSpc>
+                  <a:spcBef>
+                    <a:spcPts val="0"/>
+                  </a:spcBef>
+                  <a:spcAft>
+                    <a:spcPts val="0"/>
+                  </a:spcAft>
+                  <a:buClr>
+                    <a:srgbClr val="000000"/>
+                  </a:buClr>
+                  <a:buSzPts val="700"/>
+                  <a:buFont typeface="Arial"/>
+                  <a:buNone/>
+                </a:pPr>
+                <a:endParaRPr sz="700" b="0" i="0" u="none" strike="noStrike" cap="none">
+                  <a:solidFill>
+                    <a:srgbClr val="000000"/>
+                  </a:solidFill>
+                  <a:latin typeface="Arial"/>
+                  <a:ea typeface="Arial"/>
+                  <a:cs typeface="Arial"/>
+                  <a:sym typeface="Arial"/>
+                </a:endParaRPr>
+              </a:p>
+            </p:txBody>
+          </p:sp>
+          <p:cxnSp>
+            <p:nvCxnSpPr>
+              <p:cNvPr id="21" name="Google Shape;75;p2">
+                <a:extLst>
+                  <a:ext uri="{FF2B5EF4-FFF2-40B4-BE49-F238E27FC236}">
+                    <a16:creationId xmlns:a16="http://schemas.microsoft.com/office/drawing/2014/main" id="{3E4323A4-9564-53AA-0DDC-9B8555DC9B70}"/>
+                  </a:ext>
+                </a:extLst>
+              </p:cNvPr>
+              <p:cNvCxnSpPr>
+                <a:stCxn id="20" idx="7"/>
+              </p:cNvCxnSpPr>
+              <p:nvPr/>
+            </p:nvCxnSpPr>
+            <p:spPr>
+              <a:xfrm rot="10800000" flipH="1">
+                <a:off x="2792740" y="850410"/>
+                <a:ext cx="179100" cy="540300"/>
+              </a:xfrm>
+              <a:prstGeom prst="straightConnector1">
+                <a:avLst/>
+              </a:prstGeom>
+              <a:noFill/>
+              <a:ln w="9525" cap="flat" cmpd="sng">
+                <a:solidFill>
+                  <a:schemeClr val="dk2"/>
+                </a:solidFill>
+                <a:prstDash val="solid"/>
+                <a:round/>
+                <a:headEnd type="none" w="sm" len="sm"/>
+                <a:tailEnd type="triangle" w="med" len="med"/>
+              </a:ln>
+            </p:spPr>
+          </p:cxnSp>
+          <p:sp>
+            <p:nvSpPr>
+              <p:cNvPr id="22" name="Google Shape;76;p2">
+                <a:extLst>
+                  <a:ext uri="{FF2B5EF4-FFF2-40B4-BE49-F238E27FC236}">
+                    <a16:creationId xmlns:a16="http://schemas.microsoft.com/office/drawing/2014/main" id="{BA85F101-A2B6-EE04-B7DD-2DE5F67AE842}"/>
+                  </a:ext>
+                </a:extLst>
+              </p:cNvPr>
+              <p:cNvSpPr txBox="1"/>
+              <p:nvPr/>
+            </p:nvSpPr>
+            <p:spPr>
+              <a:xfrm>
+                <a:off x="2807200" y="626400"/>
+                <a:ext cx="567000" cy="292500"/>
+              </a:xfrm>
+              <a:prstGeom prst="rect">
+                <a:avLst/>
+              </a:prstGeom>
+              <a:noFill/>
+              <a:ln>
+                <a:noFill/>
+              </a:ln>
+            </p:spPr>
+            <p:txBody>
+              <a:bodyPr spcFirstLastPara="1" wrap="square" lIns="91425" tIns="91425" rIns="91425" bIns="91425" anchor="t" anchorCtr="0">
+                <a:spAutoFit/>
+              </a:bodyPr>
+              <a:lstStyle/>
+              <a:p>
+                <a:pPr marL="0" marR="0" lvl="0" indent="0" algn="ctr" rtl="0">
+                  <a:lnSpc>
+                    <a:spcPct val="100000"/>
+                  </a:lnSpc>
+                  <a:spcBef>
+                    <a:spcPts val="0"/>
+                  </a:spcBef>
+                  <a:spcAft>
+                    <a:spcPts val="0"/>
+                  </a:spcAft>
+                  <a:buClr>
+                    <a:srgbClr val="000000"/>
+                  </a:buClr>
+                  <a:buSzPts val="700"/>
+                  <a:buFont typeface="Arial"/>
+                  <a:buNone/>
+                </a:pPr>
+                <a:r>
+                  <a:rPr lang="ko" sz="700" b="0" i="0" u="none" strike="noStrike" cap="none">
+                    <a:solidFill>
+                      <a:srgbClr val="000000"/>
+                    </a:solidFill>
+                    <a:latin typeface="Arial"/>
+                    <a:ea typeface="Arial"/>
+                    <a:cs typeface="Arial"/>
+                    <a:sym typeface="Arial"/>
+                  </a:rPr>
+                  <a:t>플레이어</a:t>
+                </a:r>
+                <a:endParaRPr sz="700" b="0" i="0" u="none" strike="noStrike" cap="none">
+                  <a:solidFill>
+                    <a:srgbClr val="000000"/>
+                  </a:solidFill>
+                  <a:latin typeface="Arial"/>
+                  <a:ea typeface="Arial"/>
+                  <a:cs typeface="Arial"/>
+                  <a:sym typeface="Arial"/>
+                </a:endParaRPr>
+              </a:p>
+            </p:txBody>
+          </p:sp>
+        </p:grpSp>
+      </p:grpSp>
     </p:spTree>
     <p:extLst>
       <p:ext uri="{BB962C8B-B14F-4D97-AF65-F5344CB8AC3E}">
